--- a/20230712 NF Collab Update.pptx
+++ b/20230712 NF Collab Update.pptx
@@ -5,14 +5,15 @@
     <p:sldMasterId id="2147483648" r:id="rId1"/>
   </p:sldMasterIdLst>
   <p:notesMasterIdLst>
-    <p:notesMasterId r:id="rId7"/>
+    <p:notesMasterId r:id="rId8"/>
   </p:notesMasterIdLst>
   <p:sldIdLst>
     <p:sldId id="256" r:id="rId2"/>
-    <p:sldId id="259" r:id="rId3"/>
-    <p:sldId id="257" r:id="rId4"/>
-    <p:sldId id="260" r:id="rId5"/>
-    <p:sldId id="262" r:id="rId6"/>
+    <p:sldId id="264" r:id="rId3"/>
+    <p:sldId id="263" r:id="rId4"/>
+    <p:sldId id="265" r:id="rId5"/>
+    <p:sldId id="260" r:id="rId6"/>
+    <p:sldId id="262" r:id="rId7"/>
   </p:sldIdLst>
   <p:sldSz cx="12192000" cy="6858000"/>
   <p:notesSz cx="6858000" cy="9144000"/>
@@ -201,7 +202,7 @@
           <a:p>
             <a:fld id="{4299902A-6DB3-4A13-9B91-BEABFDA2FC16}" type="datetimeFigureOut">
               <a:rPr lang="en-US" smtClean="0"/>
-              <a:t>3/1/2023</a:t>
+              <a:t>7/11/2023</a:t>
             </a:fld>
             <a:endParaRPr lang="en-US"/>
           </a:p>
@@ -2270,7 +2271,17 @@
           <a:bodyPr/>
           <a:lstStyle/>
           <a:p>
-            <a:endParaRPr lang="en-US" dirty="0"/>
+            <a:r>
+              <a:rPr lang="en-US" dirty="0"/>
+              <a:t>NF Collab Update – </a:t>
+            </a:r>
+            <a:br>
+              <a:rPr lang="en-US" dirty="0"/>
+            </a:br>
+            <a:r>
+              <a:rPr lang="en-US" dirty="0"/>
+              <a:t>Proposed Figures</a:t>
+            </a:r>
           </a:p>
         </p:txBody>
       </p:sp>
@@ -2295,7 +2306,10 @@
           <a:bodyPr/>
           <a:lstStyle/>
           <a:p>
-            <a:endParaRPr lang="en-US" dirty="0"/>
+            <a:r>
+              <a:rPr lang="en-US" dirty="0"/>
+              <a:t>07/12/2023</a:t>
+            </a:r>
           </a:p>
         </p:txBody>
       </p:sp>
@@ -2334,7 +2348,7 @@
           <p:cNvPr id="2" name="Title 1">
             <a:extLst>
               <a:ext uri="{FF2B5EF4-FFF2-40B4-BE49-F238E27FC236}">
-                <a16:creationId xmlns:a16="http://schemas.microsoft.com/office/drawing/2014/main" id="{94DF7F7F-A503-44AD-7BFC-CE768444B8CF}"/>
+                <a16:creationId xmlns:a16="http://schemas.microsoft.com/office/drawing/2014/main" id="{065BD6D7-6A00-386F-8B9B-563021FABA34}"/>
               </a:ext>
             </a:extLst>
           </p:cNvPr>
@@ -2350,7 +2364,10 @@
           <a:bodyPr/>
           <a:lstStyle/>
           <a:p>
-            <a:endParaRPr lang="en-US"/>
+            <a:r>
+              <a:rPr lang="en-US" dirty="0"/>
+              <a:t>Research Question</a:t>
+            </a:r>
           </a:p>
         </p:txBody>
       </p:sp>
@@ -2359,7 +2376,7 @@
           <p:cNvPr id="3" name="Content Placeholder 2">
             <a:extLst>
               <a:ext uri="{FF2B5EF4-FFF2-40B4-BE49-F238E27FC236}">
-                <a16:creationId xmlns:a16="http://schemas.microsoft.com/office/drawing/2014/main" id="{40B6BB3A-7714-E155-B1A4-E0B7A130C5B5}"/>
+                <a16:creationId xmlns:a16="http://schemas.microsoft.com/office/drawing/2014/main" id="{1056DDF9-635D-46B6-FDDE-402895CAD7DE}"/>
               </a:ext>
             </a:extLst>
           </p:cNvPr>
@@ -2370,9 +2387,16 @@
             <p:ph idx="1"/>
           </p:nvPr>
         </p:nvSpPr>
-        <p:spPr/>
-        <p:txBody>
-          <a:bodyPr/>
+        <p:spPr>
+          <a:xfrm>
+            <a:off x="465667" y="1348011"/>
+            <a:ext cx="10515600" cy="1265312"/>
+          </a:xfrm>
+        </p:spPr>
+        <p:txBody>
+          <a:bodyPr>
+            <a:normAutofit/>
+          </a:bodyPr>
           <a:lstStyle/>
           <a:p>
             <a:pPr>
@@ -2383,10 +2407,13 @@
                 <a:spcPts val="0"/>
               </a:spcBef>
               <a:spcAft>
-                <a:spcPts val="1000"/>
+                <a:spcPts val="1200"/>
               </a:spcAft>
             </a:pPr>
-            <a:endParaRPr lang="en-US" dirty="0"/>
+            <a:r>
+              <a:rPr lang="en-US" sz="2400" dirty="0"/>
+              <a:t>How do the chemical identities of NFH and NFM determine their function within NFs?</a:t>
+            </a:r>
           </a:p>
         </p:txBody>
       </p:sp>
@@ -2395,7 +2422,7 @@
           <p:cNvPr id="4" name="Slide Number Placeholder 3">
             <a:extLst>
               <a:ext uri="{FF2B5EF4-FFF2-40B4-BE49-F238E27FC236}">
-                <a16:creationId xmlns:a16="http://schemas.microsoft.com/office/drawing/2014/main" id="{69844F62-6D7E-F6FB-0737-5BB93BFC0145}"/>
+                <a16:creationId xmlns:a16="http://schemas.microsoft.com/office/drawing/2014/main" id="{D52225E1-6ABC-7C37-6781-A580A68DEB90}"/>
               </a:ext>
             </a:extLst>
           </p:cNvPr>
@@ -2419,16 +2446,354 @@
           </a:p>
         </p:txBody>
       </p:sp>
+      <p:pic>
+        <p:nvPicPr>
+          <p:cNvPr id="1030" name="Picture 6">
+            <a:extLst>
+              <a:ext uri="{FF2B5EF4-FFF2-40B4-BE49-F238E27FC236}">
+                <a16:creationId xmlns:a16="http://schemas.microsoft.com/office/drawing/2014/main" id="{39416350-9D56-FEC0-F2E0-44B23168FFC6}"/>
+              </a:ext>
+            </a:extLst>
+          </p:cNvPr>
+          <p:cNvPicPr>
+            <a:picLocks noChangeAspect="1" noChangeArrowheads="1"/>
+          </p:cNvPicPr>
+          <p:nvPr/>
+        </p:nvPicPr>
+        <p:blipFill>
+          <a:blip r:embed="rId2">
+            <a:extLst>
+              <a:ext uri="{28A0092B-C50C-407E-A947-70E740481C1C}">
+                <a14:useLocalDpi xmlns:a14="http://schemas.microsoft.com/office/drawing/2010/main" val="0"/>
+              </a:ext>
+            </a:extLst>
+          </a:blip>
+          <a:srcRect/>
+          <a:stretch>
+            <a:fillRect/>
+          </a:stretch>
+        </p:blipFill>
+        <p:spPr bwMode="auto">
+          <a:xfrm>
+            <a:off x="6871105" y="2498470"/>
+            <a:ext cx="5168495" cy="3492416"/>
+          </a:xfrm>
+          <a:prstGeom prst="rect">
+            <a:avLst/>
+          </a:prstGeom>
+          <a:noFill/>
+          <a:extLst>
+            <a:ext uri="{909E8E84-426E-40DD-AFC4-6F175D3DCCD1}">
+              <a14:hiddenFill xmlns:a14="http://schemas.microsoft.com/office/drawing/2010/main">
+                <a:solidFill>
+                  <a:srgbClr val="FFFFFF"/>
+                </a:solidFill>
+              </a14:hiddenFill>
+            </a:ext>
+          </a:extLst>
+        </p:spPr>
+      </p:pic>
+      <mc:AlternateContent xmlns:mc="http://schemas.openxmlformats.org/markup-compatibility/2006">
+        <mc:Choice xmlns:a14="http://schemas.microsoft.com/office/drawing/2010/main" Requires="a14">
+          <p:sp>
+            <p:nvSpPr>
+              <p:cNvPr id="6" name="TextBox 5">
+                <a:extLst>
+                  <a:ext uri="{FF2B5EF4-FFF2-40B4-BE49-F238E27FC236}">
+                    <a16:creationId xmlns:a16="http://schemas.microsoft.com/office/drawing/2014/main" id="{4DF01ECB-899A-A480-2C82-8F6D5DD2DA68}"/>
+                  </a:ext>
+                </a:extLst>
+              </p:cNvPr>
+              <p:cNvSpPr txBox="1"/>
+              <p:nvPr/>
+            </p:nvSpPr>
+            <p:spPr>
+              <a:xfrm>
+                <a:off x="465666" y="2706199"/>
+                <a:ext cx="6316133" cy="2012089"/>
+              </a:xfrm>
+              <a:prstGeom prst="rect">
+                <a:avLst/>
+              </a:prstGeom>
+              <a:noFill/>
+            </p:spPr>
+            <p:txBody>
+              <a:bodyPr wrap="square">
+                <a:spAutoFit/>
+              </a:bodyPr>
+              <a:lstStyle/>
+              <a:p>
+                <a:pPr marL="342900" indent="-342900">
+                  <a:lnSpc>
+                    <a:spcPct val="100000"/>
+                  </a:lnSpc>
+                  <a:spcBef>
+                    <a:spcPts val="0"/>
+                  </a:spcBef>
+                  <a:spcAft>
+                    <a:spcPts val="1200"/>
+                  </a:spcAft>
+                  <a:buFont typeface="Arial" panose="020B0604020202020204" pitchFamily="34" charset="0"/>
+                  <a:buChar char="•"/>
+                </a:pPr>
+                <a:r>
+                  <a:rPr lang="en-US" sz="2400" dirty="0"/>
+                  <a:t>Context</a:t>
+                </a:r>
+              </a:p>
+              <a:p>
+                <a:pPr marL="800100" lvl="1" indent="-342900">
+                  <a:lnSpc>
+                    <a:spcPct val="100000"/>
+                  </a:lnSpc>
+                  <a:spcBef>
+                    <a:spcPts val="0"/>
+                  </a:spcBef>
+                  <a:spcAft>
+                    <a:spcPts val="1200"/>
+                  </a:spcAft>
+                  <a:buFont typeface="Arial" panose="020B0604020202020204" pitchFamily="34" charset="0"/>
+                  <a:buChar char="•"/>
+                </a:pPr>
+                <a:r>
+                  <a:rPr lang="en-US" sz="2000" dirty="0"/>
+                  <a:t>Scaling theory predicts a </a:t>
+                </a:r>
+                <a14:m>
+                  <m:oMath xmlns:m="http://schemas.openxmlformats.org/officeDocument/2006/math">
+                    <m:sSup>
+                      <m:sSupPr>
+                        <m:ctrlPr>
+                          <a:rPr lang="en-US" sz="2000" b="0" i="1" smtClean="0">
+                            <a:latin typeface="Cambria Math" panose="02040503050406030204" pitchFamily="18" charset="0"/>
+                          </a:rPr>
+                        </m:ctrlPr>
+                      </m:sSupPr>
+                      <m:e>
+                        <m:r>
+                          <a:rPr lang="en-US" sz="2000" b="0" i="1" smtClean="0">
+                            <a:latin typeface="Cambria Math" panose="02040503050406030204" pitchFamily="18" charset="0"/>
+                          </a:rPr>
+                          <m:t>~</m:t>
+                        </m:r>
+                        <m:r>
+                          <a:rPr lang="en-US" sz="2000" b="0" i="1" smtClean="0">
+                            <a:latin typeface="Cambria Math" panose="02040503050406030204" pitchFamily="18" charset="0"/>
+                          </a:rPr>
+                          <m:t>𝐼</m:t>
+                        </m:r>
+                      </m:e>
+                      <m:sup>
+                        <m:r>
+                          <a:rPr lang="en-US" sz="2000" b="0" i="1" smtClean="0">
+                            <a:latin typeface="Cambria Math" panose="02040503050406030204" pitchFamily="18" charset="0"/>
+                          </a:rPr>
+                          <m:t> −1/3</m:t>
+                        </m:r>
+                      </m:sup>
+                    </m:sSup>
+                  </m:oMath>
+                </a14:m>
+                <a:r>
+                  <a:rPr lang="en-US" sz="2000" dirty="0"/>
+                  <a:t> scaling for electrostatic screening</a:t>
+                </a:r>
+              </a:p>
+              <a:p>
+                <a:pPr marL="800100" lvl="1" indent="-342900">
+                  <a:lnSpc>
+                    <a:spcPct val="100000"/>
+                  </a:lnSpc>
+                  <a:spcBef>
+                    <a:spcPts val="0"/>
+                  </a:spcBef>
+                  <a:spcAft>
+                    <a:spcPts val="1200"/>
+                  </a:spcAft>
+                  <a:buFont typeface="Arial" panose="020B0604020202020204" pitchFamily="34" charset="0"/>
+                  <a:buChar char="•"/>
+                </a:pPr>
+                <a:r>
+                  <a:rPr lang="en-US" sz="2000" dirty="0"/>
+                  <a:t>While this scaling can describe both NFM and </a:t>
+                </a:r>
+                <a:r>
+                  <a:rPr lang="en-US" sz="2000" dirty="0" err="1"/>
+                  <a:t>pNFM</a:t>
+                </a:r>
+                <a:r>
+                  <a:rPr lang="en-US" sz="2000" dirty="0"/>
+                  <a:t>, it fails for NFH and </a:t>
+                </a:r>
+                <a:r>
+                  <a:rPr lang="en-US" sz="2000" dirty="0" err="1"/>
+                  <a:t>pNFH</a:t>
+                </a:r>
+                <a:endParaRPr lang="en-US" dirty="0"/>
+              </a:p>
+            </p:txBody>
+          </p:sp>
+        </mc:Choice>
+        <mc:Fallback>
+          <p:sp>
+            <p:nvSpPr>
+              <p:cNvPr id="6" name="TextBox 5">
+                <a:extLst>
+                  <a:ext uri="{FF2B5EF4-FFF2-40B4-BE49-F238E27FC236}">
+                    <a16:creationId xmlns:a16="http://schemas.microsoft.com/office/drawing/2014/main" id="{4DF01ECB-899A-A480-2C82-8F6D5DD2DA68}"/>
+                  </a:ext>
+                </a:extLst>
+              </p:cNvPr>
+              <p:cNvSpPr txBox="1">
+                <a:spLocks noRot="1" noChangeAspect="1" noMove="1" noResize="1" noEditPoints="1" noAdjustHandles="1" noChangeArrowheads="1" noChangeShapeType="1" noTextEdit="1"/>
+              </p:cNvSpPr>
+              <p:nvPr/>
+            </p:nvSpPr>
+            <p:spPr>
+              <a:xfrm>
+                <a:off x="465666" y="2706199"/>
+                <a:ext cx="6316133" cy="2012089"/>
+              </a:xfrm>
+              <a:prstGeom prst="rect">
+                <a:avLst/>
+              </a:prstGeom>
+              <a:blipFill>
+                <a:blip r:embed="rId3"/>
+                <a:stretch>
+                  <a:fillRect l="-1255" t="-2121" b="-4545"/>
+                </a:stretch>
+              </a:blipFill>
+            </p:spPr>
+            <p:txBody>
+              <a:bodyPr/>
+              <a:lstStyle/>
+              <a:p>
+                <a:r>
+                  <a:rPr lang="en-US">
+                    <a:noFill/>
+                  </a:rPr>
+                  <a:t> </a:t>
+                </a:r>
+              </a:p>
+            </p:txBody>
+          </p:sp>
+        </mc:Fallback>
+      </mc:AlternateContent>
     </p:spTree>
     <p:extLst>
       <p:ext uri="{BB962C8B-B14F-4D97-AF65-F5344CB8AC3E}">
-        <p14:creationId xmlns:p14="http://schemas.microsoft.com/office/powerpoint/2010/main" val="4202549694"/>
+        <p14:creationId xmlns:p14="http://schemas.microsoft.com/office/powerpoint/2010/main" val="2545223208"/>
       </p:ext>
     </p:extLst>
   </p:cSld>
   <p:clrMapOvr>
     <a:masterClrMapping/>
   </p:clrMapOvr>
+  <p:timing>
+    <p:tnLst>
+      <p:par>
+        <p:cTn id="1" dur="indefinite" restart="never" nodeType="tmRoot">
+          <p:childTnLst>
+            <p:seq concurrent="1" nextAc="seek">
+              <p:cTn id="2" dur="indefinite" nodeType="mainSeq">
+                <p:childTnLst>
+                  <p:par>
+                    <p:cTn id="3" fill="hold">
+                      <p:stCondLst>
+                        <p:cond delay="indefinite"/>
+                      </p:stCondLst>
+                      <p:childTnLst>
+                        <p:par>
+                          <p:cTn id="4" fill="hold">
+                            <p:stCondLst>
+                              <p:cond delay="0"/>
+                            </p:stCondLst>
+                            <p:childTnLst>
+                              <p:par>
+                                <p:cTn id="5" presetID="1" presetClass="entr" presetSubtype="0" fill="hold" grpId="0" nodeType="clickEffect">
+                                  <p:stCondLst>
+                                    <p:cond delay="0"/>
+                                  </p:stCondLst>
+                                  <p:childTnLst>
+                                    <p:set>
+                                      <p:cBhvr>
+                                        <p:cTn id="6" dur="1" fill="hold">
+                                          <p:stCondLst>
+                                            <p:cond delay="0"/>
+                                          </p:stCondLst>
+                                        </p:cTn>
+                                        <p:tgtEl>
+                                          <p:spTgt spid="6"/>
+                                        </p:tgtEl>
+                                        <p:attrNameLst>
+                                          <p:attrName>style.visibility</p:attrName>
+                                        </p:attrNameLst>
+                                      </p:cBhvr>
+                                      <p:to>
+                                        <p:strVal val="visible"/>
+                                      </p:to>
+                                    </p:set>
+                                  </p:childTnLst>
+                                </p:cTn>
+                              </p:par>
+                              <p:par>
+                                <p:cTn id="7" presetID="1" presetClass="entr" presetSubtype="0" fill="hold" nodeType="withEffect">
+                                  <p:stCondLst>
+                                    <p:cond delay="0"/>
+                                  </p:stCondLst>
+                                  <p:childTnLst>
+                                    <p:set>
+                                      <p:cBhvr>
+                                        <p:cTn id="8" dur="1" fill="hold">
+                                          <p:stCondLst>
+                                            <p:cond delay="0"/>
+                                          </p:stCondLst>
+                                        </p:cTn>
+                                        <p:tgtEl>
+                                          <p:spTgt spid="1030"/>
+                                        </p:tgtEl>
+                                        <p:attrNameLst>
+                                          <p:attrName>style.visibility</p:attrName>
+                                        </p:attrNameLst>
+                                      </p:cBhvr>
+                                      <p:to>
+                                        <p:strVal val="visible"/>
+                                      </p:to>
+                                    </p:set>
+                                  </p:childTnLst>
+                                </p:cTn>
+                              </p:par>
+                            </p:childTnLst>
+                          </p:cTn>
+                        </p:par>
+                      </p:childTnLst>
+                    </p:cTn>
+                  </p:par>
+                </p:childTnLst>
+              </p:cTn>
+              <p:prevCondLst>
+                <p:cond evt="onPrev" delay="0">
+                  <p:tgtEl>
+                    <p:sldTgt/>
+                  </p:tgtEl>
+                </p:cond>
+              </p:prevCondLst>
+              <p:nextCondLst>
+                <p:cond evt="onNext" delay="0">
+                  <p:tgtEl>
+                    <p:sldTgt/>
+                  </p:tgtEl>
+                </p:cond>
+              </p:nextCondLst>
+            </p:seq>
+          </p:childTnLst>
+        </p:cTn>
+      </p:par>
+    </p:tnLst>
+    <p:bldLst>
+      <p:bldP spid="6" grpId="0"/>
+    </p:bldLst>
+  </p:timing>
 </p:sld>
 </file>
 
@@ -2470,7 +2835,10 @@
           <a:bodyPr/>
           <a:lstStyle/>
           <a:p>
-            <a:endParaRPr lang="en-US" dirty="0"/>
+            <a:r>
+              <a:rPr lang="en-US" dirty="0"/>
+              <a:t>Model</a:t>
+            </a:r>
           </a:p>
         </p:txBody>
       </p:sp>
@@ -2503,16 +2871,695 @@
           </a:p>
         </p:txBody>
       </p:sp>
+      <p:grpSp>
+        <p:nvGrpSpPr>
+          <p:cNvPr id="33" name="Group 32">
+            <a:extLst>
+              <a:ext uri="{FF2B5EF4-FFF2-40B4-BE49-F238E27FC236}">
+                <a16:creationId xmlns:a16="http://schemas.microsoft.com/office/drawing/2014/main" id="{15999E13-2181-82C7-02D8-AEDF790C9CE2}"/>
+              </a:ext>
+            </a:extLst>
+          </p:cNvPr>
+          <p:cNvGrpSpPr/>
+          <p:nvPr/>
+        </p:nvGrpSpPr>
+        <p:grpSpPr>
+          <a:xfrm>
+            <a:off x="1846045" y="4302678"/>
+            <a:ext cx="8499909" cy="1998362"/>
+            <a:chOff x="1482291" y="4099527"/>
+            <a:chExt cx="8499909" cy="1998362"/>
+          </a:xfrm>
+        </p:grpSpPr>
+        <p:grpSp>
+          <p:nvGrpSpPr>
+            <p:cNvPr id="7" name="Group 6">
+              <a:extLst>
+                <a:ext uri="{FF2B5EF4-FFF2-40B4-BE49-F238E27FC236}">
+                  <a16:creationId xmlns:a16="http://schemas.microsoft.com/office/drawing/2014/main" id="{7F3686A7-AE31-37AB-1EA4-D66949FBBBA3}"/>
+                </a:ext>
+              </a:extLst>
+            </p:cNvPr>
+            <p:cNvGrpSpPr/>
+            <p:nvPr/>
+          </p:nvGrpSpPr>
+          <p:grpSpPr>
+            <a:xfrm>
+              <a:off x="1482291" y="4099527"/>
+              <a:ext cx="5113243" cy="1998362"/>
+              <a:chOff x="982757" y="1430638"/>
+              <a:chExt cx="5113243" cy="1998362"/>
+            </a:xfrm>
+          </p:grpSpPr>
+          <p:pic>
+            <p:nvPicPr>
+              <p:cNvPr id="5" name="Picture 4">
+                <a:extLst>
+                  <a:ext uri="{FF2B5EF4-FFF2-40B4-BE49-F238E27FC236}">
+                    <a16:creationId xmlns:a16="http://schemas.microsoft.com/office/drawing/2014/main" id="{41FEFF52-7DCC-FFD7-BB94-81BDA862F36C}"/>
+                  </a:ext>
+                </a:extLst>
+              </p:cNvPr>
+              <p:cNvPicPr>
+                <a:picLocks noChangeAspect="1"/>
+              </p:cNvPicPr>
+              <p:nvPr/>
+            </p:nvPicPr>
+            <p:blipFill>
+              <a:blip r:embed="rId2"/>
+              <a:stretch>
+                <a:fillRect/>
+              </a:stretch>
+            </p:blipFill>
+            <p:spPr>
+              <a:xfrm>
+                <a:off x="982757" y="1430638"/>
+                <a:ext cx="4969309" cy="1998362"/>
+              </a:xfrm>
+              <a:prstGeom prst="rect">
+                <a:avLst/>
+              </a:prstGeom>
+            </p:spPr>
+          </p:pic>
+          <p:sp>
+            <p:nvSpPr>
+              <p:cNvPr id="6" name="Rectangle 5">
+                <a:extLst>
+                  <a:ext uri="{FF2B5EF4-FFF2-40B4-BE49-F238E27FC236}">
+                    <a16:creationId xmlns:a16="http://schemas.microsoft.com/office/drawing/2014/main" id="{ACDDF71F-532A-40D3-A7EB-00B5A12DC3E8}"/>
+                  </a:ext>
+                </a:extLst>
+              </p:cNvPr>
+              <p:cNvSpPr/>
+              <p:nvPr/>
+            </p:nvSpPr>
+            <p:spPr>
+              <a:xfrm>
+                <a:off x="5435600" y="1574800"/>
+                <a:ext cx="660400" cy="457200"/>
+              </a:xfrm>
+              <a:prstGeom prst="rect">
+                <a:avLst/>
+              </a:prstGeom>
+              <a:solidFill>
+                <a:schemeClr val="bg1"/>
+              </a:solidFill>
+              <a:ln>
+                <a:solidFill>
+                  <a:schemeClr val="bg1"/>
+                </a:solidFill>
+              </a:ln>
+            </p:spPr>
+            <p:style>
+              <a:lnRef idx="2">
+                <a:schemeClr val="accent1">
+                  <a:shade val="15000"/>
+                </a:schemeClr>
+              </a:lnRef>
+              <a:fillRef idx="1">
+                <a:schemeClr val="accent1"/>
+              </a:fillRef>
+              <a:effectRef idx="0">
+                <a:schemeClr val="accent1"/>
+              </a:effectRef>
+              <a:fontRef idx="minor">
+                <a:schemeClr val="lt1"/>
+              </a:fontRef>
+            </p:style>
+            <p:txBody>
+              <a:bodyPr rtlCol="0" anchor="ctr"/>
+              <a:lstStyle/>
+              <a:p>
+                <a:pPr algn="ctr"/>
+                <a:endParaRPr lang="en-US"/>
+              </a:p>
+            </p:txBody>
+          </p:sp>
+        </p:grpSp>
+        <p:sp>
+          <p:nvSpPr>
+            <p:cNvPr id="8" name="TextBox 7">
+              <a:extLst>
+                <a:ext uri="{FF2B5EF4-FFF2-40B4-BE49-F238E27FC236}">
+                  <a16:creationId xmlns:a16="http://schemas.microsoft.com/office/drawing/2014/main" id="{10606EEE-B3D7-BDCC-8818-B7A251E48891}"/>
+                </a:ext>
+              </a:extLst>
+            </p:cNvPr>
+            <p:cNvSpPr txBox="1"/>
+            <p:nvPr/>
+          </p:nvSpPr>
+          <p:spPr>
+            <a:xfrm>
+              <a:off x="7349067" y="4182534"/>
+              <a:ext cx="2633133" cy="369332"/>
+            </a:xfrm>
+            <a:prstGeom prst="rect">
+              <a:avLst/>
+            </a:prstGeom>
+            <a:noFill/>
+          </p:spPr>
+          <p:txBody>
+            <a:bodyPr wrap="square" rtlCol="0">
+              <a:spAutoFit/>
+            </a:bodyPr>
+            <a:lstStyle/>
+            <a:p>
+              <a:r>
+                <a:rPr lang="en-US" dirty="0"/>
+                <a:t>Elastic energy</a:t>
+              </a:r>
+            </a:p>
+          </p:txBody>
+        </p:sp>
+        <p:sp>
+          <p:nvSpPr>
+            <p:cNvPr id="9" name="TextBox 8">
+              <a:extLst>
+                <a:ext uri="{FF2B5EF4-FFF2-40B4-BE49-F238E27FC236}">
+                  <a16:creationId xmlns:a16="http://schemas.microsoft.com/office/drawing/2014/main" id="{409BDB77-B29B-7EB2-5982-005EACAF10D3}"/>
+                </a:ext>
+              </a:extLst>
+            </p:cNvPr>
+            <p:cNvSpPr txBox="1"/>
+            <p:nvPr/>
+          </p:nvSpPr>
+          <p:spPr>
+            <a:xfrm>
+              <a:off x="7349066" y="4852887"/>
+              <a:ext cx="2633133" cy="369332"/>
+            </a:xfrm>
+            <a:prstGeom prst="rect">
+              <a:avLst/>
+            </a:prstGeom>
+            <a:noFill/>
+          </p:spPr>
+          <p:txBody>
+            <a:bodyPr wrap="square" rtlCol="0">
+              <a:spAutoFit/>
+            </a:bodyPr>
+            <a:lstStyle/>
+            <a:p>
+              <a:r>
+                <a:rPr lang="en-US" dirty="0"/>
+                <a:t>2-body Flory-Huggins</a:t>
+              </a:r>
+            </a:p>
+          </p:txBody>
+        </p:sp>
+        <p:sp>
+          <p:nvSpPr>
+            <p:cNvPr id="10" name="TextBox 9">
+              <a:extLst>
+                <a:ext uri="{FF2B5EF4-FFF2-40B4-BE49-F238E27FC236}">
+                  <a16:creationId xmlns:a16="http://schemas.microsoft.com/office/drawing/2014/main" id="{1F5A5384-BB5E-68F4-DD1B-681653DD7F1F}"/>
+                </a:ext>
+              </a:extLst>
+            </p:cNvPr>
+            <p:cNvSpPr txBox="1"/>
+            <p:nvPr/>
+          </p:nvSpPr>
+          <p:spPr>
+            <a:xfrm>
+              <a:off x="7349066" y="5667402"/>
+              <a:ext cx="2633133" cy="369332"/>
+            </a:xfrm>
+            <a:prstGeom prst="rect">
+              <a:avLst/>
+            </a:prstGeom>
+            <a:noFill/>
+          </p:spPr>
+          <p:txBody>
+            <a:bodyPr wrap="square" rtlCol="0">
+              <a:spAutoFit/>
+            </a:bodyPr>
+            <a:lstStyle/>
+            <a:p>
+              <a:r>
+                <a:rPr lang="en-US" dirty="0"/>
+                <a:t>Electrostatics</a:t>
+              </a:r>
+            </a:p>
+          </p:txBody>
+        </p:sp>
+      </p:grpSp>
+      <p:grpSp>
+        <p:nvGrpSpPr>
+          <p:cNvPr id="32" name="Group 31">
+            <a:extLst>
+              <a:ext uri="{FF2B5EF4-FFF2-40B4-BE49-F238E27FC236}">
+                <a16:creationId xmlns:a16="http://schemas.microsoft.com/office/drawing/2014/main" id="{79BEDA10-EEE2-2B0C-0DE6-AB543D32A625}"/>
+              </a:ext>
+            </a:extLst>
+          </p:cNvPr>
+          <p:cNvGrpSpPr/>
+          <p:nvPr/>
+        </p:nvGrpSpPr>
+        <p:grpSpPr>
+          <a:xfrm>
+            <a:off x="1067112" y="1540855"/>
+            <a:ext cx="4123137" cy="2136978"/>
+            <a:chOff x="1603028" y="1385156"/>
+            <a:chExt cx="4123137" cy="2136978"/>
+          </a:xfrm>
+        </p:grpSpPr>
+        <p:pic>
+          <p:nvPicPr>
+            <p:cNvPr id="11" name="Graphic 10">
+              <a:extLst>
+                <a:ext uri="{FF2B5EF4-FFF2-40B4-BE49-F238E27FC236}">
+                  <a16:creationId xmlns:a16="http://schemas.microsoft.com/office/drawing/2014/main" id="{73BD6692-0BFE-45D2-DD03-84D60D989C57}"/>
+                </a:ext>
+              </a:extLst>
+            </p:cNvPr>
+            <p:cNvPicPr>
+              <a:picLocks noChangeAspect="1"/>
+            </p:cNvPicPr>
+            <p:nvPr/>
+          </p:nvPicPr>
+          <p:blipFill>
+            <a:blip r:embed="rId3">
+              <a:extLst>
+                <a:ext uri="{96DAC541-7B7A-43D3-8B79-37D633B846F1}">
+                  <asvg:svgBlip xmlns:asvg="http://schemas.microsoft.com/office/drawing/2016/SVG/main" r:embed="rId4"/>
+                </a:ext>
+              </a:extLst>
+            </a:blip>
+            <a:stretch>
+              <a:fillRect/>
+            </a:stretch>
+          </p:blipFill>
+          <p:spPr>
+            <a:xfrm>
+              <a:off x="1603028" y="1385156"/>
+              <a:ext cx="2940576" cy="2136978"/>
+            </a:xfrm>
+            <a:prstGeom prst="rect">
+              <a:avLst/>
+            </a:prstGeom>
+          </p:spPr>
+        </p:pic>
+        <p:cxnSp>
+          <p:nvCxnSpPr>
+            <p:cNvPr id="15" name="Straight Arrow Connector 14">
+              <a:extLst>
+                <a:ext uri="{FF2B5EF4-FFF2-40B4-BE49-F238E27FC236}">
+                  <a16:creationId xmlns:a16="http://schemas.microsoft.com/office/drawing/2014/main" id="{CB576465-19FA-1FF9-9B98-5EBDE4435F4D}"/>
+                </a:ext>
+              </a:extLst>
+            </p:cNvPr>
+            <p:cNvCxnSpPr>
+              <a:cxnSpLocks/>
+            </p:cNvCxnSpPr>
+            <p:nvPr/>
+          </p:nvCxnSpPr>
+          <p:spPr>
+            <a:xfrm flipH="1">
+              <a:off x="4147166" y="1955800"/>
+              <a:ext cx="551834" cy="0"/>
+            </a:xfrm>
+            <a:prstGeom prst="straightConnector1">
+              <a:avLst/>
+            </a:prstGeom>
+            <a:ln w="28575">
+              <a:solidFill>
+                <a:schemeClr val="tx1"/>
+              </a:solidFill>
+              <a:tailEnd type="triangle"/>
+            </a:ln>
+          </p:spPr>
+          <p:style>
+            <a:lnRef idx="1">
+              <a:schemeClr val="accent1"/>
+            </a:lnRef>
+            <a:fillRef idx="0">
+              <a:schemeClr val="accent1"/>
+            </a:fillRef>
+            <a:effectRef idx="0">
+              <a:schemeClr val="accent1"/>
+            </a:effectRef>
+            <a:fontRef idx="minor">
+              <a:schemeClr val="tx1"/>
+            </a:fontRef>
+          </p:style>
+        </p:cxnSp>
+        <p:cxnSp>
+          <p:nvCxnSpPr>
+            <p:cNvPr id="18" name="Straight Arrow Connector 17">
+              <a:extLst>
+                <a:ext uri="{FF2B5EF4-FFF2-40B4-BE49-F238E27FC236}">
+                  <a16:creationId xmlns:a16="http://schemas.microsoft.com/office/drawing/2014/main" id="{3EB8B505-54FA-D19B-7558-E4A7FFEF9A60}"/>
+                </a:ext>
+              </a:extLst>
+            </p:cNvPr>
+            <p:cNvCxnSpPr>
+              <a:cxnSpLocks/>
+            </p:cNvCxnSpPr>
+            <p:nvPr/>
+          </p:nvCxnSpPr>
+          <p:spPr>
+            <a:xfrm flipH="1">
+              <a:off x="4113298" y="1611413"/>
+              <a:ext cx="585702" cy="0"/>
+            </a:xfrm>
+            <a:prstGeom prst="straightConnector1">
+              <a:avLst/>
+            </a:prstGeom>
+            <a:ln w="28575">
+              <a:solidFill>
+                <a:schemeClr val="tx1"/>
+              </a:solidFill>
+              <a:tailEnd type="triangle"/>
+            </a:ln>
+          </p:spPr>
+          <p:style>
+            <a:lnRef idx="1">
+              <a:schemeClr val="accent1"/>
+            </a:lnRef>
+            <a:fillRef idx="0">
+              <a:schemeClr val="accent1"/>
+            </a:fillRef>
+            <a:effectRef idx="0">
+              <a:schemeClr val="accent1"/>
+            </a:effectRef>
+            <a:fontRef idx="minor">
+              <a:schemeClr val="tx1"/>
+            </a:fontRef>
+          </p:style>
+        </p:cxnSp>
+        <p:cxnSp>
+          <p:nvCxnSpPr>
+            <p:cNvPr id="19" name="Straight Arrow Connector 18">
+              <a:extLst>
+                <a:ext uri="{FF2B5EF4-FFF2-40B4-BE49-F238E27FC236}">
+                  <a16:creationId xmlns:a16="http://schemas.microsoft.com/office/drawing/2014/main" id="{42894832-0EC3-88D4-C1CD-D56CE9581EC9}"/>
+                </a:ext>
+              </a:extLst>
+            </p:cNvPr>
+            <p:cNvCxnSpPr>
+              <a:cxnSpLocks/>
+            </p:cNvCxnSpPr>
+            <p:nvPr/>
+          </p:nvCxnSpPr>
+          <p:spPr>
+            <a:xfrm flipH="1">
+              <a:off x="3810000" y="2486656"/>
+              <a:ext cx="889000" cy="0"/>
+            </a:xfrm>
+            <a:prstGeom prst="straightConnector1">
+              <a:avLst/>
+            </a:prstGeom>
+            <a:ln w="28575">
+              <a:solidFill>
+                <a:schemeClr val="tx1"/>
+              </a:solidFill>
+              <a:tailEnd type="triangle"/>
+            </a:ln>
+          </p:spPr>
+          <p:style>
+            <a:lnRef idx="1">
+              <a:schemeClr val="accent1"/>
+            </a:lnRef>
+            <a:fillRef idx="0">
+              <a:schemeClr val="accent1"/>
+            </a:fillRef>
+            <a:effectRef idx="0">
+              <a:schemeClr val="accent1"/>
+            </a:effectRef>
+            <a:fontRef idx="minor">
+              <a:schemeClr val="tx1"/>
+            </a:fontRef>
+          </p:style>
+        </p:cxnSp>
+        <p:sp>
+          <p:nvSpPr>
+            <p:cNvPr id="24" name="TextBox 23">
+              <a:extLst>
+                <a:ext uri="{FF2B5EF4-FFF2-40B4-BE49-F238E27FC236}">
+                  <a16:creationId xmlns:a16="http://schemas.microsoft.com/office/drawing/2014/main" id="{0D9CFFF7-8CDC-696D-E9A8-6E19DB2EB141}"/>
+                </a:ext>
+              </a:extLst>
+            </p:cNvPr>
+            <p:cNvSpPr txBox="1"/>
+            <p:nvPr/>
+          </p:nvSpPr>
+          <p:spPr>
+            <a:xfrm>
+              <a:off x="4789434" y="1424088"/>
+              <a:ext cx="936731" cy="369332"/>
+            </a:xfrm>
+            <a:prstGeom prst="rect">
+              <a:avLst/>
+            </a:prstGeom>
+            <a:noFill/>
+          </p:spPr>
+          <p:txBody>
+            <a:bodyPr wrap="none" rtlCol="0">
+              <a:spAutoFit/>
+            </a:bodyPr>
+            <a:lstStyle/>
+            <a:p>
+              <a:r>
+                <a:rPr lang="en-US" dirty="0"/>
+                <a:t>Solvent</a:t>
+              </a:r>
+            </a:p>
+          </p:txBody>
+        </p:sp>
+        <p:sp>
+          <p:nvSpPr>
+            <p:cNvPr id="25" name="TextBox 24">
+              <a:extLst>
+                <a:ext uri="{FF2B5EF4-FFF2-40B4-BE49-F238E27FC236}">
+                  <a16:creationId xmlns:a16="http://schemas.microsoft.com/office/drawing/2014/main" id="{9BA3EAD5-32B3-EDC2-EDA6-4BA7E1D07DBD}"/>
+                </a:ext>
+              </a:extLst>
+            </p:cNvPr>
+            <p:cNvSpPr txBox="1"/>
+            <p:nvPr/>
+          </p:nvSpPr>
+          <p:spPr>
+            <a:xfrm>
+              <a:off x="4753403" y="2302846"/>
+              <a:ext cx="607859" cy="369332"/>
+            </a:xfrm>
+            <a:prstGeom prst="rect">
+              <a:avLst/>
+            </a:prstGeom>
+            <a:noFill/>
+          </p:spPr>
+          <p:txBody>
+            <a:bodyPr wrap="none" rtlCol="0">
+              <a:spAutoFit/>
+            </a:bodyPr>
+            <a:lstStyle/>
+            <a:p>
+              <a:r>
+                <a:rPr lang="en-US" dirty="0"/>
+                <a:t>Ions</a:t>
+              </a:r>
+            </a:p>
+          </p:txBody>
+        </p:sp>
+        <p:sp>
+          <p:nvSpPr>
+            <p:cNvPr id="30" name="TextBox 29">
+              <a:extLst>
+                <a:ext uri="{FF2B5EF4-FFF2-40B4-BE49-F238E27FC236}">
+                  <a16:creationId xmlns:a16="http://schemas.microsoft.com/office/drawing/2014/main" id="{CDC0DE17-C447-7547-9992-F3A3BFFEC2E2}"/>
+                </a:ext>
+              </a:extLst>
+            </p:cNvPr>
+            <p:cNvSpPr txBox="1"/>
+            <p:nvPr/>
+          </p:nvSpPr>
+          <p:spPr>
+            <a:xfrm>
+              <a:off x="4789434" y="1771134"/>
+              <a:ext cx="909223" cy="369332"/>
+            </a:xfrm>
+            <a:prstGeom prst="rect">
+              <a:avLst/>
+            </a:prstGeom>
+            <a:noFill/>
+          </p:spPr>
+          <p:txBody>
+            <a:bodyPr wrap="none" rtlCol="0">
+              <a:spAutoFit/>
+            </a:bodyPr>
+            <a:lstStyle/>
+            <a:p>
+              <a:r>
+                <a:rPr lang="en-US" dirty="0"/>
+                <a:t>Protein</a:t>
+              </a:r>
+            </a:p>
+          </p:txBody>
+        </p:sp>
+      </p:grpSp>
+      <p:sp>
+        <p:nvSpPr>
+          <p:cNvPr id="34" name="TextBox 33">
+            <a:extLst>
+              <a:ext uri="{FF2B5EF4-FFF2-40B4-BE49-F238E27FC236}">
+                <a16:creationId xmlns:a16="http://schemas.microsoft.com/office/drawing/2014/main" id="{7E0D5A2A-859A-0690-136A-EA94896AA47E}"/>
+              </a:ext>
+            </a:extLst>
+          </p:cNvPr>
+          <p:cNvSpPr txBox="1"/>
+          <p:nvPr/>
+        </p:nvSpPr>
+        <p:spPr>
+          <a:xfrm>
+            <a:off x="6214660" y="1540855"/>
+            <a:ext cx="5439833" cy="1661993"/>
+          </a:xfrm>
+          <a:prstGeom prst="rect">
+            <a:avLst/>
+          </a:prstGeom>
+          <a:noFill/>
+        </p:spPr>
+        <p:txBody>
+          <a:bodyPr wrap="square" rtlCol="0">
+            <a:spAutoFit/>
+          </a:bodyPr>
+          <a:lstStyle/>
+          <a:p>
+            <a:pPr>
+              <a:spcAft>
+                <a:spcPts val="1200"/>
+              </a:spcAft>
+            </a:pPr>
+            <a:r>
+              <a:rPr lang="en-US" dirty="0"/>
+              <a:t>System:</a:t>
+            </a:r>
+          </a:p>
+          <a:p>
+            <a:pPr marL="285750" indent="-285750">
+              <a:spcAft>
+                <a:spcPts val="1200"/>
+              </a:spcAft>
+              <a:buFont typeface="Arial" panose="020B0604020202020204" pitchFamily="34" charset="0"/>
+              <a:buChar char="•"/>
+            </a:pPr>
+            <a:r>
+              <a:rPr lang="en-US" dirty="0"/>
+              <a:t>Protein amino acid sequence</a:t>
+            </a:r>
+          </a:p>
+          <a:p>
+            <a:pPr marL="285750" indent="-285750">
+              <a:spcAft>
+                <a:spcPts val="1200"/>
+              </a:spcAft>
+              <a:buFont typeface="Arial" panose="020B0604020202020204" pitchFamily="34" charset="0"/>
+              <a:buChar char="•"/>
+            </a:pPr>
+            <a:r>
+              <a:rPr lang="en-US" dirty="0"/>
+              <a:t>Solution salt concentration and pH</a:t>
+            </a:r>
+          </a:p>
+          <a:p>
+            <a:pPr marL="742950" lvl="1" indent="-285750">
+              <a:spcAft>
+                <a:spcPts val="1200"/>
+              </a:spcAft>
+              <a:buFont typeface="Arial" panose="020B0604020202020204" pitchFamily="34" charset="0"/>
+              <a:buChar char="•"/>
+            </a:pPr>
+            <a:r>
+              <a:rPr lang="en-US" dirty="0"/>
+              <a:t>Charge calculated using bulk pH</a:t>
+            </a:r>
+          </a:p>
+        </p:txBody>
+      </p:sp>
     </p:spTree>
     <p:extLst>
       <p:ext uri="{BB962C8B-B14F-4D97-AF65-F5344CB8AC3E}">
-        <p14:creationId xmlns:p14="http://schemas.microsoft.com/office/powerpoint/2010/main" val="3762529990"/>
+        <p14:creationId xmlns:p14="http://schemas.microsoft.com/office/powerpoint/2010/main" val="2275158418"/>
       </p:ext>
     </p:extLst>
   </p:cSld>
   <p:clrMapOvr>
     <a:masterClrMapping/>
   </p:clrMapOvr>
+  <p:timing>
+    <p:tnLst>
+      <p:par>
+        <p:cTn id="1" dur="indefinite" restart="never" nodeType="tmRoot">
+          <p:childTnLst>
+            <p:seq concurrent="1" nextAc="seek">
+              <p:cTn id="2" dur="indefinite" nodeType="mainSeq">
+                <p:childTnLst>
+                  <p:par>
+                    <p:cTn id="3" fill="hold">
+                      <p:stCondLst>
+                        <p:cond delay="indefinite"/>
+                      </p:stCondLst>
+                      <p:childTnLst>
+                        <p:par>
+                          <p:cTn id="4" fill="hold">
+                            <p:stCondLst>
+                              <p:cond delay="0"/>
+                            </p:stCondLst>
+                            <p:childTnLst>
+                              <p:par>
+                                <p:cTn id="5" presetID="1" presetClass="entr" presetSubtype="0" fill="hold" nodeType="clickEffect">
+                                  <p:stCondLst>
+                                    <p:cond delay="0"/>
+                                  </p:stCondLst>
+                                  <p:childTnLst>
+                                    <p:set>
+                                      <p:cBhvr>
+                                        <p:cTn id="6" dur="1" fill="hold">
+                                          <p:stCondLst>
+                                            <p:cond delay="0"/>
+                                          </p:stCondLst>
+                                        </p:cTn>
+                                        <p:tgtEl>
+                                          <p:spTgt spid="33"/>
+                                        </p:tgtEl>
+                                        <p:attrNameLst>
+                                          <p:attrName>style.visibility</p:attrName>
+                                        </p:attrNameLst>
+                                      </p:cBhvr>
+                                      <p:to>
+                                        <p:strVal val="visible"/>
+                                      </p:to>
+                                    </p:set>
+                                  </p:childTnLst>
+                                </p:cTn>
+                              </p:par>
+                            </p:childTnLst>
+                          </p:cTn>
+                        </p:par>
+                      </p:childTnLst>
+                    </p:cTn>
+                  </p:par>
+                </p:childTnLst>
+              </p:cTn>
+              <p:prevCondLst>
+                <p:cond evt="onPrev" delay="0">
+                  <p:tgtEl>
+                    <p:sldTgt/>
+                  </p:tgtEl>
+                </p:cond>
+              </p:prevCondLst>
+              <p:nextCondLst>
+                <p:cond evt="onNext" delay="0">
+                  <p:tgtEl>
+                    <p:sldTgt/>
+                  </p:tgtEl>
+                </p:cond>
+              </p:nextCondLst>
+            </p:seq>
+          </p:childTnLst>
+        </p:cTn>
+      </p:par>
+    </p:tnLst>
+  </p:timing>
 </p:sld>
 </file>
 
@@ -2538,7 +3585,7 @@
           <p:cNvPr id="2" name="Title 1">
             <a:extLst>
               <a:ext uri="{FF2B5EF4-FFF2-40B4-BE49-F238E27FC236}">
-                <a16:creationId xmlns:a16="http://schemas.microsoft.com/office/drawing/2014/main" id="{4CA91E95-33DA-91A4-CD99-C1597EF3F65D}"/>
+                <a16:creationId xmlns:a16="http://schemas.microsoft.com/office/drawing/2014/main" id="{3A98F517-3641-4CCF-0296-8D0BAAD5FD98}"/>
               </a:ext>
             </a:extLst>
           </p:cNvPr>
@@ -2554,7 +3601,10 @@
           <a:bodyPr/>
           <a:lstStyle/>
           <a:p>
-            <a:endParaRPr lang="en-US"/>
+            <a:r>
+              <a:rPr lang="en-US" dirty="0"/>
+              <a:t>Proposed Figure 1</a:t>
+            </a:r>
           </a:p>
         </p:txBody>
       </p:sp>
@@ -2563,7 +3613,7 @@
           <p:cNvPr id="3" name="Slide Number Placeholder 2">
             <a:extLst>
               <a:ext uri="{FF2B5EF4-FFF2-40B4-BE49-F238E27FC236}">
-                <a16:creationId xmlns:a16="http://schemas.microsoft.com/office/drawing/2014/main" id="{6A783110-A073-98B2-5FBE-808AF5A86ABD}"/>
+                <a16:creationId xmlns:a16="http://schemas.microsoft.com/office/drawing/2014/main" id="{C770936E-B3DE-6B6F-869C-6B2EC782D378}"/>
               </a:ext>
             </a:extLst>
           </p:cNvPr>
@@ -2583,89 +3633,61 @@
               <a:rPr lang="en-US" smtClean="0"/>
               <a:t>4</a:t>
             </a:fld>
-            <a:endParaRPr lang="en-US" dirty="0"/>
-          </a:p>
-        </p:txBody>
-      </p:sp>
-      <p:sp>
-        <p:nvSpPr>
-          <p:cNvPr id="4" name="Text Placeholder 3">
-            <a:extLst>
-              <a:ext uri="{FF2B5EF4-FFF2-40B4-BE49-F238E27FC236}">
-                <a16:creationId xmlns:a16="http://schemas.microsoft.com/office/drawing/2014/main" id="{BE8C982E-2A8D-76CE-8EB7-4F5A2157CD54}"/>
-              </a:ext>
-            </a:extLst>
-          </p:cNvPr>
-          <p:cNvSpPr>
-            <a:spLocks noGrp="1"/>
-          </p:cNvSpPr>
-          <p:nvPr>
-            <p:ph type="body" sz="quarter" idx="13"/>
-          </p:nvPr>
-        </p:nvSpPr>
-        <p:spPr/>
-        <p:txBody>
-          <a:bodyPr/>
-          <a:lstStyle/>
-          <a:p>
             <a:endParaRPr lang="en-US"/>
           </a:p>
         </p:txBody>
       </p:sp>
-      <p:sp>
-        <p:nvSpPr>
-          <p:cNvPr id="5" name="Text Placeholder 4">
-            <a:extLst>
-              <a:ext uri="{FF2B5EF4-FFF2-40B4-BE49-F238E27FC236}">
-                <a16:creationId xmlns:a16="http://schemas.microsoft.com/office/drawing/2014/main" id="{3F241E8D-55C1-99C4-5EF5-10F746DDCF0A}"/>
-              </a:ext>
-            </a:extLst>
-          </p:cNvPr>
-          <p:cNvSpPr>
-            <a:spLocks noGrp="1"/>
-          </p:cNvSpPr>
-          <p:nvPr>
-            <p:ph type="body" sz="quarter" idx="16"/>
-          </p:nvPr>
-        </p:nvSpPr>
-        <p:spPr/>
-        <p:txBody>
-          <a:bodyPr/>
-          <a:lstStyle/>
-          <a:p>
-            <a:endParaRPr lang="en-US"/>
-          </a:p>
-        </p:txBody>
-      </p:sp>
-      <p:sp>
-        <p:nvSpPr>
-          <p:cNvPr id="6" name="Text Placeholder 5">
-            <a:extLst>
-              <a:ext uri="{FF2B5EF4-FFF2-40B4-BE49-F238E27FC236}">
-                <a16:creationId xmlns:a16="http://schemas.microsoft.com/office/drawing/2014/main" id="{52CF0AF2-9F88-0212-30F2-ADA3E42CCDF7}"/>
-              </a:ext>
-            </a:extLst>
-          </p:cNvPr>
-          <p:cNvSpPr>
-            <a:spLocks noGrp="1"/>
-          </p:cNvSpPr>
-          <p:nvPr>
-            <p:ph type="body" sz="quarter" idx="17"/>
-          </p:nvPr>
-        </p:nvSpPr>
-        <p:spPr/>
-        <p:txBody>
-          <a:bodyPr/>
-          <a:lstStyle/>
-          <a:p>
-            <a:endParaRPr lang="en-US"/>
-          </a:p>
-        </p:txBody>
-      </p:sp>
+      <p:pic>
+        <p:nvPicPr>
+          <p:cNvPr id="2052" name="Picture 4">
+            <a:extLst>
+              <a:ext uri="{FF2B5EF4-FFF2-40B4-BE49-F238E27FC236}">
+                <a16:creationId xmlns:a16="http://schemas.microsoft.com/office/drawing/2014/main" id="{303D3E5A-C2B7-7DA8-DE30-9FFE2C33F674}"/>
+              </a:ext>
+            </a:extLst>
+          </p:cNvPr>
+          <p:cNvPicPr>
+            <a:picLocks noChangeAspect="1" noChangeArrowheads="1"/>
+          </p:cNvPicPr>
+          <p:nvPr/>
+        </p:nvPicPr>
+        <p:blipFill>
+          <a:blip r:embed="rId2">
+            <a:extLst>
+              <a:ext uri="{28A0092B-C50C-407E-A947-70E740481C1C}">
+                <a14:useLocalDpi xmlns:a14="http://schemas.microsoft.com/office/drawing/2010/main" val="0"/>
+              </a:ext>
+            </a:extLst>
+          </a:blip>
+          <a:srcRect/>
+          <a:stretch>
+            <a:fillRect/>
+          </a:stretch>
+        </p:blipFill>
+        <p:spPr bwMode="auto">
+          <a:xfrm>
+            <a:off x="418571" y="2334081"/>
+            <a:ext cx="4966229" cy="3009444"/>
+          </a:xfrm>
+          <a:prstGeom prst="rect">
+            <a:avLst/>
+          </a:prstGeom>
+          <a:noFill/>
+          <a:extLst>
+            <a:ext uri="{909E8E84-426E-40DD-AFC4-6F175D3DCCD1}">
+              <a14:hiddenFill xmlns:a14="http://schemas.microsoft.com/office/drawing/2010/main">
+                <a:solidFill>
+                  <a:srgbClr val="FFFFFF"/>
+                </a:solidFill>
+              </a14:hiddenFill>
+            </a:ext>
+          </a:extLst>
+        </p:spPr>
+      </p:pic>
     </p:spTree>
     <p:extLst>
       <p:ext uri="{BB962C8B-B14F-4D97-AF65-F5344CB8AC3E}">
-        <p14:creationId xmlns:p14="http://schemas.microsoft.com/office/powerpoint/2010/main" val="1863235849"/>
+        <p14:creationId xmlns:p14="http://schemas.microsoft.com/office/powerpoint/2010/main" val="3082769463"/>
       </p:ext>
     </p:extLst>
   </p:cSld>
@@ -2697,7 +3719,7 @@
           <p:cNvPr id="2" name="Title 1">
             <a:extLst>
               <a:ext uri="{FF2B5EF4-FFF2-40B4-BE49-F238E27FC236}">
-                <a16:creationId xmlns:a16="http://schemas.microsoft.com/office/drawing/2014/main" id="{C178F2BB-5E9E-FBDA-B15D-26F84DE6EB2F}"/>
+                <a16:creationId xmlns:a16="http://schemas.microsoft.com/office/drawing/2014/main" id="{4CA91E95-33DA-91A4-CD99-C1597EF3F65D}"/>
               </a:ext>
             </a:extLst>
           </p:cNvPr>
@@ -2713,7 +3735,10 @@
           <a:bodyPr/>
           <a:lstStyle/>
           <a:p>
-            <a:endParaRPr lang="en-US" dirty="0"/>
+            <a:r>
+              <a:rPr lang="en-US" dirty="0"/>
+              <a:t>SI Table of Contents</a:t>
+            </a:r>
           </a:p>
         </p:txBody>
       </p:sp>
@@ -2722,7 +3747,7 @@
           <p:cNvPr id="3" name="Slide Number Placeholder 2">
             <a:extLst>
               <a:ext uri="{FF2B5EF4-FFF2-40B4-BE49-F238E27FC236}">
-                <a16:creationId xmlns:a16="http://schemas.microsoft.com/office/drawing/2014/main" id="{93FD622D-708A-F241-2841-11D37F6571E4}"/>
+                <a16:creationId xmlns:a16="http://schemas.microsoft.com/office/drawing/2014/main" id="{6A783110-A073-98B2-5FBE-808AF5A86ABD}"/>
               </a:ext>
             </a:extLst>
           </p:cNvPr>
@@ -2742,10 +3767,223 @@
               <a:rPr lang="en-US" smtClean="0"/>
               <a:t>5</a:t>
             </a:fld>
+            <a:endParaRPr lang="en-US" dirty="0"/>
+          </a:p>
+        </p:txBody>
+      </p:sp>
+      <p:sp>
+        <p:nvSpPr>
+          <p:cNvPr id="4" name="Text Placeholder 3">
+            <a:extLst>
+              <a:ext uri="{FF2B5EF4-FFF2-40B4-BE49-F238E27FC236}">
+                <a16:creationId xmlns:a16="http://schemas.microsoft.com/office/drawing/2014/main" id="{BE8C982E-2A8D-76CE-8EB7-4F5A2157CD54}"/>
+              </a:ext>
+            </a:extLst>
+          </p:cNvPr>
+          <p:cNvSpPr>
+            <a:spLocks noGrp="1"/>
+          </p:cNvSpPr>
+          <p:nvPr>
+            <p:ph type="body" sz="quarter" idx="13"/>
+          </p:nvPr>
+        </p:nvSpPr>
+        <p:spPr/>
+        <p:txBody>
+          <a:bodyPr/>
+          <a:lstStyle/>
+          <a:p>
+            <a:endParaRPr lang="en-US" dirty="0"/>
+          </a:p>
+        </p:txBody>
+      </p:sp>
+      <p:sp>
+        <p:nvSpPr>
+          <p:cNvPr id="5" name="Text Placeholder 4">
+            <a:extLst>
+              <a:ext uri="{FF2B5EF4-FFF2-40B4-BE49-F238E27FC236}">
+                <a16:creationId xmlns:a16="http://schemas.microsoft.com/office/drawing/2014/main" id="{3F241E8D-55C1-99C4-5EF5-10F746DDCF0A}"/>
+              </a:ext>
+            </a:extLst>
+          </p:cNvPr>
+          <p:cNvSpPr>
+            <a:spLocks noGrp="1"/>
+          </p:cNvSpPr>
+          <p:nvPr>
+            <p:ph type="body" sz="quarter" idx="16"/>
+          </p:nvPr>
+        </p:nvSpPr>
+        <p:spPr/>
+        <p:txBody>
+          <a:bodyPr/>
+          <a:lstStyle/>
+          <a:p>
             <a:endParaRPr lang="en-US"/>
           </a:p>
         </p:txBody>
       </p:sp>
+      <p:sp>
+        <p:nvSpPr>
+          <p:cNvPr id="6" name="Text Placeholder 5">
+            <a:extLst>
+              <a:ext uri="{FF2B5EF4-FFF2-40B4-BE49-F238E27FC236}">
+                <a16:creationId xmlns:a16="http://schemas.microsoft.com/office/drawing/2014/main" id="{52CF0AF2-9F88-0212-30F2-ADA3E42CCDF7}"/>
+              </a:ext>
+            </a:extLst>
+          </p:cNvPr>
+          <p:cNvSpPr>
+            <a:spLocks noGrp="1"/>
+          </p:cNvSpPr>
+          <p:nvPr>
+            <p:ph type="body" sz="quarter" idx="17"/>
+          </p:nvPr>
+        </p:nvSpPr>
+        <p:spPr/>
+        <p:txBody>
+          <a:bodyPr/>
+          <a:lstStyle/>
+          <a:p>
+            <a:endParaRPr lang="en-US"/>
+          </a:p>
+        </p:txBody>
+      </p:sp>
+    </p:spTree>
+    <p:extLst>
+      <p:ext uri="{BB962C8B-B14F-4D97-AF65-F5344CB8AC3E}">
+        <p14:creationId xmlns:p14="http://schemas.microsoft.com/office/powerpoint/2010/main" val="1863235849"/>
+      </p:ext>
+    </p:extLst>
+  </p:cSld>
+  <p:clrMapOvr>
+    <a:masterClrMapping/>
+  </p:clrMapOvr>
+</p:sld>
+</file>
+
+<file path=ppt/slides/slide6.xml><?xml version="1.0" encoding="utf-8"?>
+<p:sld xmlns:a="http://schemas.openxmlformats.org/drawingml/2006/main" xmlns:r="http://schemas.openxmlformats.org/officeDocument/2006/relationships" xmlns:p="http://schemas.openxmlformats.org/presentationml/2006/main">
+  <p:cSld>
+    <p:spTree>
+      <p:nvGrpSpPr>
+        <p:cNvPr id="1" name=""/>
+        <p:cNvGrpSpPr/>
+        <p:nvPr/>
+      </p:nvGrpSpPr>
+      <p:grpSpPr>
+        <a:xfrm>
+          <a:off x="0" y="0"/>
+          <a:ext cx="0" cy="0"/>
+          <a:chOff x="0" y="0"/>
+          <a:chExt cx="0" cy="0"/>
+        </a:xfrm>
+      </p:grpSpPr>
+      <p:sp>
+        <p:nvSpPr>
+          <p:cNvPr id="2" name="Title 1">
+            <a:extLst>
+              <a:ext uri="{FF2B5EF4-FFF2-40B4-BE49-F238E27FC236}">
+                <a16:creationId xmlns:a16="http://schemas.microsoft.com/office/drawing/2014/main" id="{C178F2BB-5E9E-FBDA-B15D-26F84DE6EB2F}"/>
+              </a:ext>
+            </a:extLst>
+          </p:cNvPr>
+          <p:cNvSpPr>
+            <a:spLocks noGrp="1"/>
+          </p:cNvSpPr>
+          <p:nvPr>
+            <p:ph type="title"/>
+          </p:nvPr>
+        </p:nvSpPr>
+        <p:spPr/>
+        <p:txBody>
+          <a:bodyPr/>
+          <a:lstStyle/>
+          <a:p>
+            <a:r>
+              <a:rPr lang="en-US" dirty="0" err="1"/>
+              <a:t>pNFM</a:t>
+            </a:r>
+            <a:r>
+              <a:rPr lang="en-US" dirty="0"/>
+              <a:t> Fitting (b/v)</a:t>
+            </a:r>
+          </a:p>
+        </p:txBody>
+      </p:sp>
+      <p:sp>
+        <p:nvSpPr>
+          <p:cNvPr id="3" name="Slide Number Placeholder 2">
+            <a:extLst>
+              <a:ext uri="{FF2B5EF4-FFF2-40B4-BE49-F238E27FC236}">
+                <a16:creationId xmlns:a16="http://schemas.microsoft.com/office/drawing/2014/main" id="{93FD622D-708A-F241-2841-11D37F6571E4}"/>
+              </a:ext>
+            </a:extLst>
+          </p:cNvPr>
+          <p:cNvSpPr>
+            <a:spLocks noGrp="1"/>
+          </p:cNvSpPr>
+          <p:nvPr>
+            <p:ph type="sldNum" sz="quarter" idx="12"/>
+          </p:nvPr>
+        </p:nvSpPr>
+        <p:spPr/>
+        <p:txBody>
+          <a:bodyPr/>
+          <a:lstStyle/>
+          <a:p>
+            <a:fld id="{5911C0E6-D9CE-431C-92CB-BB39B872F930}" type="slidenum">
+              <a:rPr lang="en-US" smtClean="0"/>
+              <a:t>6</a:t>
+            </a:fld>
+            <a:endParaRPr lang="en-US"/>
+          </a:p>
+        </p:txBody>
+      </p:sp>
+      <p:pic>
+        <p:nvPicPr>
+          <p:cNvPr id="3074" name="Picture 2">
+            <a:extLst>
+              <a:ext uri="{FF2B5EF4-FFF2-40B4-BE49-F238E27FC236}">
+                <a16:creationId xmlns:a16="http://schemas.microsoft.com/office/drawing/2014/main" id="{C53CFCE2-F013-8160-C7E3-5CE453C00FF6}"/>
+              </a:ext>
+            </a:extLst>
+          </p:cNvPr>
+          <p:cNvPicPr>
+            <a:picLocks noChangeAspect="1" noChangeArrowheads="1"/>
+          </p:cNvPicPr>
+          <p:nvPr/>
+        </p:nvPicPr>
+        <p:blipFill>
+          <a:blip r:embed="rId2">
+            <a:extLst>
+              <a:ext uri="{28A0092B-C50C-407E-A947-70E740481C1C}">
+                <a14:useLocalDpi xmlns:a14="http://schemas.microsoft.com/office/drawing/2010/main" val="0"/>
+              </a:ext>
+            </a:extLst>
+          </a:blip>
+          <a:srcRect/>
+          <a:stretch>
+            <a:fillRect/>
+          </a:stretch>
+        </p:blipFill>
+        <p:spPr bwMode="auto">
+          <a:xfrm>
+            <a:off x="2832100" y="1425546"/>
+            <a:ext cx="6527799" cy="4348775"/>
+          </a:xfrm>
+          <a:prstGeom prst="rect">
+            <a:avLst/>
+          </a:prstGeom>
+          <a:noFill/>
+          <a:extLst>
+            <a:ext uri="{909E8E84-426E-40DD-AFC4-6F175D3DCCD1}">
+              <a14:hiddenFill xmlns:a14="http://schemas.microsoft.com/office/drawing/2010/main">
+                <a:solidFill>
+                  <a:srgbClr val="FFFFFF"/>
+                </a:solidFill>
+              </a14:hiddenFill>
+            </a:ext>
+          </a:extLst>
+        </p:spPr>
+      </p:pic>
     </p:spTree>
     <p:extLst>
       <p:ext uri="{BB962C8B-B14F-4D97-AF65-F5344CB8AC3E}">

--- a/20230712 NF Collab Update.pptx
+++ b/20230712 NF Collab Update.pptx
@@ -5,15 +5,20 @@
     <p:sldMasterId id="2147483648" r:id="rId1"/>
   </p:sldMasterIdLst>
   <p:notesMasterIdLst>
-    <p:notesMasterId r:id="rId8"/>
+    <p:notesMasterId r:id="rId13"/>
   </p:notesMasterIdLst>
   <p:sldIdLst>
     <p:sldId id="256" r:id="rId2"/>
     <p:sldId id="264" r:id="rId3"/>
     <p:sldId id="263" r:id="rId4"/>
     <p:sldId id="265" r:id="rId5"/>
-    <p:sldId id="260" r:id="rId6"/>
-    <p:sldId id="262" r:id="rId7"/>
+    <p:sldId id="266" r:id="rId6"/>
+    <p:sldId id="269" r:id="rId7"/>
+    <p:sldId id="260" r:id="rId8"/>
+    <p:sldId id="268" r:id="rId9"/>
+    <p:sldId id="267" r:id="rId10"/>
+    <p:sldId id="262" r:id="rId11"/>
+    <p:sldId id="270" r:id="rId12"/>
   </p:sldIdLst>
   <p:sldSz cx="12192000" cy="6858000"/>
   <p:notesSz cx="6858000" cy="9144000"/>
@@ -467,6 +472,90 @@
     </a:lvl9pPr>
   </p:notesStyle>
 </p:notesMaster>
+</file>
+
+<file path=ppt/notesSlides/notesSlide1.xml><?xml version="1.0" encoding="utf-8"?>
+<p:notes xmlns:a="http://schemas.openxmlformats.org/drawingml/2006/main" xmlns:r="http://schemas.openxmlformats.org/officeDocument/2006/relationships" xmlns:p="http://schemas.openxmlformats.org/presentationml/2006/main">
+  <p:cSld>
+    <p:spTree>
+      <p:nvGrpSpPr>
+        <p:cNvPr id="1" name=""/>
+        <p:cNvGrpSpPr/>
+        <p:nvPr/>
+      </p:nvGrpSpPr>
+      <p:grpSpPr>
+        <a:xfrm>
+          <a:off x="0" y="0"/>
+          <a:ext cx="0" cy="0"/>
+          <a:chOff x="0" y="0"/>
+          <a:chExt cx="0" cy="0"/>
+        </a:xfrm>
+      </p:grpSpPr>
+      <p:sp>
+        <p:nvSpPr>
+          <p:cNvPr id="2" name="Slide Image Placeholder 1"/>
+          <p:cNvSpPr>
+            <a:spLocks noGrp="1" noRot="1" noChangeAspect="1"/>
+          </p:cNvSpPr>
+          <p:nvPr>
+            <p:ph type="sldImg"/>
+          </p:nvPr>
+        </p:nvSpPr>
+        <p:spPr/>
+      </p:sp>
+      <p:sp>
+        <p:nvSpPr>
+          <p:cNvPr id="3" name="Notes Placeholder 2"/>
+          <p:cNvSpPr>
+            <a:spLocks noGrp="1"/>
+          </p:cNvSpPr>
+          <p:nvPr>
+            <p:ph type="body" idx="1"/>
+          </p:nvPr>
+        </p:nvSpPr>
+        <p:spPr/>
+        <p:txBody>
+          <a:bodyPr/>
+          <a:lstStyle/>
+          <a:p>
+            <a:endParaRPr lang="en-US" dirty="0"/>
+          </a:p>
+        </p:txBody>
+      </p:sp>
+      <p:sp>
+        <p:nvSpPr>
+          <p:cNvPr id="4" name="Slide Number Placeholder 3"/>
+          <p:cNvSpPr>
+            <a:spLocks noGrp="1"/>
+          </p:cNvSpPr>
+          <p:nvPr>
+            <p:ph type="sldNum" sz="quarter" idx="5"/>
+          </p:nvPr>
+        </p:nvSpPr>
+        <p:spPr/>
+        <p:txBody>
+          <a:bodyPr/>
+          <a:lstStyle/>
+          <a:p>
+            <a:fld id="{52A5B05C-A693-40F1-9D0D-52E7CE735D11}" type="slidenum">
+              <a:rPr lang="en-US" smtClean="0"/>
+              <a:t>8</a:t>
+            </a:fld>
+            <a:endParaRPr lang="en-US"/>
+          </a:p>
+        </p:txBody>
+      </p:sp>
+    </p:spTree>
+    <p:extLst>
+      <p:ext uri="{BB962C8B-B14F-4D97-AF65-F5344CB8AC3E}">
+        <p14:creationId xmlns:p14="http://schemas.microsoft.com/office/powerpoint/2010/main" val="1524983712"/>
+      </p:ext>
+    </p:extLst>
+  </p:cSld>
+  <p:clrMapOvr>
+    <a:masterClrMapping/>
+  </p:clrMapOvr>
+</p:notes>
 </file>
 
 <file path=ppt/slideLayouts/slideLayout1.xml><?xml version="1.0" encoding="utf-8"?>
@@ -2317,6 +2406,1074 @@
     <p:extLst>
       <p:ext uri="{BB962C8B-B14F-4D97-AF65-F5344CB8AC3E}">
         <p14:creationId xmlns:p14="http://schemas.microsoft.com/office/powerpoint/2010/main" val="3189493290"/>
+      </p:ext>
+    </p:extLst>
+  </p:cSld>
+  <p:clrMapOvr>
+    <a:masterClrMapping/>
+  </p:clrMapOvr>
+</p:sld>
+</file>
+
+<file path=ppt/slides/slide10.xml><?xml version="1.0" encoding="utf-8"?>
+<p:sld xmlns:a="http://schemas.openxmlformats.org/drawingml/2006/main" xmlns:r="http://schemas.openxmlformats.org/officeDocument/2006/relationships" xmlns:p="http://schemas.openxmlformats.org/presentationml/2006/main">
+  <p:cSld>
+    <p:spTree>
+      <p:nvGrpSpPr>
+        <p:cNvPr id="1" name=""/>
+        <p:cNvGrpSpPr/>
+        <p:nvPr/>
+      </p:nvGrpSpPr>
+      <p:grpSpPr>
+        <a:xfrm>
+          <a:off x="0" y="0"/>
+          <a:ext cx="0" cy="0"/>
+          <a:chOff x="0" y="0"/>
+          <a:chExt cx="0" cy="0"/>
+        </a:xfrm>
+      </p:grpSpPr>
+      <p:sp>
+        <p:nvSpPr>
+          <p:cNvPr id="2" name="Title 1">
+            <a:extLst>
+              <a:ext uri="{FF2B5EF4-FFF2-40B4-BE49-F238E27FC236}">
+                <a16:creationId xmlns:a16="http://schemas.microsoft.com/office/drawing/2014/main" id="{C178F2BB-5E9E-FBDA-B15D-26F84DE6EB2F}"/>
+              </a:ext>
+            </a:extLst>
+          </p:cNvPr>
+          <p:cNvSpPr>
+            <a:spLocks noGrp="1"/>
+          </p:cNvSpPr>
+          <p:nvPr>
+            <p:ph type="title"/>
+          </p:nvPr>
+        </p:nvSpPr>
+        <p:spPr/>
+        <p:txBody>
+          <a:bodyPr/>
+          <a:lstStyle/>
+          <a:p>
+            <a:r>
+              <a:rPr lang="en-US" dirty="0" err="1"/>
+              <a:t>pNFM</a:t>
+            </a:r>
+            <a:r>
+              <a:rPr lang="en-US" dirty="0"/>
+              <a:t> Fitting (b/v)</a:t>
+            </a:r>
+          </a:p>
+        </p:txBody>
+      </p:sp>
+      <p:sp>
+        <p:nvSpPr>
+          <p:cNvPr id="3" name="Slide Number Placeholder 2">
+            <a:extLst>
+              <a:ext uri="{FF2B5EF4-FFF2-40B4-BE49-F238E27FC236}">
+                <a16:creationId xmlns:a16="http://schemas.microsoft.com/office/drawing/2014/main" id="{93FD622D-708A-F241-2841-11D37F6571E4}"/>
+              </a:ext>
+            </a:extLst>
+          </p:cNvPr>
+          <p:cNvSpPr>
+            <a:spLocks noGrp="1"/>
+          </p:cNvSpPr>
+          <p:nvPr>
+            <p:ph type="sldNum" sz="quarter" idx="12"/>
+          </p:nvPr>
+        </p:nvSpPr>
+        <p:spPr/>
+        <p:txBody>
+          <a:bodyPr/>
+          <a:lstStyle/>
+          <a:p>
+            <a:fld id="{5911C0E6-D9CE-431C-92CB-BB39B872F930}" type="slidenum">
+              <a:rPr lang="en-US" smtClean="0"/>
+              <a:t>10</a:t>
+            </a:fld>
+            <a:endParaRPr lang="en-US"/>
+          </a:p>
+        </p:txBody>
+      </p:sp>
+      <p:pic>
+        <p:nvPicPr>
+          <p:cNvPr id="3074" name="Picture 2">
+            <a:extLst>
+              <a:ext uri="{FF2B5EF4-FFF2-40B4-BE49-F238E27FC236}">
+                <a16:creationId xmlns:a16="http://schemas.microsoft.com/office/drawing/2014/main" id="{C53CFCE2-F013-8160-C7E3-5CE453C00FF6}"/>
+              </a:ext>
+            </a:extLst>
+          </p:cNvPr>
+          <p:cNvPicPr>
+            <a:picLocks noChangeAspect="1" noChangeArrowheads="1"/>
+          </p:cNvPicPr>
+          <p:nvPr/>
+        </p:nvPicPr>
+        <p:blipFill>
+          <a:blip r:embed="rId2">
+            <a:extLst>
+              <a:ext uri="{28A0092B-C50C-407E-A947-70E740481C1C}">
+                <a14:useLocalDpi xmlns:a14="http://schemas.microsoft.com/office/drawing/2010/main" val="0"/>
+              </a:ext>
+            </a:extLst>
+          </a:blip>
+          <a:srcRect/>
+          <a:stretch>
+            <a:fillRect/>
+          </a:stretch>
+        </p:blipFill>
+        <p:spPr bwMode="auto">
+          <a:xfrm>
+            <a:off x="2832100" y="1425546"/>
+            <a:ext cx="6527799" cy="4348775"/>
+          </a:xfrm>
+          <a:prstGeom prst="rect">
+            <a:avLst/>
+          </a:prstGeom>
+          <a:noFill/>
+          <a:extLst>
+            <a:ext uri="{909E8E84-426E-40DD-AFC4-6F175D3DCCD1}">
+              <a14:hiddenFill xmlns:a14="http://schemas.microsoft.com/office/drawing/2010/main">
+                <a:solidFill>
+                  <a:srgbClr val="FFFFFF"/>
+                </a:solidFill>
+              </a14:hiddenFill>
+            </a:ext>
+          </a:extLst>
+        </p:spPr>
+      </p:pic>
+    </p:spTree>
+    <p:extLst>
+      <p:ext uri="{BB962C8B-B14F-4D97-AF65-F5344CB8AC3E}">
+        <p14:creationId xmlns:p14="http://schemas.microsoft.com/office/powerpoint/2010/main" val="2967026883"/>
+      </p:ext>
+    </p:extLst>
+  </p:cSld>
+  <p:clrMapOvr>
+    <a:masterClrMapping/>
+  </p:clrMapOvr>
+</p:sld>
+</file>
+
+<file path=ppt/slides/slide11.xml><?xml version="1.0" encoding="utf-8"?>
+<p:sld xmlns:a="http://schemas.openxmlformats.org/drawingml/2006/main" xmlns:r="http://schemas.openxmlformats.org/officeDocument/2006/relationships" xmlns:p="http://schemas.openxmlformats.org/presentationml/2006/main">
+  <p:cSld>
+    <p:spTree>
+      <p:nvGrpSpPr>
+        <p:cNvPr id="1" name=""/>
+        <p:cNvGrpSpPr/>
+        <p:nvPr/>
+      </p:nvGrpSpPr>
+      <p:grpSpPr>
+        <a:xfrm>
+          <a:off x="0" y="0"/>
+          <a:ext cx="0" cy="0"/>
+          <a:chOff x="0" y="0"/>
+          <a:chExt cx="0" cy="0"/>
+        </a:xfrm>
+      </p:grpSpPr>
+      <p:sp>
+        <p:nvSpPr>
+          <p:cNvPr id="2" name="Title 1">
+            <a:extLst>
+              <a:ext uri="{FF2B5EF4-FFF2-40B4-BE49-F238E27FC236}">
+                <a16:creationId xmlns:a16="http://schemas.microsoft.com/office/drawing/2014/main" id="{8B19C180-19C0-06F9-F821-9CB8A7F09C96}"/>
+              </a:ext>
+            </a:extLst>
+          </p:cNvPr>
+          <p:cNvSpPr>
+            <a:spLocks noGrp="1"/>
+          </p:cNvSpPr>
+          <p:nvPr>
+            <p:ph type="title"/>
+          </p:nvPr>
+        </p:nvSpPr>
+        <p:spPr>
+          <a:xfrm>
+            <a:off x="0" y="365125"/>
+            <a:ext cx="12192000" cy="600075"/>
+          </a:xfrm>
+        </p:spPr>
+        <p:txBody>
+          <a:bodyPr>
+            <a:normAutofit fontScale="90000"/>
+          </a:bodyPr>
+          <a:lstStyle/>
+          <a:p>
+            <a:r>
+              <a:rPr lang="en-US" dirty="0"/>
+              <a:t>AA</a:t>
+            </a:r>
+          </a:p>
+        </p:txBody>
+      </p:sp>
+      <p:pic>
+        <p:nvPicPr>
+          <p:cNvPr id="6146" name="Picture 2">
+            <a:extLst>
+              <a:ext uri="{FF2B5EF4-FFF2-40B4-BE49-F238E27FC236}">
+                <a16:creationId xmlns:a16="http://schemas.microsoft.com/office/drawing/2014/main" id="{AE91C063-28E1-686F-0FF4-4877707CFA6E}"/>
+              </a:ext>
+            </a:extLst>
+          </p:cNvPr>
+          <p:cNvPicPr>
+            <a:picLocks noChangeAspect="1" noChangeArrowheads="1"/>
+          </p:cNvPicPr>
+          <p:nvPr/>
+        </p:nvPicPr>
+        <p:blipFill rotWithShape="1">
+          <a:blip r:embed="rId2">
+            <a:extLst>
+              <a:ext uri="{28A0092B-C50C-407E-A947-70E740481C1C}">
+                <a14:useLocalDpi xmlns:a14="http://schemas.microsoft.com/office/drawing/2010/main" val="0"/>
+              </a:ext>
+            </a:extLst>
+          </a:blip>
+          <a:srcRect l="33897"/>
+          <a:stretch/>
+        </p:blipFill>
+        <p:spPr bwMode="auto">
+          <a:xfrm>
+            <a:off x="8734" y="1928645"/>
+            <a:ext cx="6535272" cy="3000710"/>
+          </a:xfrm>
+          <a:prstGeom prst="rect">
+            <a:avLst/>
+          </a:prstGeom>
+          <a:noFill/>
+          <a:extLst>
+            <a:ext uri="{909E8E84-426E-40DD-AFC4-6F175D3DCCD1}">
+              <a14:hiddenFill xmlns:a14="http://schemas.microsoft.com/office/drawing/2010/main">
+                <a:solidFill>
+                  <a:srgbClr val="FFFFFF"/>
+                </a:solidFill>
+              </a14:hiddenFill>
+            </a:ext>
+          </a:extLst>
+        </p:spPr>
+      </p:pic>
+      <p:sp>
+        <p:nvSpPr>
+          <p:cNvPr id="7" name="TextBox 6">
+            <a:extLst>
+              <a:ext uri="{FF2B5EF4-FFF2-40B4-BE49-F238E27FC236}">
+                <a16:creationId xmlns:a16="http://schemas.microsoft.com/office/drawing/2014/main" id="{ED9E768B-6750-EC23-0673-A5FAC62D7E48}"/>
+              </a:ext>
+            </a:extLst>
+          </p:cNvPr>
+          <p:cNvSpPr txBox="1"/>
+          <p:nvPr/>
+        </p:nvSpPr>
+        <p:spPr>
+          <a:xfrm>
+            <a:off x="-21433" y="5142999"/>
+            <a:ext cx="3135411" cy="369332"/>
+          </a:xfrm>
+          <a:prstGeom prst="rect">
+            <a:avLst/>
+          </a:prstGeom>
+          <a:noFill/>
+        </p:spPr>
+        <p:txBody>
+          <a:bodyPr wrap="square" rtlCol="0">
+            <a:spAutoFit/>
+          </a:bodyPr>
+          <a:lstStyle/>
+          <a:p>
+            <a:pPr algn="ctr"/>
+            <a:r>
+              <a:rPr lang="en-US" dirty="0"/>
+              <a:t>b = 4.00 nm</a:t>
+            </a:r>
+          </a:p>
+        </p:txBody>
+      </p:sp>
+      <p:sp>
+        <p:nvSpPr>
+          <p:cNvPr id="8" name="TextBox 7">
+            <a:extLst>
+              <a:ext uri="{FF2B5EF4-FFF2-40B4-BE49-F238E27FC236}">
+                <a16:creationId xmlns:a16="http://schemas.microsoft.com/office/drawing/2014/main" id="{4A5B2C5C-990E-75E2-9130-4133FB05CC07}"/>
+              </a:ext>
+            </a:extLst>
+          </p:cNvPr>
+          <p:cNvSpPr txBox="1"/>
+          <p:nvPr/>
+        </p:nvSpPr>
+        <p:spPr>
+          <a:xfrm>
+            <a:off x="3584123" y="5142999"/>
+            <a:ext cx="2814694" cy="369332"/>
+          </a:xfrm>
+          <a:prstGeom prst="rect">
+            <a:avLst/>
+          </a:prstGeom>
+          <a:noFill/>
+        </p:spPr>
+        <p:txBody>
+          <a:bodyPr wrap="square" rtlCol="0">
+            <a:spAutoFit/>
+          </a:bodyPr>
+          <a:lstStyle/>
+          <a:p>
+            <a:pPr algn="ctr"/>
+            <a:r>
+              <a:rPr lang="en-US" dirty="0"/>
+              <a:t>b = 0.50 nm</a:t>
+            </a:r>
+          </a:p>
+        </p:txBody>
+      </p:sp>
+      <p:grpSp>
+        <p:nvGrpSpPr>
+          <p:cNvPr id="18" name="Group 17">
+            <a:extLst>
+              <a:ext uri="{FF2B5EF4-FFF2-40B4-BE49-F238E27FC236}">
+                <a16:creationId xmlns:a16="http://schemas.microsoft.com/office/drawing/2014/main" id="{444D21D6-E665-463F-BC5F-CBB91B67000F}"/>
+              </a:ext>
+            </a:extLst>
+          </p:cNvPr>
+          <p:cNvGrpSpPr/>
+          <p:nvPr/>
+        </p:nvGrpSpPr>
+        <p:grpSpPr>
+          <a:xfrm>
+            <a:off x="6732495" y="2987587"/>
+            <a:ext cx="5194191" cy="1823217"/>
+            <a:chOff x="6923855" y="4198321"/>
+            <a:chExt cx="5194191" cy="1823217"/>
+          </a:xfrm>
+        </p:grpSpPr>
+        <p:pic>
+          <p:nvPicPr>
+            <p:cNvPr id="6148" name="Picture 4">
+              <a:extLst>
+                <a:ext uri="{FF2B5EF4-FFF2-40B4-BE49-F238E27FC236}">
+                  <a16:creationId xmlns:a16="http://schemas.microsoft.com/office/drawing/2014/main" id="{BB58193F-6C17-05E6-E70E-8BFC1153C2C4}"/>
+                </a:ext>
+              </a:extLst>
+            </p:cNvPr>
+            <p:cNvPicPr>
+              <a:picLocks noChangeAspect="1" noChangeArrowheads="1"/>
+            </p:cNvPicPr>
+            <p:nvPr/>
+          </p:nvPicPr>
+          <p:blipFill rotWithShape="1">
+            <a:blip r:embed="rId3">
+              <a:extLst>
+                <a:ext uri="{28A0092B-C50C-407E-A947-70E740481C1C}">
+                  <a14:useLocalDpi xmlns:a14="http://schemas.microsoft.com/office/drawing/2010/main" val="0"/>
+                </a:ext>
+              </a:extLst>
+            </a:blip>
+            <a:srcRect l="43643" t="7843" r="42563" b="64302"/>
+            <a:stretch/>
+          </p:blipFill>
+          <p:spPr bwMode="auto">
+            <a:xfrm>
+              <a:off x="11147543" y="4223224"/>
+              <a:ext cx="970503" cy="1798314"/>
+            </a:xfrm>
+            <a:prstGeom prst="rect">
+              <a:avLst/>
+            </a:prstGeom>
+            <a:noFill/>
+            <a:extLst>
+              <a:ext uri="{909E8E84-426E-40DD-AFC4-6F175D3DCCD1}">
+                <a14:hiddenFill xmlns:a14="http://schemas.microsoft.com/office/drawing/2010/main">
+                  <a:solidFill>
+                    <a:srgbClr val="FFFFFF"/>
+                  </a:solidFill>
+                </a14:hiddenFill>
+              </a:ext>
+            </a:extLst>
+          </p:spPr>
+        </p:pic>
+        <p:pic>
+          <p:nvPicPr>
+            <p:cNvPr id="13" name="Picture 4">
+              <a:extLst>
+                <a:ext uri="{FF2B5EF4-FFF2-40B4-BE49-F238E27FC236}">
+                  <a16:creationId xmlns:a16="http://schemas.microsoft.com/office/drawing/2014/main" id="{BB2E4A57-850B-DEAD-A777-F1D30A462370}"/>
+                </a:ext>
+              </a:extLst>
+            </p:cNvPr>
+            <p:cNvPicPr>
+              <a:picLocks noChangeAspect="1" noChangeArrowheads="1"/>
+            </p:cNvPicPr>
+            <p:nvPr/>
+          </p:nvPicPr>
+          <p:blipFill rotWithShape="1">
+            <a:blip r:embed="rId3">
+              <a:extLst>
+                <a:ext uri="{28A0092B-C50C-407E-A947-70E740481C1C}">
+                  <a14:useLocalDpi xmlns:a14="http://schemas.microsoft.com/office/drawing/2010/main" val="0"/>
+                </a:ext>
+              </a:extLst>
+            </a:blip>
+            <a:srcRect l="4900" t="72145" r="84185" b="5324"/>
+            <a:stretch/>
+          </p:blipFill>
+          <p:spPr bwMode="auto">
+            <a:xfrm>
+              <a:off x="7777540" y="4208516"/>
+              <a:ext cx="767962" cy="1454596"/>
+            </a:xfrm>
+            <a:prstGeom prst="rect">
+              <a:avLst/>
+            </a:prstGeom>
+            <a:noFill/>
+            <a:extLst>
+              <a:ext uri="{909E8E84-426E-40DD-AFC4-6F175D3DCCD1}">
+                <a14:hiddenFill xmlns:a14="http://schemas.microsoft.com/office/drawing/2010/main">
+                  <a:solidFill>
+                    <a:srgbClr val="FFFFFF"/>
+                  </a:solidFill>
+                </a14:hiddenFill>
+              </a:ext>
+            </a:extLst>
+          </p:spPr>
+        </p:pic>
+        <p:pic>
+          <p:nvPicPr>
+            <p:cNvPr id="14" name="Picture 4">
+              <a:extLst>
+                <a:ext uri="{FF2B5EF4-FFF2-40B4-BE49-F238E27FC236}">
+                  <a16:creationId xmlns:a16="http://schemas.microsoft.com/office/drawing/2014/main" id="{B025B058-F1AD-DC06-B37F-3305F36FCDDC}"/>
+                </a:ext>
+              </a:extLst>
+            </p:cNvPr>
+            <p:cNvPicPr>
+              <a:picLocks noChangeAspect="1" noChangeArrowheads="1"/>
+            </p:cNvPicPr>
+            <p:nvPr/>
+          </p:nvPicPr>
+          <p:blipFill rotWithShape="1">
+            <a:blip r:embed="rId3">
+              <a:extLst>
+                <a:ext uri="{28A0092B-C50C-407E-A947-70E740481C1C}">
+                  <a14:useLocalDpi xmlns:a14="http://schemas.microsoft.com/office/drawing/2010/main" val="0"/>
+                </a:ext>
+              </a:extLst>
+            </a:blip>
+            <a:srcRect l="16055" t="72145" r="73389" b="5324"/>
+            <a:stretch/>
+          </p:blipFill>
+          <p:spPr bwMode="auto">
+            <a:xfrm>
+              <a:off x="8597795" y="4208517"/>
+              <a:ext cx="742646" cy="1454595"/>
+            </a:xfrm>
+            <a:prstGeom prst="rect">
+              <a:avLst/>
+            </a:prstGeom>
+            <a:noFill/>
+            <a:extLst>
+              <a:ext uri="{909E8E84-426E-40DD-AFC4-6F175D3DCCD1}">
+                <a14:hiddenFill xmlns:a14="http://schemas.microsoft.com/office/drawing/2010/main">
+                  <a:solidFill>
+                    <a:srgbClr val="FFFFFF"/>
+                  </a:solidFill>
+                </a14:hiddenFill>
+              </a:ext>
+            </a:extLst>
+          </p:spPr>
+        </p:pic>
+        <p:pic>
+          <p:nvPicPr>
+            <p:cNvPr id="15" name="Picture 4">
+              <a:extLst>
+                <a:ext uri="{FF2B5EF4-FFF2-40B4-BE49-F238E27FC236}">
+                  <a16:creationId xmlns:a16="http://schemas.microsoft.com/office/drawing/2014/main" id="{78E85DF5-1606-E380-85FC-C5BBC9EA3F8D}"/>
+                </a:ext>
+              </a:extLst>
+            </p:cNvPr>
+            <p:cNvPicPr>
+              <a:picLocks noChangeAspect="1" noChangeArrowheads="1"/>
+            </p:cNvPicPr>
+            <p:nvPr/>
+          </p:nvPicPr>
+          <p:blipFill rotWithShape="1">
+            <a:blip r:embed="rId3">
+              <a:extLst>
+                <a:ext uri="{28A0092B-C50C-407E-A947-70E740481C1C}">
+                  <a14:useLocalDpi xmlns:a14="http://schemas.microsoft.com/office/drawing/2010/main" val="0"/>
+                </a:ext>
+              </a:extLst>
+            </a:blip>
+            <a:srcRect l="72010" t="41961" r="16655" b="35947"/>
+            <a:stretch/>
+          </p:blipFill>
+          <p:spPr bwMode="auto">
+            <a:xfrm>
+              <a:off x="6923855" y="4198321"/>
+              <a:ext cx="797500" cy="1426217"/>
+            </a:xfrm>
+            <a:prstGeom prst="rect">
+              <a:avLst/>
+            </a:prstGeom>
+            <a:noFill/>
+            <a:extLst>
+              <a:ext uri="{909E8E84-426E-40DD-AFC4-6F175D3DCCD1}">
+                <a14:hiddenFill xmlns:a14="http://schemas.microsoft.com/office/drawing/2010/main">
+                  <a:solidFill>
+                    <a:srgbClr val="FFFFFF"/>
+                  </a:solidFill>
+                </a14:hiddenFill>
+              </a:ext>
+            </a:extLst>
+          </p:spPr>
+        </p:pic>
+        <p:pic>
+          <p:nvPicPr>
+            <p:cNvPr id="16" name="Picture 4">
+              <a:extLst>
+                <a:ext uri="{FF2B5EF4-FFF2-40B4-BE49-F238E27FC236}">
+                  <a16:creationId xmlns:a16="http://schemas.microsoft.com/office/drawing/2014/main" id="{EA91F9F7-903A-2379-FE02-265AD9795987}"/>
+                </a:ext>
+              </a:extLst>
+            </p:cNvPr>
+            <p:cNvPicPr>
+              <a:picLocks noChangeAspect="1" noChangeArrowheads="1"/>
+            </p:cNvPicPr>
+            <p:nvPr/>
+          </p:nvPicPr>
+          <p:blipFill rotWithShape="1">
+            <a:blip r:embed="rId3">
+              <a:extLst>
+                <a:ext uri="{28A0092B-C50C-407E-A947-70E740481C1C}">
+                  <a14:useLocalDpi xmlns:a14="http://schemas.microsoft.com/office/drawing/2010/main" val="0"/>
+                </a:ext>
+              </a:extLst>
+            </a:blip>
+            <a:srcRect l="83045" t="41699" r="6040" b="38431"/>
+            <a:stretch/>
+          </p:blipFill>
+          <p:spPr bwMode="auto">
+            <a:xfrm>
+              <a:off x="9392460" y="4198321"/>
+              <a:ext cx="767962" cy="1282751"/>
+            </a:xfrm>
+            <a:prstGeom prst="rect">
+              <a:avLst/>
+            </a:prstGeom>
+            <a:noFill/>
+            <a:extLst>
+              <a:ext uri="{909E8E84-426E-40DD-AFC4-6F175D3DCCD1}">
+                <a14:hiddenFill xmlns:a14="http://schemas.microsoft.com/office/drawing/2010/main">
+                  <a:solidFill>
+                    <a:srgbClr val="FFFFFF"/>
+                  </a:solidFill>
+                </a14:hiddenFill>
+              </a:ext>
+            </a:extLst>
+          </p:spPr>
+        </p:pic>
+        <p:pic>
+          <p:nvPicPr>
+            <p:cNvPr id="17" name="Picture 4">
+              <a:extLst>
+                <a:ext uri="{FF2B5EF4-FFF2-40B4-BE49-F238E27FC236}">
+                  <a16:creationId xmlns:a16="http://schemas.microsoft.com/office/drawing/2014/main" id="{C86FBE1B-AAA8-BB83-4F41-3AB5BC2B3A22}"/>
+                </a:ext>
+              </a:extLst>
+            </p:cNvPr>
+            <p:cNvPicPr>
+              <a:picLocks noChangeAspect="1" noChangeArrowheads="1"/>
+            </p:cNvPicPr>
+            <p:nvPr/>
+          </p:nvPicPr>
+          <p:blipFill rotWithShape="1">
+            <a:blip r:embed="rId3">
+              <a:extLst>
+                <a:ext uri="{28A0092B-C50C-407E-A947-70E740481C1C}">
+                  <a14:useLocalDpi xmlns:a14="http://schemas.microsoft.com/office/drawing/2010/main" val="0"/>
+                </a:ext>
+              </a:extLst>
+            </a:blip>
+            <a:srcRect l="72010" t="8366" r="15455" b="67974"/>
+            <a:stretch/>
+          </p:blipFill>
+          <p:spPr bwMode="auto">
+            <a:xfrm>
+              <a:off x="10213038" y="4223224"/>
+              <a:ext cx="881889" cy="1527487"/>
+            </a:xfrm>
+            <a:prstGeom prst="rect">
+              <a:avLst/>
+            </a:prstGeom>
+            <a:noFill/>
+            <a:extLst>
+              <a:ext uri="{909E8E84-426E-40DD-AFC4-6F175D3DCCD1}">
+                <a14:hiddenFill xmlns:a14="http://schemas.microsoft.com/office/drawing/2010/main">
+                  <a:solidFill>
+                    <a:srgbClr val="FFFFFF"/>
+                  </a:solidFill>
+                </a14:hiddenFill>
+              </a:ext>
+            </a:extLst>
+          </p:spPr>
+        </p:pic>
+      </p:grpSp>
+      <p:cxnSp>
+        <p:nvCxnSpPr>
+          <p:cNvPr id="20" name="Straight Arrow Connector 19">
+            <a:extLst>
+              <a:ext uri="{FF2B5EF4-FFF2-40B4-BE49-F238E27FC236}">
+                <a16:creationId xmlns:a16="http://schemas.microsoft.com/office/drawing/2014/main" id="{E5B1118D-41DD-6FD0-9A53-D47FE8A1F783}"/>
+              </a:ext>
+            </a:extLst>
+          </p:cNvPr>
+          <p:cNvCxnSpPr/>
+          <p:nvPr/>
+        </p:nvCxnSpPr>
+        <p:spPr>
+          <a:xfrm>
+            <a:off x="6732495" y="2782222"/>
+            <a:ext cx="5194191" cy="0"/>
+          </a:xfrm>
+          <a:prstGeom prst="straightConnector1">
+            <a:avLst/>
+          </a:prstGeom>
+          <a:ln w="19050">
+            <a:solidFill>
+              <a:schemeClr val="tx1"/>
+            </a:solidFill>
+            <a:tailEnd type="triangle"/>
+          </a:ln>
+        </p:spPr>
+        <p:style>
+          <a:lnRef idx="1">
+            <a:schemeClr val="accent1"/>
+          </a:lnRef>
+          <a:fillRef idx="0">
+            <a:schemeClr val="accent1"/>
+          </a:fillRef>
+          <a:effectRef idx="0">
+            <a:schemeClr val="accent1"/>
+          </a:effectRef>
+          <a:fontRef idx="minor">
+            <a:schemeClr val="tx1"/>
+          </a:fontRef>
+        </p:style>
+      </p:cxnSp>
+      <p:sp>
+        <p:nvSpPr>
+          <p:cNvPr id="21" name="TextBox 20">
+            <a:extLst>
+              <a:ext uri="{FF2B5EF4-FFF2-40B4-BE49-F238E27FC236}">
+                <a16:creationId xmlns:a16="http://schemas.microsoft.com/office/drawing/2014/main" id="{467D6BE6-A2E7-7BDC-97F4-EC83DD183973}"/>
+              </a:ext>
+            </a:extLst>
+          </p:cNvPr>
+          <p:cNvSpPr txBox="1"/>
+          <p:nvPr/>
+        </p:nvSpPr>
+        <p:spPr>
+          <a:xfrm>
+            <a:off x="10021678" y="2419971"/>
+            <a:ext cx="2177050" cy="369332"/>
+          </a:xfrm>
+          <a:prstGeom prst="rect">
+            <a:avLst/>
+          </a:prstGeom>
+          <a:noFill/>
+        </p:spPr>
+        <p:txBody>
+          <a:bodyPr wrap="square" rtlCol="0">
+            <a:spAutoFit/>
+          </a:bodyPr>
+          <a:lstStyle/>
+          <a:p>
+            <a:r>
+              <a:rPr lang="en-US" dirty="0"/>
+              <a:t>Increasing stiffness</a:t>
+            </a:r>
+          </a:p>
+        </p:txBody>
+      </p:sp>
+      <p:sp>
+        <p:nvSpPr>
+          <p:cNvPr id="4" name="TextBox 3">
+            <a:extLst>
+              <a:ext uri="{FF2B5EF4-FFF2-40B4-BE49-F238E27FC236}">
+                <a16:creationId xmlns:a16="http://schemas.microsoft.com/office/drawing/2014/main" id="{E5F1BC2A-7AF3-FB4D-1907-01DC285E3B75}"/>
+              </a:ext>
+            </a:extLst>
+          </p:cNvPr>
+          <p:cNvSpPr txBox="1"/>
+          <p:nvPr/>
+        </p:nvSpPr>
+        <p:spPr>
+          <a:xfrm>
+            <a:off x="7021113" y="4810804"/>
+            <a:ext cx="270933" cy="369332"/>
+          </a:xfrm>
+          <a:prstGeom prst="rect">
+            <a:avLst/>
+          </a:prstGeom>
+          <a:noFill/>
+        </p:spPr>
+        <p:txBody>
+          <a:bodyPr wrap="square" rtlCol="0">
+            <a:spAutoFit/>
+          </a:bodyPr>
+          <a:lstStyle/>
+          <a:p>
+            <a:pPr algn="l">
+              <a:spcAft>
+                <a:spcPts val="1200"/>
+              </a:spcAft>
+            </a:pPr>
+            <a:r>
+              <a:rPr lang="en-US" dirty="0"/>
+              <a:t>1</a:t>
+            </a:r>
+          </a:p>
+        </p:txBody>
+      </p:sp>
+      <p:sp>
+        <p:nvSpPr>
+          <p:cNvPr id="5" name="TextBox 4">
+            <a:extLst>
+              <a:ext uri="{FF2B5EF4-FFF2-40B4-BE49-F238E27FC236}">
+                <a16:creationId xmlns:a16="http://schemas.microsoft.com/office/drawing/2014/main" id="{F3C5FD49-F0C6-8ECB-3ADD-D73CE6BE2428}"/>
+              </a:ext>
+            </a:extLst>
+          </p:cNvPr>
+          <p:cNvSpPr txBox="1"/>
+          <p:nvPr/>
+        </p:nvSpPr>
+        <p:spPr>
+          <a:xfrm>
+            <a:off x="7903141" y="4810804"/>
+            <a:ext cx="270933" cy="369332"/>
+          </a:xfrm>
+          <a:prstGeom prst="rect">
+            <a:avLst/>
+          </a:prstGeom>
+          <a:noFill/>
+        </p:spPr>
+        <p:txBody>
+          <a:bodyPr wrap="square" rtlCol="0">
+            <a:spAutoFit/>
+          </a:bodyPr>
+          <a:lstStyle/>
+          <a:p>
+            <a:pPr algn="l">
+              <a:spcAft>
+                <a:spcPts val="1200"/>
+              </a:spcAft>
+            </a:pPr>
+            <a:r>
+              <a:rPr lang="en-US" dirty="0"/>
+              <a:t>2</a:t>
+            </a:r>
+          </a:p>
+        </p:txBody>
+      </p:sp>
+      <p:sp>
+        <p:nvSpPr>
+          <p:cNvPr id="9" name="TextBox 8">
+            <a:extLst>
+              <a:ext uri="{FF2B5EF4-FFF2-40B4-BE49-F238E27FC236}">
+                <a16:creationId xmlns:a16="http://schemas.microsoft.com/office/drawing/2014/main" id="{A6939E70-E49D-0B45-CC22-B5DEF02EB8AC}"/>
+              </a:ext>
+            </a:extLst>
+          </p:cNvPr>
+          <p:cNvSpPr txBox="1"/>
+          <p:nvPr/>
+        </p:nvSpPr>
+        <p:spPr>
+          <a:xfrm>
+            <a:off x="8649702" y="4810804"/>
+            <a:ext cx="270933" cy="369332"/>
+          </a:xfrm>
+          <a:prstGeom prst="rect">
+            <a:avLst/>
+          </a:prstGeom>
+          <a:noFill/>
+        </p:spPr>
+        <p:txBody>
+          <a:bodyPr wrap="square" rtlCol="0">
+            <a:spAutoFit/>
+          </a:bodyPr>
+          <a:lstStyle/>
+          <a:p>
+            <a:pPr algn="l">
+              <a:spcAft>
+                <a:spcPts val="1200"/>
+              </a:spcAft>
+            </a:pPr>
+            <a:r>
+              <a:rPr lang="en-US" dirty="0"/>
+              <a:t>3</a:t>
+            </a:r>
+          </a:p>
+        </p:txBody>
+      </p:sp>
+      <p:sp>
+        <p:nvSpPr>
+          <p:cNvPr id="10" name="TextBox 9">
+            <a:extLst>
+              <a:ext uri="{FF2B5EF4-FFF2-40B4-BE49-F238E27FC236}">
+                <a16:creationId xmlns:a16="http://schemas.microsoft.com/office/drawing/2014/main" id="{24E3EE22-986B-2DB7-CEAC-4211959902D2}"/>
+              </a:ext>
+            </a:extLst>
+          </p:cNvPr>
+          <p:cNvSpPr txBox="1"/>
+          <p:nvPr/>
+        </p:nvSpPr>
+        <p:spPr>
+          <a:xfrm>
+            <a:off x="10245757" y="4842979"/>
+            <a:ext cx="270933" cy="369332"/>
+          </a:xfrm>
+          <a:prstGeom prst="rect">
+            <a:avLst/>
+          </a:prstGeom>
+          <a:noFill/>
+        </p:spPr>
+        <p:txBody>
+          <a:bodyPr wrap="square" rtlCol="0">
+            <a:spAutoFit/>
+          </a:bodyPr>
+          <a:lstStyle/>
+          <a:p>
+            <a:pPr algn="l">
+              <a:spcAft>
+                <a:spcPts val="1200"/>
+              </a:spcAft>
+            </a:pPr>
+            <a:r>
+              <a:rPr lang="en-US" dirty="0"/>
+              <a:t>5</a:t>
+            </a:r>
+          </a:p>
+        </p:txBody>
+      </p:sp>
+      <p:sp>
+        <p:nvSpPr>
+          <p:cNvPr id="11" name="TextBox 10">
+            <a:extLst>
+              <a:ext uri="{FF2B5EF4-FFF2-40B4-BE49-F238E27FC236}">
+                <a16:creationId xmlns:a16="http://schemas.microsoft.com/office/drawing/2014/main" id="{9D5FE247-EFCB-8945-ADDA-7FC170C9C0A7}"/>
+              </a:ext>
+            </a:extLst>
+          </p:cNvPr>
+          <p:cNvSpPr txBox="1"/>
+          <p:nvPr/>
+        </p:nvSpPr>
+        <p:spPr>
+          <a:xfrm>
+            <a:off x="11305967" y="4842979"/>
+            <a:ext cx="270933" cy="369332"/>
+          </a:xfrm>
+          <a:prstGeom prst="rect">
+            <a:avLst/>
+          </a:prstGeom>
+          <a:noFill/>
+        </p:spPr>
+        <p:txBody>
+          <a:bodyPr wrap="square" rtlCol="0">
+            <a:spAutoFit/>
+          </a:bodyPr>
+          <a:lstStyle/>
+          <a:p>
+            <a:pPr algn="l">
+              <a:spcAft>
+                <a:spcPts val="1200"/>
+              </a:spcAft>
+            </a:pPr>
+            <a:r>
+              <a:rPr lang="en-US" dirty="0"/>
+              <a:t>6</a:t>
+            </a:r>
+          </a:p>
+        </p:txBody>
+      </p:sp>
+      <p:sp>
+        <p:nvSpPr>
+          <p:cNvPr id="12" name="TextBox 11">
+            <a:extLst>
+              <a:ext uri="{FF2B5EF4-FFF2-40B4-BE49-F238E27FC236}">
+                <a16:creationId xmlns:a16="http://schemas.microsoft.com/office/drawing/2014/main" id="{2E44236C-973E-E1F9-0D88-5D0FFAF40F72}"/>
+              </a:ext>
+            </a:extLst>
+          </p:cNvPr>
+          <p:cNvSpPr txBox="1"/>
+          <p:nvPr/>
+        </p:nvSpPr>
+        <p:spPr>
+          <a:xfrm>
+            <a:off x="9452132" y="4843612"/>
+            <a:ext cx="270933" cy="369332"/>
+          </a:xfrm>
+          <a:prstGeom prst="rect">
+            <a:avLst/>
+          </a:prstGeom>
+          <a:noFill/>
+        </p:spPr>
+        <p:txBody>
+          <a:bodyPr wrap="square" rtlCol="0">
+            <a:spAutoFit/>
+          </a:bodyPr>
+          <a:lstStyle/>
+          <a:p>
+            <a:pPr algn="l">
+              <a:spcAft>
+                <a:spcPts val="1200"/>
+              </a:spcAft>
+            </a:pPr>
+            <a:r>
+              <a:rPr lang="en-US" dirty="0"/>
+              <a:t>?</a:t>
+            </a:r>
+          </a:p>
+        </p:txBody>
+      </p:sp>
+      <p:sp>
+        <p:nvSpPr>
+          <p:cNvPr id="19" name="TextBox 18">
+            <a:extLst>
+              <a:ext uri="{FF2B5EF4-FFF2-40B4-BE49-F238E27FC236}">
+                <a16:creationId xmlns:a16="http://schemas.microsoft.com/office/drawing/2014/main" id="{567E3549-0D50-40A8-3CDD-FE1ECF4F5ABD}"/>
+              </a:ext>
+            </a:extLst>
+          </p:cNvPr>
+          <p:cNvSpPr txBox="1"/>
+          <p:nvPr/>
+        </p:nvSpPr>
+        <p:spPr>
+          <a:xfrm>
+            <a:off x="6801644" y="5431393"/>
+            <a:ext cx="2202994" cy="369332"/>
+          </a:xfrm>
+          <a:prstGeom prst="rect">
+            <a:avLst/>
+          </a:prstGeom>
+          <a:noFill/>
+        </p:spPr>
+        <p:txBody>
+          <a:bodyPr wrap="square" rtlCol="0">
+            <a:spAutoFit/>
+          </a:bodyPr>
+          <a:lstStyle/>
+          <a:p>
+            <a:pPr algn="l">
+              <a:spcAft>
+                <a:spcPts val="1200"/>
+              </a:spcAft>
+            </a:pPr>
+            <a:r>
+              <a:rPr lang="en-US" dirty="0"/>
+              <a:t>With P = 0:</a:t>
+            </a:r>
+          </a:p>
+        </p:txBody>
+      </p:sp>
+      <p:sp>
+        <p:nvSpPr>
+          <p:cNvPr id="22" name="TextBox 21">
+            <a:extLst>
+              <a:ext uri="{FF2B5EF4-FFF2-40B4-BE49-F238E27FC236}">
+                <a16:creationId xmlns:a16="http://schemas.microsoft.com/office/drawing/2014/main" id="{1BF32391-3E6E-3380-4174-25731E781C53}"/>
+              </a:ext>
+            </a:extLst>
+          </p:cNvPr>
+          <p:cNvSpPr txBox="1"/>
+          <p:nvPr/>
+        </p:nvSpPr>
+        <p:spPr>
+          <a:xfrm>
+            <a:off x="9215867" y="5431393"/>
+            <a:ext cx="2202994" cy="369332"/>
+          </a:xfrm>
+          <a:prstGeom prst="rect">
+            <a:avLst/>
+          </a:prstGeom>
+          <a:noFill/>
+        </p:spPr>
+        <p:txBody>
+          <a:bodyPr wrap="square" rtlCol="0">
+            <a:spAutoFit/>
+          </a:bodyPr>
+          <a:lstStyle/>
+          <a:p>
+            <a:pPr algn="l">
+              <a:spcAft>
+                <a:spcPts val="1200"/>
+              </a:spcAft>
+            </a:pPr>
+            <a:r>
+              <a:rPr lang="en-US" dirty="0"/>
+              <a:t>With P = 4: </a:t>
+            </a:r>
+          </a:p>
+        </p:txBody>
+      </p:sp>
+      <p:pic>
+        <p:nvPicPr>
+          <p:cNvPr id="26" name="Picture 25">
+            <a:extLst>
+              <a:ext uri="{FF2B5EF4-FFF2-40B4-BE49-F238E27FC236}">
+                <a16:creationId xmlns:a16="http://schemas.microsoft.com/office/drawing/2014/main" id="{FD040BB5-2A3C-97BA-1233-229F345516C5}"/>
+              </a:ext>
+            </a:extLst>
+          </p:cNvPr>
+          <p:cNvPicPr>
+            <a:picLocks noChangeAspect="1"/>
+          </p:cNvPicPr>
+          <p:nvPr/>
+        </p:nvPicPr>
+        <p:blipFill>
+          <a:blip r:embed="rId4"/>
+          <a:stretch>
+            <a:fillRect/>
+          </a:stretch>
+        </p:blipFill>
+        <p:spPr>
+          <a:xfrm>
+            <a:off x="9373107" y="5898884"/>
+            <a:ext cx="2016231" cy="454526"/>
+          </a:xfrm>
+          <a:prstGeom prst="rect">
+            <a:avLst/>
+          </a:prstGeom>
+        </p:spPr>
+      </p:pic>
+      <p:pic>
+        <p:nvPicPr>
+          <p:cNvPr id="28" name="Picture 27">
+            <a:extLst>
+              <a:ext uri="{FF2B5EF4-FFF2-40B4-BE49-F238E27FC236}">
+                <a16:creationId xmlns:a16="http://schemas.microsoft.com/office/drawing/2014/main" id="{C89FFD85-B84A-910F-840A-044C29A8EB20}"/>
+              </a:ext>
+            </a:extLst>
+          </p:cNvPr>
+          <p:cNvPicPr>
+            <a:picLocks noChangeAspect="1"/>
+          </p:cNvPicPr>
+          <p:nvPr/>
+        </p:nvPicPr>
+        <p:blipFill>
+          <a:blip r:embed="rId5"/>
+          <a:stretch>
+            <a:fillRect/>
+          </a:stretch>
+        </p:blipFill>
+        <p:spPr>
+          <a:xfrm>
+            <a:off x="6928427" y="5885361"/>
+            <a:ext cx="1992208" cy="468049"/>
+          </a:xfrm>
+          <a:prstGeom prst="rect">
+            <a:avLst/>
+          </a:prstGeom>
+        </p:spPr>
+      </p:pic>
+    </p:spTree>
+    <p:extLst>
+      <p:ext uri="{BB962C8B-B14F-4D97-AF65-F5344CB8AC3E}">
+        <p14:creationId xmlns:p14="http://schemas.microsoft.com/office/powerpoint/2010/main" val="764663589"/>
       </p:ext>
     </p:extLst>
   </p:cSld>
@@ -2885,7 +4042,7 @@
         </p:nvGrpSpPr>
         <p:grpSpPr>
           <a:xfrm>
-            <a:off x="1846045" y="4302678"/>
+            <a:off x="1708022" y="4731865"/>
             <a:ext cx="8499909" cy="1998362"/>
             <a:chOff x="1482291" y="4099527"/>
             <a:chExt cx="8499909" cy="1998362"/>
@@ -3116,7 +4273,7 @@
         </p:nvGrpSpPr>
         <p:grpSpPr>
           <a:xfrm>
-            <a:off x="1067112" y="1540855"/>
+            <a:off x="1265519" y="1075029"/>
             <a:ext cx="4123137" cy="2136978"/>
             <a:chOff x="1603028" y="1385156"/>
             <a:chExt cx="4123137" cy="2136978"/>
@@ -3410,8 +4567,8 @@
         </p:nvSpPr>
         <p:spPr>
           <a:xfrm>
-            <a:off x="6214660" y="1540855"/>
-            <a:ext cx="5439833" cy="1661993"/>
+            <a:off x="6169492" y="1010196"/>
+            <a:ext cx="5439833" cy="1231106"/>
           </a:xfrm>
           <a:prstGeom prst="rect">
             <a:avLst/>
@@ -3460,8 +4617,93 @@
               <a:t>Solution salt concentration and pH</a:t>
             </a:r>
           </a:p>
-          <a:p>
-            <a:pPr marL="742950" lvl="1" indent="-285750">
+        </p:txBody>
+      </p:sp>
+      <p:pic>
+        <p:nvPicPr>
+          <p:cNvPr id="35" name="Picture 2">
+            <a:extLst>
+              <a:ext uri="{FF2B5EF4-FFF2-40B4-BE49-F238E27FC236}">
+                <a16:creationId xmlns:a16="http://schemas.microsoft.com/office/drawing/2014/main" id="{EF954B7E-129B-7B1E-0F18-C3531C22DF43}"/>
+              </a:ext>
+            </a:extLst>
+          </p:cNvPr>
+          <p:cNvPicPr>
+            <a:picLocks noChangeAspect="1" noChangeArrowheads="1"/>
+          </p:cNvPicPr>
+          <p:nvPr/>
+        </p:nvPicPr>
+        <p:blipFill rotWithShape="1">
+          <a:blip r:embed="rId5">
+            <a:extLst>
+              <a:ext uri="{28A0092B-C50C-407E-A947-70E740481C1C}">
+                <a14:useLocalDpi xmlns:a14="http://schemas.microsoft.com/office/drawing/2010/main" val="0"/>
+              </a:ext>
+            </a:extLst>
+          </a:blip>
+          <a:srcRect b="20854"/>
+          <a:stretch/>
+        </p:blipFill>
+        <p:spPr bwMode="auto">
+          <a:xfrm>
+            <a:off x="650499" y="3468007"/>
+            <a:ext cx="5198156" cy="1045748"/>
+          </a:xfrm>
+          <a:prstGeom prst="rect">
+            <a:avLst/>
+          </a:prstGeom>
+          <a:noFill/>
+          <a:extLst>
+            <a:ext uri="{909E8E84-426E-40DD-AFC4-6F175D3DCCD1}">
+              <a14:hiddenFill xmlns:a14="http://schemas.microsoft.com/office/drawing/2010/main">
+                <a:solidFill>
+                  <a:srgbClr val="FFFFFF"/>
+                </a:solidFill>
+              </a14:hiddenFill>
+            </a:ext>
+          </a:extLst>
+        </p:spPr>
+      </p:pic>
+      <p:sp>
+        <p:nvSpPr>
+          <p:cNvPr id="37" name="TextBox 36">
+            <a:extLst>
+              <a:ext uri="{FF2B5EF4-FFF2-40B4-BE49-F238E27FC236}">
+                <a16:creationId xmlns:a16="http://schemas.microsoft.com/office/drawing/2014/main" id="{AB830DE6-4796-5C82-748B-5118501FBD5E}"/>
+              </a:ext>
+            </a:extLst>
+          </p:cNvPr>
+          <p:cNvSpPr txBox="1"/>
+          <p:nvPr/>
+        </p:nvSpPr>
+        <p:spPr>
+          <a:xfrm>
+            <a:off x="6169492" y="3328768"/>
+            <a:ext cx="6219644" cy="1231106"/>
+          </a:xfrm>
+          <a:prstGeom prst="rect">
+            <a:avLst/>
+          </a:prstGeom>
+          <a:noFill/>
+        </p:spPr>
+        <p:txBody>
+          <a:bodyPr wrap="square">
+            <a:spAutoFit/>
+          </a:bodyPr>
+          <a:lstStyle/>
+          <a:p>
+            <a:pPr>
+              <a:spcAft>
+                <a:spcPts val="1200"/>
+              </a:spcAft>
+            </a:pPr>
+            <a:r>
+              <a:rPr lang="en-US" dirty="0"/>
+              <a:t>Details:</a:t>
+            </a:r>
+          </a:p>
+          <a:p>
+            <a:pPr marL="285750" indent="-285750">
               <a:spcAft>
                 <a:spcPts val="1200"/>
               </a:spcAft>
@@ -3471,6 +4713,19 @@
             <a:r>
               <a:rPr lang="en-US" dirty="0"/>
               <a:t>Charge calculated using bulk pH</a:t>
+            </a:r>
+          </a:p>
+          <a:p>
+            <a:pPr marL="285750" indent="-285750">
+              <a:spcAft>
+                <a:spcPts val="1200"/>
+              </a:spcAft>
+              <a:buFont typeface="Arial" panose="020B0604020202020204" pitchFamily="34" charset="0"/>
+              <a:buChar char="•"/>
+            </a:pPr>
+            <a:r>
+              <a:rPr lang="en-US" dirty="0"/>
+              <a:t>Blocks group similar neighbors</a:t>
             </a:r>
           </a:p>
         </p:txBody>
@@ -3514,6 +4769,78 @@
                                     <p:set>
                                       <p:cBhvr>
                                         <p:cTn id="6" dur="1" fill="hold">
+                                          <p:stCondLst>
+                                            <p:cond delay="0"/>
+                                          </p:stCondLst>
+                                        </p:cTn>
+                                        <p:tgtEl>
+                                          <p:spTgt spid="35"/>
+                                        </p:tgtEl>
+                                        <p:attrNameLst>
+                                          <p:attrName>style.visibility</p:attrName>
+                                        </p:attrNameLst>
+                                      </p:cBhvr>
+                                      <p:to>
+                                        <p:strVal val="visible"/>
+                                      </p:to>
+                                    </p:set>
+                                  </p:childTnLst>
+                                </p:cTn>
+                              </p:par>
+                              <p:par>
+                                <p:cTn id="7" presetID="1" presetClass="entr" presetSubtype="0" fill="hold" grpId="0" nodeType="withEffect">
+                                  <p:stCondLst>
+                                    <p:cond delay="0"/>
+                                  </p:stCondLst>
+                                  <p:childTnLst>
+                                    <p:set>
+                                      <p:cBhvr>
+                                        <p:cTn id="8" dur="1" fill="hold">
+                                          <p:stCondLst>
+                                            <p:cond delay="0"/>
+                                          </p:stCondLst>
+                                        </p:cTn>
+                                        <p:tgtEl>
+                                          <p:spTgt spid="37"/>
+                                        </p:tgtEl>
+                                        <p:attrNameLst>
+                                          <p:attrName>style.visibility</p:attrName>
+                                        </p:attrNameLst>
+                                      </p:cBhvr>
+                                      <p:to>
+                                        <p:strVal val="visible"/>
+                                      </p:to>
+                                    </p:set>
+                                  </p:childTnLst>
+                                </p:cTn>
+                              </p:par>
+                            </p:childTnLst>
+                          </p:cTn>
+                        </p:par>
+                      </p:childTnLst>
+                    </p:cTn>
+                  </p:par>
+                  <p:par>
+                    <p:cTn id="9" fill="hold">
+                      <p:stCondLst>
+                        <p:cond delay="indefinite"/>
+                      </p:stCondLst>
+                      <p:childTnLst>
+                        <p:par>
+                          <p:cTn id="10" fill="hold">
+                            <p:stCondLst>
+                              <p:cond delay="0"/>
+                            </p:stCondLst>
+                            <p:childTnLst>
+                              <p:par>
+                                <p:cTn id="11" presetID="1" presetClass="entr" presetSubtype="0" fill="hold" nodeType="clickEffect">
+                                  <p:stCondLst>
+                                    <p:cond delay="0"/>
+                                  </p:stCondLst>
+                                  <p:childTnLst>
+                                    <p:set>
+                                      <p:cBhvr>
+                                        <p:cTn id="12" dur="1" fill="hold">
                                           <p:stCondLst>
                                             <p:cond delay="0"/>
                                           </p:stCondLst>
@@ -3559,6 +4886,9 @@
         </p:cTn>
       </p:par>
     </p:tnLst>
+    <p:bldLst>
+      <p:bldP spid="37" grpId="0"/>
+    </p:bldLst>
   </p:timing>
 </p:sld>
 </file>
@@ -3637,53 +4967,408 @@
           </a:p>
         </p:txBody>
       </p:sp>
-      <p:pic>
-        <p:nvPicPr>
-          <p:cNvPr id="2052" name="Picture 4">
-            <a:extLst>
-              <a:ext uri="{FF2B5EF4-FFF2-40B4-BE49-F238E27FC236}">
-                <a16:creationId xmlns:a16="http://schemas.microsoft.com/office/drawing/2014/main" id="{303D3E5A-C2B7-7DA8-DE30-9FFE2C33F674}"/>
-              </a:ext>
-            </a:extLst>
-          </p:cNvPr>
-          <p:cNvPicPr>
-            <a:picLocks noChangeAspect="1" noChangeArrowheads="1"/>
-          </p:cNvPicPr>
+      <p:sp>
+        <p:nvSpPr>
+          <p:cNvPr id="7" name="TextBox 6">
+            <a:extLst>
+              <a:ext uri="{FF2B5EF4-FFF2-40B4-BE49-F238E27FC236}">
+                <a16:creationId xmlns:a16="http://schemas.microsoft.com/office/drawing/2014/main" id="{6FABB492-6954-B959-6E94-BE52C6F72611}"/>
+              </a:ext>
+            </a:extLst>
+          </p:cNvPr>
+          <p:cNvSpPr txBox="1"/>
           <p:nvPr/>
-        </p:nvPicPr>
-        <p:blipFill>
-          <a:blip r:embed="rId2">
-            <a:extLst>
-              <a:ext uri="{28A0092B-C50C-407E-A947-70E740481C1C}">
-                <a14:useLocalDpi xmlns:a14="http://schemas.microsoft.com/office/drawing/2010/main" val="0"/>
-              </a:ext>
-            </a:extLst>
-          </a:blip>
-          <a:srcRect/>
-          <a:stretch>
-            <a:fillRect/>
-          </a:stretch>
-        </p:blipFill>
-        <p:spPr bwMode="auto">
+        </p:nvSpPr>
+        <p:spPr>
           <a:xfrm>
-            <a:off x="418571" y="2334081"/>
-            <a:ext cx="4966229" cy="3009444"/>
+            <a:off x="778934" y="4125996"/>
+            <a:ext cx="10862734" cy="738664"/>
           </a:xfrm>
           <a:prstGeom prst="rect">
             <a:avLst/>
           </a:prstGeom>
           <a:noFill/>
-          <a:extLst>
-            <a:ext uri="{909E8E84-426E-40DD-AFC4-6F175D3DCCD1}">
-              <a14:hiddenFill xmlns:a14="http://schemas.microsoft.com/office/drawing/2010/main">
-                <a:solidFill>
-                  <a:srgbClr val="FFFFFF"/>
-                </a:solidFill>
-              </a14:hiddenFill>
-            </a:ext>
-          </a:extLst>
         </p:spPr>
-      </p:pic>
+        <p:txBody>
+          <a:bodyPr wrap="square" rtlCol="0">
+            <a:spAutoFit/>
+          </a:bodyPr>
+          <a:lstStyle/>
+          <a:p>
+            <a:pPr algn="just"/>
+            <a:r>
+              <a:rPr lang="en-US" sz="1400" dirty="0"/>
+              <a:t>Caption: (a) Predicted height profiles of phosphorylated and non-phosphorylated NFM and NFH brushes compared with experimentally measured values and scaling theory predictions. (b) Predicted protein density distributions for </a:t>
+            </a:r>
+            <a:r>
+              <a:rPr lang="en-US" sz="1400" dirty="0" err="1"/>
+              <a:t>pNFM</a:t>
+            </a:r>
+            <a:r>
+              <a:rPr lang="en-US" sz="1400" dirty="0"/>
+              <a:t>, NFM, </a:t>
+            </a:r>
+            <a:r>
+              <a:rPr lang="en-US" sz="1400" dirty="0" err="1"/>
+              <a:t>pNFH</a:t>
+            </a:r>
+            <a:r>
+              <a:rPr lang="en-US" sz="1400" dirty="0"/>
+              <a:t>, and NFH in the salt-free solution. (c) Predicted protein density distributions in high salt solution.</a:t>
+            </a:r>
+          </a:p>
+        </p:txBody>
+      </p:sp>
+      <p:grpSp>
+        <p:nvGrpSpPr>
+          <p:cNvPr id="12" name="Group 11">
+            <a:extLst>
+              <a:ext uri="{FF2B5EF4-FFF2-40B4-BE49-F238E27FC236}">
+                <a16:creationId xmlns:a16="http://schemas.microsoft.com/office/drawing/2014/main" id="{5BDDD7B1-47AB-D06A-BED2-F1BBCA333372}"/>
+              </a:ext>
+            </a:extLst>
+          </p:cNvPr>
+          <p:cNvGrpSpPr/>
+          <p:nvPr/>
+        </p:nvGrpSpPr>
+        <p:grpSpPr>
+          <a:xfrm>
+            <a:off x="261674" y="1091370"/>
+            <a:ext cx="11770252" cy="2877174"/>
+            <a:chOff x="210874" y="1607836"/>
+            <a:chExt cx="11770252" cy="2877174"/>
+          </a:xfrm>
+        </p:grpSpPr>
+        <p:pic>
+          <p:nvPicPr>
+            <p:cNvPr id="2078" name="Picture 30">
+              <a:extLst>
+                <a:ext uri="{FF2B5EF4-FFF2-40B4-BE49-F238E27FC236}">
+                  <a16:creationId xmlns:a16="http://schemas.microsoft.com/office/drawing/2014/main" id="{7C6520DA-9582-BFDC-E9B5-E1350155DE5E}"/>
+                </a:ext>
+              </a:extLst>
+            </p:cNvPr>
+            <p:cNvPicPr>
+              <a:picLocks noChangeAspect="1" noChangeArrowheads="1"/>
+            </p:cNvPicPr>
+            <p:nvPr/>
+          </p:nvPicPr>
+          <p:blipFill>
+            <a:blip r:embed="rId2">
+              <a:extLst>
+                <a:ext uri="{28A0092B-C50C-407E-A947-70E740481C1C}">
+                  <a14:useLocalDpi xmlns:a14="http://schemas.microsoft.com/office/drawing/2010/main" val="0"/>
+                </a:ext>
+              </a:extLst>
+            </a:blip>
+            <a:srcRect/>
+            <a:stretch>
+              <a:fillRect/>
+            </a:stretch>
+          </p:blipFill>
+          <p:spPr bwMode="auto">
+            <a:xfrm>
+              <a:off x="223839" y="1717650"/>
+              <a:ext cx="4578614" cy="2767360"/>
+            </a:xfrm>
+            <a:prstGeom prst="rect">
+              <a:avLst/>
+            </a:prstGeom>
+            <a:noFill/>
+            <a:extLst>
+              <a:ext uri="{909E8E84-426E-40DD-AFC4-6F175D3DCCD1}">
+                <a14:hiddenFill xmlns:a14="http://schemas.microsoft.com/office/drawing/2010/main">
+                  <a:solidFill>
+                    <a:srgbClr val="FFFFFF"/>
+                  </a:solidFill>
+                </a14:hiddenFill>
+              </a:ext>
+            </a:extLst>
+          </p:spPr>
+        </p:pic>
+        <p:pic>
+          <p:nvPicPr>
+            <p:cNvPr id="2070" name="Picture 22">
+              <a:extLst>
+                <a:ext uri="{FF2B5EF4-FFF2-40B4-BE49-F238E27FC236}">
+                  <a16:creationId xmlns:a16="http://schemas.microsoft.com/office/drawing/2014/main" id="{FACD5504-8B11-C613-DCC3-72C174948762}"/>
+                </a:ext>
+              </a:extLst>
+            </p:cNvPr>
+            <p:cNvPicPr>
+              <a:picLocks noChangeAspect="1" noChangeArrowheads="1"/>
+            </p:cNvPicPr>
+            <p:nvPr/>
+          </p:nvPicPr>
+          <p:blipFill>
+            <a:blip r:embed="rId3">
+              <a:extLst>
+                <a:ext uri="{28A0092B-C50C-407E-A947-70E740481C1C}">
+                  <a14:useLocalDpi xmlns:a14="http://schemas.microsoft.com/office/drawing/2010/main" val="0"/>
+                </a:ext>
+              </a:extLst>
+            </a:blip>
+            <a:srcRect/>
+            <a:stretch>
+              <a:fillRect/>
+            </a:stretch>
+          </p:blipFill>
+          <p:spPr bwMode="auto">
+            <a:xfrm>
+              <a:off x="4802453" y="1717650"/>
+              <a:ext cx="3621086" cy="2760336"/>
+            </a:xfrm>
+            <a:prstGeom prst="rect">
+              <a:avLst/>
+            </a:prstGeom>
+            <a:noFill/>
+            <a:extLst>
+              <a:ext uri="{909E8E84-426E-40DD-AFC4-6F175D3DCCD1}">
+                <a14:hiddenFill xmlns:a14="http://schemas.microsoft.com/office/drawing/2010/main">
+                  <a:solidFill>
+                    <a:srgbClr val="FFFFFF"/>
+                  </a:solidFill>
+                </a14:hiddenFill>
+              </a:ext>
+            </a:extLst>
+          </p:spPr>
+        </p:pic>
+        <p:sp>
+          <p:nvSpPr>
+            <p:cNvPr id="8" name="TextBox 7">
+              <a:extLst>
+                <a:ext uri="{FF2B5EF4-FFF2-40B4-BE49-F238E27FC236}">
+                  <a16:creationId xmlns:a16="http://schemas.microsoft.com/office/drawing/2014/main" id="{53C51257-4AF6-4562-A90F-CBA84A203D18}"/>
+                </a:ext>
+              </a:extLst>
+            </p:cNvPr>
+            <p:cNvSpPr txBox="1"/>
+            <p:nvPr/>
+          </p:nvSpPr>
+          <p:spPr>
+            <a:xfrm>
+              <a:off x="210874" y="1607836"/>
+              <a:ext cx="448733" cy="369332"/>
+            </a:xfrm>
+            <a:prstGeom prst="rect">
+              <a:avLst/>
+            </a:prstGeom>
+            <a:noFill/>
+          </p:spPr>
+          <p:txBody>
+            <a:bodyPr wrap="square" rtlCol="0">
+              <a:spAutoFit/>
+            </a:bodyPr>
+            <a:lstStyle/>
+            <a:p>
+              <a:r>
+                <a:rPr lang="en-US" dirty="0"/>
+                <a:t>(a)</a:t>
+              </a:r>
+            </a:p>
+          </p:txBody>
+        </p:sp>
+        <p:sp>
+          <p:nvSpPr>
+            <p:cNvPr id="9" name="TextBox 8">
+              <a:extLst>
+                <a:ext uri="{FF2B5EF4-FFF2-40B4-BE49-F238E27FC236}">
+                  <a16:creationId xmlns:a16="http://schemas.microsoft.com/office/drawing/2014/main" id="{5C306566-5222-DC42-F0E2-1491D918E1E9}"/>
+                </a:ext>
+              </a:extLst>
+            </p:cNvPr>
+            <p:cNvSpPr txBox="1"/>
+            <p:nvPr/>
+          </p:nvSpPr>
+          <p:spPr>
+            <a:xfrm>
+              <a:off x="4751654" y="1607836"/>
+              <a:ext cx="502446" cy="369332"/>
+            </a:xfrm>
+            <a:prstGeom prst="rect">
+              <a:avLst/>
+            </a:prstGeom>
+            <a:noFill/>
+          </p:spPr>
+          <p:txBody>
+            <a:bodyPr wrap="square" rtlCol="0">
+              <a:spAutoFit/>
+            </a:bodyPr>
+            <a:lstStyle/>
+            <a:p>
+              <a:r>
+                <a:rPr lang="en-US" dirty="0"/>
+                <a:t>(b)</a:t>
+              </a:r>
+            </a:p>
+          </p:txBody>
+        </p:sp>
+        <p:pic>
+          <p:nvPicPr>
+            <p:cNvPr id="2076" name="Picture 28">
+              <a:extLst>
+                <a:ext uri="{FF2B5EF4-FFF2-40B4-BE49-F238E27FC236}">
+                  <a16:creationId xmlns:a16="http://schemas.microsoft.com/office/drawing/2014/main" id="{19844416-C99C-EB78-610B-EE7914806B8D}"/>
+                </a:ext>
+              </a:extLst>
+            </p:cNvPr>
+            <p:cNvPicPr>
+              <a:picLocks noChangeAspect="1" noChangeArrowheads="1"/>
+            </p:cNvPicPr>
+            <p:nvPr/>
+          </p:nvPicPr>
+          <p:blipFill>
+            <a:blip r:embed="rId4">
+              <a:extLst>
+                <a:ext uri="{28A0092B-C50C-407E-A947-70E740481C1C}">
+                  <a14:useLocalDpi xmlns:a14="http://schemas.microsoft.com/office/drawing/2010/main" val="0"/>
+                </a:ext>
+              </a:extLst>
+            </a:blip>
+            <a:srcRect/>
+            <a:stretch>
+              <a:fillRect/>
+            </a:stretch>
+          </p:blipFill>
+          <p:spPr bwMode="auto">
+            <a:xfrm>
+              <a:off x="8360040" y="1705989"/>
+              <a:ext cx="3621086" cy="2760336"/>
+            </a:xfrm>
+            <a:prstGeom prst="rect">
+              <a:avLst/>
+            </a:prstGeom>
+            <a:noFill/>
+            <a:extLst>
+              <a:ext uri="{909E8E84-426E-40DD-AFC4-6F175D3DCCD1}">
+                <a14:hiddenFill xmlns:a14="http://schemas.microsoft.com/office/drawing/2010/main">
+                  <a:solidFill>
+                    <a:srgbClr val="FFFFFF"/>
+                  </a:solidFill>
+                </a14:hiddenFill>
+              </a:ext>
+            </a:extLst>
+          </p:spPr>
+        </p:pic>
+        <p:sp>
+          <p:nvSpPr>
+            <p:cNvPr id="10" name="TextBox 9">
+              <a:extLst>
+                <a:ext uri="{FF2B5EF4-FFF2-40B4-BE49-F238E27FC236}">
+                  <a16:creationId xmlns:a16="http://schemas.microsoft.com/office/drawing/2014/main" id="{9F7FECD7-A239-5690-C60E-6B7C905AA456}"/>
+                </a:ext>
+              </a:extLst>
+            </p:cNvPr>
+            <p:cNvSpPr txBox="1"/>
+            <p:nvPr/>
+          </p:nvSpPr>
+          <p:spPr>
+            <a:xfrm>
+              <a:off x="8309240" y="1607836"/>
+              <a:ext cx="448733" cy="369332"/>
+            </a:xfrm>
+            <a:prstGeom prst="rect">
+              <a:avLst/>
+            </a:prstGeom>
+            <a:noFill/>
+          </p:spPr>
+          <p:txBody>
+            <a:bodyPr wrap="square" rtlCol="0">
+              <a:spAutoFit/>
+            </a:bodyPr>
+            <a:lstStyle/>
+            <a:p>
+              <a:r>
+                <a:rPr lang="en-US" dirty="0"/>
+                <a:t>(c)</a:t>
+              </a:r>
+            </a:p>
+          </p:txBody>
+        </p:sp>
+      </p:grpSp>
+      <p:sp>
+        <p:nvSpPr>
+          <p:cNvPr id="14" name="TextBox 13">
+            <a:extLst>
+              <a:ext uri="{FF2B5EF4-FFF2-40B4-BE49-F238E27FC236}">
+                <a16:creationId xmlns:a16="http://schemas.microsoft.com/office/drawing/2014/main" id="{E2AC7D21-09F3-65E9-12B7-E3BFF07CCF77}"/>
+              </a:ext>
+            </a:extLst>
+          </p:cNvPr>
+          <p:cNvSpPr txBox="1"/>
+          <p:nvPr/>
+        </p:nvSpPr>
+        <p:spPr>
+          <a:xfrm>
+            <a:off x="375975" y="5035461"/>
+            <a:ext cx="11668652" cy="1661993"/>
+          </a:xfrm>
+          <a:prstGeom prst="rect">
+            <a:avLst/>
+          </a:prstGeom>
+          <a:noFill/>
+        </p:spPr>
+        <p:txBody>
+          <a:bodyPr wrap="square" rtlCol="0">
+            <a:spAutoFit/>
+          </a:bodyPr>
+          <a:lstStyle/>
+          <a:p>
+            <a:pPr>
+              <a:spcAft>
+                <a:spcPts val="1200"/>
+              </a:spcAft>
+            </a:pPr>
+            <a:r>
+              <a:rPr lang="en-US" dirty="0"/>
+              <a:t>Discussion:</a:t>
+            </a:r>
+          </a:p>
+          <a:p>
+            <a:pPr marL="285750" indent="-285750">
+              <a:spcAft>
+                <a:spcPts val="1200"/>
+              </a:spcAft>
+              <a:buFont typeface="Arial" panose="020B0604020202020204" pitchFamily="34" charset="0"/>
+              <a:buChar char="•"/>
+            </a:pPr>
+            <a:r>
+              <a:rPr lang="en-US" dirty="0"/>
+              <a:t>(p)NFM collapses, but does not fully condense (AG brush-like)</a:t>
+            </a:r>
+          </a:p>
+          <a:p>
+            <a:pPr marL="285750" indent="-285750">
+              <a:spcAft>
+                <a:spcPts val="1200"/>
+              </a:spcAft>
+              <a:buFont typeface="Arial" panose="020B0604020202020204" pitchFamily="34" charset="0"/>
+              <a:buChar char="•"/>
+            </a:pPr>
+            <a:r>
+              <a:rPr lang="en-US" dirty="0" err="1"/>
+              <a:t>pNFH</a:t>
+            </a:r>
+            <a:r>
+              <a:rPr lang="en-US" dirty="0"/>
+              <a:t> undergoes non-trivial transition at intermediate ionic strengths (difficult to see in density profiles here)</a:t>
+            </a:r>
+          </a:p>
+          <a:p>
+            <a:pPr marL="285750" indent="-285750">
+              <a:spcAft>
+                <a:spcPts val="1200"/>
+              </a:spcAft>
+              <a:buFont typeface="Arial" panose="020B0604020202020204" pitchFamily="34" charset="0"/>
+              <a:buChar char="•"/>
+            </a:pPr>
+            <a:r>
+              <a:rPr lang="en-US" dirty="0"/>
+              <a:t>NFH remains undisturbed in condensed layer (totally screened)</a:t>
+            </a:r>
+          </a:p>
+        </p:txBody>
+      </p:sp>
     </p:spTree>
     <p:extLst>
       <p:ext uri="{BB962C8B-B14F-4D97-AF65-F5344CB8AC3E}">
@@ -3694,6 +5379,84 @@
   <p:clrMapOvr>
     <a:masterClrMapping/>
   </p:clrMapOvr>
+  <p:timing>
+    <p:tnLst>
+      <p:par>
+        <p:cTn id="1" dur="indefinite" restart="never" nodeType="tmRoot">
+          <p:childTnLst>
+            <p:seq concurrent="1" nextAc="seek">
+              <p:cTn id="2" dur="indefinite" nodeType="mainSeq">
+                <p:childTnLst>
+                  <p:par>
+                    <p:cTn id="3" fill="hold">
+                      <p:stCondLst>
+                        <p:cond delay="indefinite"/>
+                      </p:stCondLst>
+                      <p:childTnLst>
+                        <p:par>
+                          <p:cTn id="4" fill="hold">
+                            <p:stCondLst>
+                              <p:cond delay="0"/>
+                            </p:stCondLst>
+                            <p:childTnLst>
+                              <p:par>
+                                <p:cTn id="5" presetID="1" presetClass="entr" presetSubtype="0" fill="hold" grpId="0" nodeType="clickEffect">
+                                  <p:stCondLst>
+                                    <p:cond delay="0"/>
+                                  </p:stCondLst>
+                                  <p:childTnLst>
+                                    <p:set>
+                                      <p:cBhvr>
+                                        <p:cTn id="6" dur="1" fill="hold">
+                                          <p:stCondLst>
+                                            <p:cond delay="0"/>
+                                          </p:stCondLst>
+                                        </p:cTn>
+                                        <p:tgtEl>
+                                          <p:spTgt spid="14"/>
+                                        </p:tgtEl>
+                                        <p:attrNameLst>
+                                          <p:attrName>style.visibility</p:attrName>
+                                        </p:attrNameLst>
+                                      </p:cBhvr>
+                                      <p:to>
+                                        <p:strVal val="visible"/>
+                                      </p:to>
+                                    </p:set>
+                                  </p:childTnLst>
+                                </p:cTn>
+                              </p:par>
+                            </p:childTnLst>
+                          </p:cTn>
+                        </p:par>
+                      </p:childTnLst>
+                    </p:cTn>
+                  </p:par>
+                </p:childTnLst>
+              </p:cTn>
+              <p:prevCondLst>
+                <p:cond evt="onPrev" delay="0">
+                  <p:tgtEl>
+                    <p:sldTgt/>
+                  </p:tgtEl>
+                </p:cond>
+              </p:prevCondLst>
+              <p:nextCondLst>
+                <p:cond evt="onNext" delay="0">
+                  <p:tgtEl>
+                    <p:sldTgt/>
+                  </p:tgtEl>
+                </p:cond>
+              </p:nextCondLst>
+            </p:seq>
+          </p:childTnLst>
+        </p:cTn>
+      </p:par>
+    </p:tnLst>
+    <p:bldLst>
+      <p:bldP spid="14" grpId="0"/>
+    </p:bldLst>
+  </p:timing>
 </p:sld>
 </file>
 
@@ -3719,7 +5482,7 @@
           <p:cNvPr id="2" name="Title 1">
             <a:extLst>
               <a:ext uri="{FF2B5EF4-FFF2-40B4-BE49-F238E27FC236}">
-                <a16:creationId xmlns:a16="http://schemas.microsoft.com/office/drawing/2014/main" id="{4CA91E95-33DA-91A4-CD99-C1597EF3F65D}"/>
+                <a16:creationId xmlns:a16="http://schemas.microsoft.com/office/drawing/2014/main" id="{E7758235-C449-8389-AA6D-5DF53985D6F3}"/>
               </a:ext>
             </a:extLst>
           </p:cNvPr>
@@ -3737,7 +5500,7 @@
           <a:p>
             <a:r>
               <a:rPr lang="en-US" dirty="0"/>
-              <a:t>SI Table of Contents</a:t>
+              <a:t>Proposed Figure 2</a:t>
             </a:r>
           </a:p>
         </p:txBody>
@@ -3747,7 +5510,7 @@
           <p:cNvPr id="3" name="Slide Number Placeholder 2">
             <a:extLst>
               <a:ext uri="{FF2B5EF4-FFF2-40B4-BE49-F238E27FC236}">
-                <a16:creationId xmlns:a16="http://schemas.microsoft.com/office/drawing/2014/main" id="{6A783110-A073-98B2-5FBE-808AF5A86ABD}"/>
+                <a16:creationId xmlns:a16="http://schemas.microsoft.com/office/drawing/2014/main" id="{AF527E55-0012-BBC8-99C8-ED9C240692CC}"/>
               </a:ext>
             </a:extLst>
           </p:cNvPr>
@@ -3767,95 +5530,411 @@
               <a:rPr lang="en-US" smtClean="0"/>
               <a:t>5</a:t>
             </a:fld>
-            <a:endParaRPr lang="en-US" dirty="0"/>
+            <a:endParaRPr lang="en-US"/>
           </a:p>
         </p:txBody>
       </p:sp>
       <p:sp>
         <p:nvSpPr>
-          <p:cNvPr id="4" name="Text Placeholder 3">
-            <a:extLst>
-              <a:ext uri="{FF2B5EF4-FFF2-40B4-BE49-F238E27FC236}">
-                <a16:creationId xmlns:a16="http://schemas.microsoft.com/office/drawing/2014/main" id="{BE8C982E-2A8D-76CE-8EB7-4F5A2157CD54}"/>
-              </a:ext>
-            </a:extLst>
-          </p:cNvPr>
-          <p:cNvSpPr>
-            <a:spLocks noGrp="1"/>
-          </p:cNvSpPr>
-          <p:nvPr>
-            <p:ph type="body" sz="quarter" idx="13"/>
-          </p:nvPr>
-        </p:nvSpPr>
-        <p:spPr/>
+          <p:cNvPr id="5" name="TextBox 4">
+            <a:extLst>
+              <a:ext uri="{FF2B5EF4-FFF2-40B4-BE49-F238E27FC236}">
+                <a16:creationId xmlns:a16="http://schemas.microsoft.com/office/drawing/2014/main" id="{A00A8AED-0DE4-7D1A-70A9-291FA2DB53D8}"/>
+              </a:ext>
+            </a:extLst>
+          </p:cNvPr>
+          <p:cNvSpPr txBox="1"/>
+          <p:nvPr/>
+        </p:nvSpPr>
+        <p:spPr>
+          <a:xfrm>
+            <a:off x="778934" y="4167299"/>
+            <a:ext cx="10862734" cy="738664"/>
+          </a:xfrm>
+          <a:prstGeom prst="rect">
+            <a:avLst/>
+          </a:prstGeom>
+          <a:noFill/>
+        </p:spPr>
         <p:txBody>
-          <a:bodyPr/>
+          <a:bodyPr wrap="square" rtlCol="0">
+            <a:spAutoFit/>
+          </a:bodyPr>
           <a:lstStyle/>
           <a:p>
-            <a:endParaRPr lang="en-US" dirty="0"/>
+            <a:pPr algn="just"/>
+            <a:r>
+              <a:rPr lang="en-US" sz="1400" dirty="0"/>
+              <a:t>Caption: (a) Protein density profiles for </a:t>
+            </a:r>
+            <a:r>
+              <a:rPr lang="en-US" sz="1400" dirty="0" err="1"/>
+              <a:t>pNFH</a:t>
+            </a:r>
+            <a:r>
+              <a:rPr lang="en-US" sz="1400" dirty="0"/>
+              <a:t> at selected ionic strengths. Densities corresponding to the second (inset) and third (main) blocks are filled. (b) Schematic of </a:t>
+            </a:r>
+            <a:r>
+              <a:rPr lang="en-US" sz="1400" dirty="0" err="1"/>
+              <a:t>pNFH</a:t>
+            </a:r>
+            <a:r>
+              <a:rPr lang="en-US" sz="1400" dirty="0"/>
+              <a:t> morphology at low ionic strengths. Block 2 (red) forms the outer region of the condensed layer and a fraction of proteins extend into the dilute layer beginning with block 3 (blue).</a:t>
+            </a:r>
           </a:p>
         </p:txBody>
       </p:sp>
-      <p:sp>
-        <p:nvSpPr>
-          <p:cNvPr id="5" name="Text Placeholder 4">
-            <a:extLst>
-              <a:ext uri="{FF2B5EF4-FFF2-40B4-BE49-F238E27FC236}">
-                <a16:creationId xmlns:a16="http://schemas.microsoft.com/office/drawing/2014/main" id="{3F241E8D-55C1-99C4-5EF5-10F746DDCF0A}"/>
-              </a:ext>
-            </a:extLst>
-          </p:cNvPr>
-          <p:cNvSpPr>
-            <a:spLocks noGrp="1"/>
-          </p:cNvSpPr>
-          <p:nvPr>
-            <p:ph type="body" sz="quarter" idx="16"/>
-          </p:nvPr>
-        </p:nvSpPr>
-        <p:spPr/>
+      <p:grpSp>
+        <p:nvGrpSpPr>
+          <p:cNvPr id="14" name="Group 13">
+            <a:extLst>
+              <a:ext uri="{FF2B5EF4-FFF2-40B4-BE49-F238E27FC236}">
+                <a16:creationId xmlns:a16="http://schemas.microsoft.com/office/drawing/2014/main" id="{8E52C62E-3C9B-B745-0544-5D77520F54CC}"/>
+              </a:ext>
+            </a:extLst>
+          </p:cNvPr>
+          <p:cNvGrpSpPr/>
+          <p:nvPr/>
+        </p:nvGrpSpPr>
+        <p:grpSpPr>
+          <a:xfrm>
+            <a:off x="1861874" y="1063338"/>
+            <a:ext cx="7513720" cy="3004596"/>
+            <a:chOff x="1861874" y="1063338"/>
+            <a:chExt cx="7513720" cy="3004596"/>
+          </a:xfrm>
+        </p:grpSpPr>
+        <p:pic>
+          <p:nvPicPr>
+            <p:cNvPr id="4100" name="Picture 4">
+              <a:extLst>
+                <a:ext uri="{FF2B5EF4-FFF2-40B4-BE49-F238E27FC236}">
+                  <a16:creationId xmlns:a16="http://schemas.microsoft.com/office/drawing/2014/main" id="{C1490F04-14F2-3CFA-1152-8CD745D93027}"/>
+                </a:ext>
+              </a:extLst>
+            </p:cNvPr>
+            <p:cNvPicPr>
+              <a:picLocks noChangeAspect="1" noChangeArrowheads="1"/>
+            </p:cNvPicPr>
+            <p:nvPr/>
+          </p:nvPicPr>
+          <p:blipFill>
+            <a:blip r:embed="rId2">
+              <a:extLst>
+                <a:ext uri="{28A0092B-C50C-407E-A947-70E740481C1C}">
+                  <a14:useLocalDpi xmlns:a14="http://schemas.microsoft.com/office/drawing/2010/main" val="0"/>
+                </a:ext>
+              </a:extLst>
+            </a:blip>
+            <a:srcRect/>
+            <a:stretch>
+              <a:fillRect/>
+            </a:stretch>
+          </p:blipFill>
+          <p:spPr bwMode="auto">
+            <a:xfrm>
+              <a:off x="1947334" y="1163338"/>
+              <a:ext cx="4525766" cy="2904596"/>
+            </a:xfrm>
+            <a:prstGeom prst="rect">
+              <a:avLst/>
+            </a:prstGeom>
+            <a:noFill/>
+            <a:extLst>
+              <a:ext uri="{909E8E84-426E-40DD-AFC4-6F175D3DCCD1}">
+                <a14:hiddenFill xmlns:a14="http://schemas.microsoft.com/office/drawing/2010/main">
+                  <a:solidFill>
+                    <a:srgbClr val="FFFFFF"/>
+                  </a:solidFill>
+                </a14:hiddenFill>
+              </a:ext>
+            </a:extLst>
+          </p:spPr>
+        </p:pic>
+        <p:pic>
+          <p:nvPicPr>
+            <p:cNvPr id="9" name="Graphic 8">
+              <a:extLst>
+                <a:ext uri="{FF2B5EF4-FFF2-40B4-BE49-F238E27FC236}">
+                  <a16:creationId xmlns:a16="http://schemas.microsoft.com/office/drawing/2014/main" id="{87861BDB-5498-491B-3E87-22B8A84851A2}"/>
+                </a:ext>
+              </a:extLst>
+            </p:cNvPr>
+            <p:cNvPicPr>
+              <a:picLocks noChangeAspect="1"/>
+            </p:cNvPicPr>
+            <p:nvPr/>
+          </p:nvPicPr>
+          <p:blipFill>
+            <a:blip r:embed="rId3">
+              <a:extLst>
+                <a:ext uri="{96DAC541-7B7A-43D3-8B79-37D633B846F1}">
+                  <asvg:svgBlip xmlns:asvg="http://schemas.microsoft.com/office/drawing/2016/SVG/main" r:embed="rId4"/>
+                </a:ext>
+              </a:extLst>
+            </a:blip>
+            <a:stretch>
+              <a:fillRect/>
+            </a:stretch>
+          </p:blipFill>
+          <p:spPr>
+            <a:xfrm>
+              <a:off x="6937277" y="1262918"/>
+              <a:ext cx="2438317" cy="2704801"/>
+            </a:xfrm>
+            <a:prstGeom prst="rect">
+              <a:avLst/>
+            </a:prstGeom>
+          </p:spPr>
+        </p:pic>
+        <p:sp>
+          <p:nvSpPr>
+            <p:cNvPr id="12" name="TextBox 11">
+              <a:extLst>
+                <a:ext uri="{FF2B5EF4-FFF2-40B4-BE49-F238E27FC236}">
+                  <a16:creationId xmlns:a16="http://schemas.microsoft.com/office/drawing/2014/main" id="{B0F58D26-E65F-C636-51D2-E3A63BAF35B9}"/>
+                </a:ext>
+              </a:extLst>
+            </p:cNvPr>
+            <p:cNvSpPr txBox="1"/>
+            <p:nvPr/>
+          </p:nvSpPr>
+          <p:spPr>
+            <a:xfrm>
+              <a:off x="1861874" y="1063338"/>
+              <a:ext cx="448733" cy="369332"/>
+            </a:xfrm>
+            <a:prstGeom prst="rect">
+              <a:avLst/>
+            </a:prstGeom>
+            <a:noFill/>
+          </p:spPr>
+          <p:txBody>
+            <a:bodyPr wrap="square" rtlCol="0">
+              <a:spAutoFit/>
+            </a:bodyPr>
+            <a:lstStyle/>
+            <a:p>
+              <a:r>
+                <a:rPr lang="en-US" dirty="0"/>
+                <a:t>(a)</a:t>
+              </a:r>
+            </a:p>
+          </p:txBody>
+        </p:sp>
+        <p:sp>
+          <p:nvSpPr>
+            <p:cNvPr id="13" name="TextBox 12">
+              <a:extLst>
+                <a:ext uri="{FF2B5EF4-FFF2-40B4-BE49-F238E27FC236}">
+                  <a16:creationId xmlns:a16="http://schemas.microsoft.com/office/drawing/2014/main" id="{8AD80BF6-B0A5-2A8B-3109-7E1A651E431A}"/>
+                </a:ext>
+              </a:extLst>
+            </p:cNvPr>
+            <p:cNvSpPr txBox="1"/>
+            <p:nvPr/>
+          </p:nvSpPr>
+          <p:spPr>
+            <a:xfrm>
+              <a:off x="6473100" y="1063338"/>
+              <a:ext cx="464177" cy="369332"/>
+            </a:xfrm>
+            <a:prstGeom prst="rect">
+              <a:avLst/>
+            </a:prstGeom>
+            <a:noFill/>
+          </p:spPr>
+          <p:txBody>
+            <a:bodyPr wrap="square" rtlCol="0">
+              <a:spAutoFit/>
+            </a:bodyPr>
+            <a:lstStyle/>
+            <a:p>
+              <a:r>
+                <a:rPr lang="en-US" dirty="0"/>
+                <a:t>(b)</a:t>
+              </a:r>
+            </a:p>
+          </p:txBody>
+        </p:sp>
+      </p:grpSp>
+      <p:sp>
+        <p:nvSpPr>
+          <p:cNvPr id="15" name="TextBox 14">
+            <a:extLst>
+              <a:ext uri="{FF2B5EF4-FFF2-40B4-BE49-F238E27FC236}">
+                <a16:creationId xmlns:a16="http://schemas.microsoft.com/office/drawing/2014/main" id="{F134D147-158B-34EC-5B14-C8727558D80A}"/>
+              </a:ext>
+            </a:extLst>
+          </p:cNvPr>
+          <p:cNvSpPr txBox="1"/>
+          <p:nvPr/>
+        </p:nvSpPr>
+        <p:spPr>
+          <a:xfrm>
+            <a:off x="375975" y="5035461"/>
+            <a:ext cx="11668652" cy="1661993"/>
+          </a:xfrm>
+          <a:prstGeom prst="rect">
+            <a:avLst/>
+          </a:prstGeom>
+          <a:noFill/>
+        </p:spPr>
         <p:txBody>
-          <a:bodyPr/>
+          <a:bodyPr wrap="square" rtlCol="0">
+            <a:spAutoFit/>
+          </a:bodyPr>
           <a:lstStyle/>
           <a:p>
-            <a:endParaRPr lang="en-US"/>
-          </a:p>
-        </p:txBody>
-      </p:sp>
-      <p:sp>
-        <p:nvSpPr>
-          <p:cNvPr id="6" name="Text Placeholder 5">
-            <a:extLst>
-              <a:ext uri="{FF2B5EF4-FFF2-40B4-BE49-F238E27FC236}">
-                <a16:creationId xmlns:a16="http://schemas.microsoft.com/office/drawing/2014/main" id="{52CF0AF2-9F88-0212-30F2-ADA3E42CCDF7}"/>
-              </a:ext>
-            </a:extLst>
-          </p:cNvPr>
-          <p:cNvSpPr>
-            <a:spLocks noGrp="1"/>
-          </p:cNvSpPr>
-          <p:nvPr>
-            <p:ph type="body" sz="quarter" idx="17"/>
-          </p:nvPr>
-        </p:nvSpPr>
-        <p:spPr/>
-        <p:txBody>
-          <a:bodyPr/>
-          <a:lstStyle/>
-          <a:p>
-            <a:endParaRPr lang="en-US"/>
+            <a:pPr>
+              <a:spcAft>
+                <a:spcPts val="1200"/>
+              </a:spcAft>
+            </a:pPr>
+            <a:r>
+              <a:rPr lang="en-US" dirty="0"/>
+              <a:t>Discussion:</a:t>
+            </a:r>
+          </a:p>
+          <a:p>
+            <a:pPr marL="285750" indent="-285750">
+              <a:spcAft>
+                <a:spcPts val="1200"/>
+              </a:spcAft>
+              <a:buFont typeface="Arial" panose="020B0604020202020204" pitchFamily="34" charset="0"/>
+              <a:buChar char="•"/>
+            </a:pPr>
+            <a:r>
+              <a:rPr lang="en-US" dirty="0"/>
+              <a:t>Block 2 (heterogeneous negative) and 3 (phosphorylation) determine </a:t>
+            </a:r>
+            <a:r>
+              <a:rPr lang="en-US" dirty="0" err="1"/>
+              <a:t>pNFH</a:t>
+            </a:r>
+            <a:r>
+              <a:rPr lang="en-US" dirty="0"/>
+              <a:t> morphology</a:t>
+            </a:r>
+          </a:p>
+          <a:p>
+            <a:pPr marL="285750" indent="-285750">
+              <a:spcAft>
+                <a:spcPts val="1200"/>
+              </a:spcAft>
+              <a:buFont typeface="Arial" panose="020B0604020202020204" pitchFamily="34" charset="0"/>
+              <a:buChar char="•"/>
+            </a:pPr>
+            <a:r>
+              <a:rPr lang="en-US" dirty="0"/>
+              <a:t>Block 3 density profile reaches 0 at ~15 nm, signifying chains don’t fold back once in dilute layer</a:t>
+            </a:r>
+          </a:p>
+          <a:p>
+            <a:pPr marL="285750" indent="-285750">
+              <a:spcAft>
+                <a:spcPts val="1200"/>
+              </a:spcAft>
+              <a:buFont typeface="Arial" panose="020B0604020202020204" pitchFamily="34" charset="0"/>
+              <a:buChar char="•"/>
+            </a:pPr>
+            <a:r>
+              <a:rPr lang="en-US" dirty="0"/>
+              <a:t>Note: Unsure of where to put coarse-grained charge distribution (Slide 3)</a:t>
+            </a:r>
           </a:p>
         </p:txBody>
       </p:sp>
     </p:spTree>
     <p:extLst>
       <p:ext uri="{BB962C8B-B14F-4D97-AF65-F5344CB8AC3E}">
-        <p14:creationId xmlns:p14="http://schemas.microsoft.com/office/powerpoint/2010/main" val="1863235849"/>
+        <p14:creationId xmlns:p14="http://schemas.microsoft.com/office/powerpoint/2010/main" val="4160524665"/>
       </p:ext>
     </p:extLst>
   </p:cSld>
   <p:clrMapOvr>
     <a:masterClrMapping/>
   </p:clrMapOvr>
+  <p:timing>
+    <p:tnLst>
+      <p:par>
+        <p:cTn id="1" dur="indefinite" restart="never" nodeType="tmRoot">
+          <p:childTnLst>
+            <p:seq concurrent="1" nextAc="seek">
+              <p:cTn id="2" dur="indefinite" nodeType="mainSeq">
+                <p:childTnLst>
+                  <p:par>
+                    <p:cTn id="3" fill="hold">
+                      <p:stCondLst>
+                        <p:cond delay="indefinite"/>
+                      </p:stCondLst>
+                      <p:childTnLst>
+                        <p:par>
+                          <p:cTn id="4" fill="hold">
+                            <p:stCondLst>
+                              <p:cond delay="0"/>
+                            </p:stCondLst>
+                            <p:childTnLst>
+                              <p:par>
+                                <p:cTn id="5" presetID="1" presetClass="entr" presetSubtype="0" fill="hold" grpId="0" nodeType="clickEffect">
+                                  <p:stCondLst>
+                                    <p:cond delay="0"/>
+                                  </p:stCondLst>
+                                  <p:childTnLst>
+                                    <p:set>
+                                      <p:cBhvr>
+                                        <p:cTn id="6" dur="1" fill="hold">
+                                          <p:stCondLst>
+                                            <p:cond delay="0"/>
+                                          </p:stCondLst>
+                                        </p:cTn>
+                                        <p:tgtEl>
+                                          <p:spTgt spid="15"/>
+                                        </p:tgtEl>
+                                        <p:attrNameLst>
+                                          <p:attrName>style.visibility</p:attrName>
+                                        </p:attrNameLst>
+                                      </p:cBhvr>
+                                      <p:to>
+                                        <p:strVal val="visible"/>
+                                      </p:to>
+                                    </p:set>
+                                  </p:childTnLst>
+                                </p:cTn>
+                              </p:par>
+                            </p:childTnLst>
+                          </p:cTn>
+                        </p:par>
+                      </p:childTnLst>
+                    </p:cTn>
+                  </p:par>
+                </p:childTnLst>
+              </p:cTn>
+              <p:prevCondLst>
+                <p:cond evt="onPrev" delay="0">
+                  <p:tgtEl>
+                    <p:sldTgt/>
+                  </p:tgtEl>
+                </p:cond>
+              </p:prevCondLst>
+              <p:nextCondLst>
+                <p:cond evt="onNext" delay="0">
+                  <p:tgtEl>
+                    <p:sldTgt/>
+                  </p:tgtEl>
+                </p:cond>
+              </p:nextCondLst>
+            </p:seq>
+          </p:childTnLst>
+        </p:cTn>
+      </p:par>
+    </p:tnLst>
+    <p:bldLst>
+      <p:bldP spid="15" grpId="0"/>
+    </p:bldLst>
+  </p:timing>
 </p:sld>
 </file>
 
@@ -3881,7 +5960,7 @@
           <p:cNvPr id="2" name="Title 1">
             <a:extLst>
               <a:ext uri="{FF2B5EF4-FFF2-40B4-BE49-F238E27FC236}">
-                <a16:creationId xmlns:a16="http://schemas.microsoft.com/office/drawing/2014/main" id="{C178F2BB-5E9E-FBDA-B15D-26F84DE6EB2F}"/>
+                <a16:creationId xmlns:a16="http://schemas.microsoft.com/office/drawing/2014/main" id="{936E25ED-3096-EA7B-A641-F3007B7718D9}"/>
               </a:ext>
             </a:extLst>
           </p:cNvPr>
@@ -3898,22 +5977,126 @@
           <a:lstStyle/>
           <a:p>
             <a:r>
-              <a:rPr lang="en-US" dirty="0" err="1"/>
-              <a:t>pNFM</a:t>
-            </a:r>
-            <a:r>
               <a:rPr lang="en-US" dirty="0"/>
-              <a:t> Fitting (b/v)</a:t>
+              <a:t>Conclusions</a:t>
             </a:r>
           </a:p>
         </p:txBody>
       </p:sp>
       <p:sp>
         <p:nvSpPr>
-          <p:cNvPr id="3" name="Slide Number Placeholder 2">
-            <a:extLst>
-              <a:ext uri="{FF2B5EF4-FFF2-40B4-BE49-F238E27FC236}">
-                <a16:creationId xmlns:a16="http://schemas.microsoft.com/office/drawing/2014/main" id="{93FD622D-708A-F241-2841-11D37F6571E4}"/>
+          <p:cNvPr id="3" name="Content Placeholder 2">
+            <a:extLst>
+              <a:ext uri="{FF2B5EF4-FFF2-40B4-BE49-F238E27FC236}">
+                <a16:creationId xmlns:a16="http://schemas.microsoft.com/office/drawing/2014/main" id="{3F51A1C3-3EE1-220B-16D7-F3605C65E880}"/>
+              </a:ext>
+            </a:extLst>
+          </p:cNvPr>
+          <p:cNvSpPr>
+            <a:spLocks noGrp="1"/>
+          </p:cNvSpPr>
+          <p:nvPr>
+            <p:ph idx="1"/>
+          </p:nvPr>
+        </p:nvSpPr>
+        <p:spPr/>
+        <p:txBody>
+          <a:bodyPr/>
+          <a:lstStyle/>
+          <a:p>
+            <a:pPr>
+              <a:lnSpc>
+                <a:spcPct val="100000"/>
+              </a:lnSpc>
+              <a:spcBef>
+                <a:spcPts val="0"/>
+              </a:spcBef>
+              <a:spcAft>
+                <a:spcPts val="1200"/>
+              </a:spcAft>
+            </a:pPr>
+            <a:r>
+              <a:rPr lang="en-US" dirty="0"/>
+              <a:t>Back to the research question: </a:t>
+            </a:r>
+            <a:r>
+              <a:rPr lang="en-US" sz="2800" dirty="0"/>
+              <a:t>How do the chemical identities of NFH and NFM determine their function within NFs?</a:t>
+            </a:r>
+          </a:p>
+          <a:p>
+            <a:pPr lvl="1">
+              <a:lnSpc>
+                <a:spcPct val="100000"/>
+              </a:lnSpc>
+              <a:spcBef>
+                <a:spcPts val="0"/>
+              </a:spcBef>
+              <a:spcAft>
+                <a:spcPts val="1200"/>
+              </a:spcAft>
+            </a:pPr>
+            <a:r>
+              <a:rPr lang="en-US" dirty="0"/>
+              <a:t>Phosphorylation: NFH activates its sensitivity to ionic strength via a conformational change (dilute phase)</a:t>
+            </a:r>
+          </a:p>
+          <a:p>
+            <a:pPr lvl="1">
+              <a:lnSpc>
+                <a:spcPct val="100000"/>
+              </a:lnSpc>
+              <a:spcBef>
+                <a:spcPts val="0"/>
+              </a:spcBef>
+              <a:spcAft>
+                <a:spcPts val="1200"/>
+              </a:spcAft>
+            </a:pPr>
+            <a:r>
+              <a:rPr lang="en-US" dirty="0"/>
+              <a:t>Local patterning: NFM does not condense due to its high b value (3.00 nm) compared to NFH (0.50 nm).</a:t>
+            </a:r>
+          </a:p>
+          <a:p>
+            <a:pPr lvl="2">
+              <a:lnSpc>
+                <a:spcPct val="100000"/>
+              </a:lnSpc>
+              <a:spcBef>
+                <a:spcPts val="0"/>
+              </a:spcBef>
+              <a:spcAft>
+                <a:spcPts val="1200"/>
+              </a:spcAft>
+            </a:pPr>
+            <a:r>
+              <a:rPr lang="en-US" dirty="0"/>
+              <a:t>Difficult to discuss due to b values being coarse-grained parameters; however, it still describes the local stiffness of each protein (and fitting such tall brushes is not possible without them)</a:t>
+            </a:r>
+          </a:p>
+          <a:p>
+            <a:pPr lvl="1">
+              <a:lnSpc>
+                <a:spcPct val="100000"/>
+              </a:lnSpc>
+              <a:spcBef>
+                <a:spcPts val="0"/>
+              </a:spcBef>
+              <a:spcAft>
+                <a:spcPts val="1200"/>
+              </a:spcAft>
+            </a:pPr>
+            <a:endParaRPr lang="en-US" dirty="0"/>
+          </a:p>
+        </p:txBody>
+      </p:sp>
+      <p:sp>
+        <p:nvSpPr>
+          <p:cNvPr id="4" name="Slide Number Placeholder 3">
+            <a:extLst>
+              <a:ext uri="{FF2B5EF4-FFF2-40B4-BE49-F238E27FC236}">
+                <a16:creationId xmlns:a16="http://schemas.microsoft.com/office/drawing/2014/main" id="{5F279755-A0F4-5FB8-49E0-19A551828F2D}"/>
               </a:ext>
             </a:extLst>
           </p:cNvPr>
@@ -3937,12 +6120,869 @@
           </a:p>
         </p:txBody>
       </p:sp>
+    </p:spTree>
+    <p:extLst>
+      <p:ext uri="{BB962C8B-B14F-4D97-AF65-F5344CB8AC3E}">
+        <p14:creationId xmlns:p14="http://schemas.microsoft.com/office/powerpoint/2010/main" val="1694286985"/>
+      </p:ext>
+    </p:extLst>
+  </p:cSld>
+  <p:clrMapOvr>
+    <a:masterClrMapping/>
+  </p:clrMapOvr>
+</p:sld>
+</file>
+
+<file path=ppt/slides/slide7.xml><?xml version="1.0" encoding="utf-8"?>
+<p:sld xmlns:a="http://schemas.openxmlformats.org/drawingml/2006/main" xmlns:r="http://schemas.openxmlformats.org/officeDocument/2006/relationships" xmlns:p="http://schemas.openxmlformats.org/presentationml/2006/main">
+  <p:cSld>
+    <p:spTree>
+      <p:nvGrpSpPr>
+        <p:cNvPr id="1" name=""/>
+        <p:cNvGrpSpPr/>
+        <p:nvPr/>
+      </p:nvGrpSpPr>
+      <p:grpSpPr>
+        <a:xfrm>
+          <a:off x="0" y="0"/>
+          <a:ext cx="0" cy="0"/>
+          <a:chOff x="0" y="0"/>
+          <a:chExt cx="0" cy="0"/>
+        </a:xfrm>
+      </p:grpSpPr>
+      <p:sp>
+        <p:nvSpPr>
+          <p:cNvPr id="2" name="Title 1">
+            <a:extLst>
+              <a:ext uri="{FF2B5EF4-FFF2-40B4-BE49-F238E27FC236}">
+                <a16:creationId xmlns:a16="http://schemas.microsoft.com/office/drawing/2014/main" id="{4CA91E95-33DA-91A4-CD99-C1597EF3F65D}"/>
+              </a:ext>
+            </a:extLst>
+          </p:cNvPr>
+          <p:cNvSpPr>
+            <a:spLocks noGrp="1"/>
+          </p:cNvSpPr>
+          <p:nvPr>
+            <p:ph type="title"/>
+          </p:nvPr>
+        </p:nvSpPr>
+        <p:spPr/>
+        <p:txBody>
+          <a:bodyPr/>
+          <a:lstStyle/>
+          <a:p>
+            <a:r>
+              <a:rPr lang="en-US" dirty="0"/>
+              <a:t>SI Table of Contents</a:t>
+            </a:r>
+          </a:p>
+        </p:txBody>
+      </p:sp>
+      <p:sp>
+        <p:nvSpPr>
+          <p:cNvPr id="3" name="Slide Number Placeholder 2">
+            <a:extLst>
+              <a:ext uri="{FF2B5EF4-FFF2-40B4-BE49-F238E27FC236}">
+                <a16:creationId xmlns:a16="http://schemas.microsoft.com/office/drawing/2014/main" id="{6A783110-A073-98B2-5FBE-808AF5A86ABD}"/>
+              </a:ext>
+            </a:extLst>
+          </p:cNvPr>
+          <p:cNvSpPr>
+            <a:spLocks noGrp="1"/>
+          </p:cNvSpPr>
+          <p:nvPr>
+            <p:ph type="sldNum" sz="quarter" idx="12"/>
+          </p:nvPr>
+        </p:nvSpPr>
+        <p:spPr/>
+        <p:txBody>
+          <a:bodyPr/>
+          <a:lstStyle/>
+          <a:p>
+            <a:fld id="{5911C0E6-D9CE-431C-92CB-BB39B872F930}" type="slidenum">
+              <a:rPr lang="en-US" smtClean="0"/>
+              <a:t>7</a:t>
+            </a:fld>
+            <a:endParaRPr lang="en-US" dirty="0"/>
+          </a:p>
+        </p:txBody>
+      </p:sp>
+      <p:sp>
+        <p:nvSpPr>
+          <p:cNvPr id="4" name="Text Placeholder 3">
+            <a:extLst>
+              <a:ext uri="{FF2B5EF4-FFF2-40B4-BE49-F238E27FC236}">
+                <a16:creationId xmlns:a16="http://schemas.microsoft.com/office/drawing/2014/main" id="{BE8C982E-2A8D-76CE-8EB7-4F5A2157CD54}"/>
+              </a:ext>
+            </a:extLst>
+          </p:cNvPr>
+          <p:cNvSpPr>
+            <a:spLocks noGrp="1"/>
+          </p:cNvSpPr>
+          <p:nvPr>
+            <p:ph type="body" sz="quarter" idx="13"/>
+          </p:nvPr>
+        </p:nvSpPr>
+        <p:spPr/>
+        <p:txBody>
+          <a:bodyPr/>
+          <a:lstStyle/>
+          <a:p>
+            <a:endParaRPr lang="en-US" dirty="0"/>
+          </a:p>
+        </p:txBody>
+      </p:sp>
+      <p:sp>
+        <p:nvSpPr>
+          <p:cNvPr id="5" name="Text Placeholder 4">
+            <a:extLst>
+              <a:ext uri="{FF2B5EF4-FFF2-40B4-BE49-F238E27FC236}">
+                <a16:creationId xmlns:a16="http://schemas.microsoft.com/office/drawing/2014/main" id="{3F241E8D-55C1-99C4-5EF5-10F746DDCF0A}"/>
+              </a:ext>
+            </a:extLst>
+          </p:cNvPr>
+          <p:cNvSpPr>
+            <a:spLocks noGrp="1"/>
+          </p:cNvSpPr>
+          <p:nvPr>
+            <p:ph type="body" sz="quarter" idx="16"/>
+          </p:nvPr>
+        </p:nvSpPr>
+        <p:spPr/>
+        <p:txBody>
+          <a:bodyPr/>
+          <a:lstStyle/>
+          <a:p>
+            <a:endParaRPr lang="en-US"/>
+          </a:p>
+        </p:txBody>
+      </p:sp>
+      <p:sp>
+        <p:nvSpPr>
+          <p:cNvPr id="6" name="Text Placeholder 5">
+            <a:extLst>
+              <a:ext uri="{FF2B5EF4-FFF2-40B4-BE49-F238E27FC236}">
+                <a16:creationId xmlns:a16="http://schemas.microsoft.com/office/drawing/2014/main" id="{52CF0AF2-9F88-0212-30F2-ADA3E42CCDF7}"/>
+              </a:ext>
+            </a:extLst>
+          </p:cNvPr>
+          <p:cNvSpPr>
+            <a:spLocks noGrp="1"/>
+          </p:cNvSpPr>
+          <p:nvPr>
+            <p:ph type="body" sz="quarter" idx="17"/>
+          </p:nvPr>
+        </p:nvSpPr>
+        <p:spPr/>
+        <p:txBody>
+          <a:bodyPr/>
+          <a:lstStyle/>
+          <a:p>
+            <a:endParaRPr lang="en-US"/>
+          </a:p>
+        </p:txBody>
+      </p:sp>
+    </p:spTree>
+    <p:extLst>
+      <p:ext uri="{BB962C8B-B14F-4D97-AF65-F5344CB8AC3E}">
+        <p14:creationId xmlns:p14="http://schemas.microsoft.com/office/powerpoint/2010/main" val="1863235849"/>
+      </p:ext>
+    </p:extLst>
+  </p:cSld>
+  <p:clrMapOvr>
+    <a:masterClrMapping/>
+  </p:clrMapOvr>
+</p:sld>
+</file>
+
+<file path=ppt/slides/slide8.xml><?xml version="1.0" encoding="utf-8"?>
+<p:sld xmlns:a="http://schemas.openxmlformats.org/drawingml/2006/main" xmlns:r="http://schemas.openxmlformats.org/officeDocument/2006/relationships" xmlns:p="http://schemas.openxmlformats.org/presentationml/2006/main">
+  <p:cSld>
+    <p:spTree>
+      <p:nvGrpSpPr>
+        <p:cNvPr id="1" name=""/>
+        <p:cNvGrpSpPr/>
+        <p:nvPr/>
+      </p:nvGrpSpPr>
+      <p:grpSpPr>
+        <a:xfrm>
+          <a:off x="0" y="0"/>
+          <a:ext cx="0" cy="0"/>
+          <a:chOff x="0" y="0"/>
+          <a:chExt cx="0" cy="0"/>
+        </a:xfrm>
+      </p:grpSpPr>
+      <p:sp>
+        <p:nvSpPr>
+          <p:cNvPr id="2" name="Title 1">
+            <a:extLst>
+              <a:ext uri="{FF2B5EF4-FFF2-40B4-BE49-F238E27FC236}">
+                <a16:creationId xmlns:a16="http://schemas.microsoft.com/office/drawing/2014/main" id="{6FDCCBC7-9633-C858-42EB-4E97029DBF89}"/>
+              </a:ext>
+            </a:extLst>
+          </p:cNvPr>
+          <p:cNvSpPr>
+            <a:spLocks noGrp="1"/>
+          </p:cNvSpPr>
+          <p:nvPr>
+            <p:ph type="title"/>
+          </p:nvPr>
+        </p:nvSpPr>
+        <p:spPr>
+          <a:xfrm>
+            <a:off x="0" y="19079"/>
+            <a:ext cx="10797987" cy="947594"/>
+          </a:xfrm>
+        </p:spPr>
+        <p:txBody>
+          <a:bodyPr/>
+          <a:lstStyle/>
+          <a:p>
+            <a:r>
+              <a:rPr lang="en-US" dirty="0"/>
+              <a:t>Protein Charge Distribution</a:t>
+            </a:r>
+          </a:p>
+        </p:txBody>
+      </p:sp>
+      <p:sp>
+        <p:nvSpPr>
+          <p:cNvPr id="9" name="TextBox 8">
+            <a:extLst>
+              <a:ext uri="{FF2B5EF4-FFF2-40B4-BE49-F238E27FC236}">
+                <a16:creationId xmlns:a16="http://schemas.microsoft.com/office/drawing/2014/main" id="{D87C7B08-5CCF-98F0-1A20-CBD245BCD5D6}"/>
+              </a:ext>
+            </a:extLst>
+          </p:cNvPr>
+          <p:cNvSpPr txBox="1"/>
+          <p:nvPr/>
+        </p:nvSpPr>
+        <p:spPr>
+          <a:xfrm>
+            <a:off x="156485" y="4190101"/>
+            <a:ext cx="1535130" cy="369332"/>
+          </a:xfrm>
+          <a:prstGeom prst="rect">
+            <a:avLst/>
+          </a:prstGeom>
+          <a:solidFill>
+            <a:schemeClr val="bg1"/>
+          </a:solidFill>
+        </p:spPr>
+        <p:txBody>
+          <a:bodyPr wrap="square" rtlCol="0">
+            <a:spAutoFit/>
+          </a:bodyPr>
+          <a:lstStyle/>
+          <a:p>
+            <a:r>
+              <a:rPr lang="en-US" b="1" dirty="0"/>
+              <a:t>NFM</a:t>
+            </a:r>
+          </a:p>
+        </p:txBody>
+      </p:sp>
+      <p:sp>
+        <p:nvSpPr>
+          <p:cNvPr id="36" name="Rectangle 35">
+            <a:extLst>
+              <a:ext uri="{FF2B5EF4-FFF2-40B4-BE49-F238E27FC236}">
+                <a16:creationId xmlns:a16="http://schemas.microsoft.com/office/drawing/2014/main" id="{5B67F721-699E-B7C7-70DC-58B4B685290F}"/>
+              </a:ext>
+            </a:extLst>
+          </p:cNvPr>
+          <p:cNvSpPr/>
+          <p:nvPr/>
+        </p:nvSpPr>
+        <p:spPr>
+          <a:xfrm>
+            <a:off x="2574847" y="3755256"/>
+            <a:ext cx="1407459" cy="271900"/>
+          </a:xfrm>
+          <a:prstGeom prst="rect">
+            <a:avLst/>
+          </a:prstGeom>
+          <a:solidFill>
+            <a:schemeClr val="bg1"/>
+          </a:solidFill>
+          <a:ln>
+            <a:solidFill>
+              <a:schemeClr val="bg1"/>
+            </a:solidFill>
+          </a:ln>
+        </p:spPr>
+        <p:style>
+          <a:lnRef idx="2">
+            <a:schemeClr val="accent1">
+              <a:shade val="50000"/>
+            </a:schemeClr>
+          </a:lnRef>
+          <a:fillRef idx="1">
+            <a:schemeClr val="accent1"/>
+          </a:fillRef>
+          <a:effectRef idx="0">
+            <a:schemeClr val="accent1"/>
+          </a:effectRef>
+          <a:fontRef idx="minor">
+            <a:schemeClr val="lt1"/>
+          </a:fontRef>
+        </p:style>
+        <p:txBody>
+          <a:bodyPr rtlCol="0" anchor="ctr"/>
+          <a:lstStyle/>
+          <a:p>
+            <a:pPr algn="ctr"/>
+            <a:endParaRPr lang="en-US"/>
+          </a:p>
+        </p:txBody>
+      </p:sp>
+      <p:sp>
+        <p:nvSpPr>
+          <p:cNvPr id="10" name="TextBox 9">
+            <a:extLst>
+              <a:ext uri="{FF2B5EF4-FFF2-40B4-BE49-F238E27FC236}">
+                <a16:creationId xmlns:a16="http://schemas.microsoft.com/office/drawing/2014/main" id="{AAB5ABFF-EF1E-8C5D-BDD2-0A921ED54A2C}"/>
+              </a:ext>
+            </a:extLst>
+          </p:cNvPr>
+          <p:cNvSpPr txBox="1"/>
+          <p:nvPr/>
+        </p:nvSpPr>
+        <p:spPr>
+          <a:xfrm>
+            <a:off x="198957" y="5686932"/>
+            <a:ext cx="1535131" cy="369332"/>
+          </a:xfrm>
+          <a:prstGeom prst="rect">
+            <a:avLst/>
+          </a:prstGeom>
+          <a:solidFill>
+            <a:schemeClr val="bg1"/>
+          </a:solidFill>
+        </p:spPr>
+        <p:txBody>
+          <a:bodyPr wrap="square" rtlCol="0">
+            <a:spAutoFit/>
+          </a:bodyPr>
+          <a:lstStyle/>
+          <a:p>
+            <a:r>
+              <a:rPr lang="en-US" b="1" dirty="0"/>
+              <a:t>NFH</a:t>
+            </a:r>
+          </a:p>
+        </p:txBody>
+      </p:sp>
+      <p:grpSp>
+        <p:nvGrpSpPr>
+          <p:cNvPr id="18" name="Group 17">
+            <a:extLst>
+              <a:ext uri="{FF2B5EF4-FFF2-40B4-BE49-F238E27FC236}">
+                <a16:creationId xmlns:a16="http://schemas.microsoft.com/office/drawing/2014/main" id="{03D3AF34-66B3-2F46-975A-827AB6113075}"/>
+              </a:ext>
+            </a:extLst>
+          </p:cNvPr>
+          <p:cNvGrpSpPr/>
+          <p:nvPr/>
+        </p:nvGrpSpPr>
+        <p:grpSpPr>
+          <a:xfrm>
+            <a:off x="5502087" y="4047684"/>
+            <a:ext cx="713657" cy="1073605"/>
+            <a:chOff x="4383741" y="2002095"/>
+            <a:chExt cx="1206082" cy="1814398"/>
+          </a:xfrm>
+        </p:grpSpPr>
+        <p:sp>
+          <p:nvSpPr>
+            <p:cNvPr id="19" name="Rectangle 18">
+              <a:extLst>
+                <a:ext uri="{FF2B5EF4-FFF2-40B4-BE49-F238E27FC236}">
+                  <a16:creationId xmlns:a16="http://schemas.microsoft.com/office/drawing/2014/main" id="{37CF844A-2CFF-7142-25B4-D4F00BEE1026}"/>
+                </a:ext>
+              </a:extLst>
+            </p:cNvPr>
+            <p:cNvSpPr/>
+            <p:nvPr/>
+          </p:nvSpPr>
+          <p:spPr>
+            <a:xfrm>
+              <a:off x="4383741" y="2002095"/>
+              <a:ext cx="92945" cy="565898"/>
+            </a:xfrm>
+            <a:prstGeom prst="rect">
+              <a:avLst/>
+            </a:prstGeom>
+            <a:solidFill>
+              <a:srgbClr val="C00000"/>
+            </a:solidFill>
+            <a:ln>
+              <a:solidFill>
+                <a:schemeClr val="tx1"/>
+              </a:solidFill>
+            </a:ln>
+          </p:spPr>
+          <p:style>
+            <a:lnRef idx="2">
+              <a:schemeClr val="accent1">
+                <a:shade val="50000"/>
+              </a:schemeClr>
+            </a:lnRef>
+            <a:fillRef idx="1">
+              <a:schemeClr val="accent1"/>
+            </a:fillRef>
+            <a:effectRef idx="0">
+              <a:schemeClr val="accent1"/>
+            </a:effectRef>
+            <a:fontRef idx="minor">
+              <a:schemeClr val="lt1"/>
+            </a:fontRef>
+          </p:style>
+          <p:txBody>
+            <a:bodyPr rtlCol="0" anchor="ctr"/>
+            <a:lstStyle/>
+            <a:p>
+              <a:pPr algn="ctr"/>
+              <a:endParaRPr lang="en-US" sz="1600"/>
+            </a:p>
+          </p:txBody>
+        </p:sp>
+        <p:sp>
+          <p:nvSpPr>
+            <p:cNvPr id="20" name="Rectangle 19">
+              <a:extLst>
+                <a:ext uri="{FF2B5EF4-FFF2-40B4-BE49-F238E27FC236}">
+                  <a16:creationId xmlns:a16="http://schemas.microsoft.com/office/drawing/2014/main" id="{D33D9FF3-0263-DFA2-C486-21392382DCF4}"/>
+                </a:ext>
+              </a:extLst>
+            </p:cNvPr>
+            <p:cNvSpPr/>
+            <p:nvPr/>
+          </p:nvSpPr>
+          <p:spPr>
+            <a:xfrm>
+              <a:off x="4383741" y="2566311"/>
+              <a:ext cx="92945" cy="565898"/>
+            </a:xfrm>
+            <a:prstGeom prst="rect">
+              <a:avLst/>
+            </a:prstGeom>
+            <a:solidFill>
+              <a:schemeClr val="bg1"/>
+            </a:solidFill>
+            <a:ln>
+              <a:solidFill>
+                <a:schemeClr val="tx1"/>
+              </a:solidFill>
+            </a:ln>
+          </p:spPr>
+          <p:style>
+            <a:lnRef idx="2">
+              <a:schemeClr val="accent1">
+                <a:shade val="50000"/>
+              </a:schemeClr>
+            </a:lnRef>
+            <a:fillRef idx="1">
+              <a:schemeClr val="accent1"/>
+            </a:fillRef>
+            <a:effectRef idx="0">
+              <a:schemeClr val="accent1"/>
+            </a:effectRef>
+            <a:fontRef idx="minor">
+              <a:schemeClr val="lt1"/>
+            </a:fontRef>
+          </p:style>
+          <p:txBody>
+            <a:bodyPr rtlCol="0" anchor="ctr"/>
+            <a:lstStyle/>
+            <a:p>
+              <a:pPr algn="ctr"/>
+              <a:endParaRPr lang="en-US" sz="1600"/>
+            </a:p>
+          </p:txBody>
+        </p:sp>
+        <p:sp>
+          <p:nvSpPr>
+            <p:cNvPr id="21" name="Rectangle 20">
+              <a:extLst>
+                <a:ext uri="{FF2B5EF4-FFF2-40B4-BE49-F238E27FC236}">
+                  <a16:creationId xmlns:a16="http://schemas.microsoft.com/office/drawing/2014/main" id="{7A059B67-6E77-0A20-A8E6-FB8E9B471DBA}"/>
+                </a:ext>
+              </a:extLst>
+            </p:cNvPr>
+            <p:cNvSpPr/>
+            <p:nvPr/>
+          </p:nvSpPr>
+          <p:spPr>
+            <a:xfrm>
+              <a:off x="4383741" y="3121260"/>
+              <a:ext cx="92945" cy="565898"/>
+            </a:xfrm>
+            <a:prstGeom prst="rect">
+              <a:avLst/>
+            </a:prstGeom>
+            <a:solidFill>
+              <a:srgbClr val="0070C0"/>
+            </a:solidFill>
+            <a:ln>
+              <a:solidFill>
+                <a:schemeClr val="tx1"/>
+              </a:solidFill>
+            </a:ln>
+          </p:spPr>
+          <p:style>
+            <a:lnRef idx="2">
+              <a:schemeClr val="accent1">
+                <a:shade val="50000"/>
+              </a:schemeClr>
+            </a:lnRef>
+            <a:fillRef idx="1">
+              <a:schemeClr val="accent1"/>
+            </a:fillRef>
+            <a:effectRef idx="0">
+              <a:schemeClr val="accent1"/>
+            </a:effectRef>
+            <a:fontRef idx="minor">
+              <a:schemeClr val="lt1"/>
+            </a:fontRef>
+          </p:style>
+          <p:txBody>
+            <a:bodyPr rtlCol="0" anchor="ctr"/>
+            <a:lstStyle/>
+            <a:p>
+              <a:pPr algn="ctr"/>
+              <a:endParaRPr lang="en-US" sz="1600"/>
+            </a:p>
+          </p:txBody>
+        </p:sp>
+        <p:sp>
+          <p:nvSpPr>
+            <p:cNvPr id="22" name="TextBox 21">
+              <a:extLst>
+                <a:ext uri="{FF2B5EF4-FFF2-40B4-BE49-F238E27FC236}">
+                  <a16:creationId xmlns:a16="http://schemas.microsoft.com/office/drawing/2014/main" id="{58344487-4760-E3CD-0666-1E59039E9A9D}"/>
+                </a:ext>
+              </a:extLst>
+            </p:cNvPr>
+            <p:cNvSpPr txBox="1"/>
+            <p:nvPr/>
+          </p:nvSpPr>
+          <p:spPr>
+            <a:xfrm>
+              <a:off x="4684448" y="2079496"/>
+              <a:ext cx="905375" cy="572158"/>
+            </a:xfrm>
+            <a:prstGeom prst="rect">
+              <a:avLst/>
+            </a:prstGeom>
+            <a:noFill/>
+          </p:spPr>
+          <p:txBody>
+            <a:bodyPr wrap="none" rtlCol="0">
+              <a:spAutoFit/>
+            </a:bodyPr>
+            <a:lstStyle/>
+            <a:p>
+              <a:r>
+                <a:rPr lang="en-US" sz="1600" dirty="0"/>
+                <a:t>&gt; 0</a:t>
+              </a:r>
+              <a:r>
+                <a:rPr lang="en-US" sz="1600" i="1" dirty="0"/>
+                <a:t>e</a:t>
+              </a:r>
+              <a:endParaRPr lang="en-US" sz="1600" dirty="0"/>
+            </a:p>
+          </p:txBody>
+        </p:sp>
+        <p:sp>
+          <p:nvSpPr>
+            <p:cNvPr id="23" name="TextBox 22">
+              <a:extLst>
+                <a:ext uri="{FF2B5EF4-FFF2-40B4-BE49-F238E27FC236}">
+                  <a16:creationId xmlns:a16="http://schemas.microsoft.com/office/drawing/2014/main" id="{859A014F-9A2D-854B-26D4-4E76EB2E7F74}"/>
+                </a:ext>
+              </a:extLst>
+            </p:cNvPr>
+            <p:cNvSpPr txBox="1"/>
+            <p:nvPr/>
+          </p:nvSpPr>
+          <p:spPr>
+            <a:xfrm>
+              <a:off x="4684448" y="2668380"/>
+              <a:ext cx="905375" cy="572158"/>
+            </a:xfrm>
+            <a:prstGeom prst="rect">
+              <a:avLst/>
+            </a:prstGeom>
+            <a:noFill/>
+          </p:spPr>
+          <p:txBody>
+            <a:bodyPr wrap="none" rtlCol="0">
+              <a:spAutoFit/>
+            </a:bodyPr>
+            <a:lstStyle/>
+            <a:p>
+              <a:r>
+                <a:rPr lang="en-US" sz="1600" dirty="0"/>
+                <a:t>= 0</a:t>
+              </a:r>
+              <a:r>
+                <a:rPr lang="en-US" sz="1600" i="1" dirty="0"/>
+                <a:t>e</a:t>
+              </a:r>
+              <a:endParaRPr lang="en-US" sz="1600" dirty="0"/>
+            </a:p>
+          </p:txBody>
+        </p:sp>
+        <p:sp>
+          <p:nvSpPr>
+            <p:cNvPr id="24" name="TextBox 23">
+              <a:extLst>
+                <a:ext uri="{FF2B5EF4-FFF2-40B4-BE49-F238E27FC236}">
+                  <a16:creationId xmlns:a16="http://schemas.microsoft.com/office/drawing/2014/main" id="{C2843518-57CF-32EF-9980-05DB504D06EA}"/>
+                </a:ext>
+              </a:extLst>
+            </p:cNvPr>
+            <p:cNvSpPr txBox="1"/>
+            <p:nvPr/>
+          </p:nvSpPr>
+          <p:spPr>
+            <a:xfrm>
+              <a:off x="4684448" y="3244335"/>
+              <a:ext cx="905375" cy="572158"/>
+            </a:xfrm>
+            <a:prstGeom prst="rect">
+              <a:avLst/>
+            </a:prstGeom>
+            <a:noFill/>
+          </p:spPr>
+          <p:txBody>
+            <a:bodyPr wrap="none" rtlCol="0">
+              <a:spAutoFit/>
+            </a:bodyPr>
+            <a:lstStyle/>
+            <a:p>
+              <a:r>
+                <a:rPr lang="en-US" sz="1600" dirty="0"/>
+                <a:t>&lt; 0</a:t>
+              </a:r>
+              <a:r>
+                <a:rPr lang="en-US" sz="1600" i="1" dirty="0"/>
+                <a:t>e</a:t>
+              </a:r>
+              <a:endParaRPr lang="en-US" sz="1600" dirty="0"/>
+            </a:p>
+          </p:txBody>
+        </p:sp>
+      </p:grpSp>
+      <p:grpSp>
+        <p:nvGrpSpPr>
+          <p:cNvPr id="27" name="Group 26">
+            <a:extLst>
+              <a:ext uri="{FF2B5EF4-FFF2-40B4-BE49-F238E27FC236}">
+                <a16:creationId xmlns:a16="http://schemas.microsoft.com/office/drawing/2014/main" id="{FEE247CB-A5B2-D791-3092-BCB3AF907AA2}"/>
+              </a:ext>
+            </a:extLst>
+          </p:cNvPr>
+          <p:cNvGrpSpPr/>
+          <p:nvPr/>
+        </p:nvGrpSpPr>
+        <p:grpSpPr>
+          <a:xfrm>
+            <a:off x="314833" y="1275562"/>
+            <a:ext cx="7330995" cy="2257730"/>
+            <a:chOff x="-1359844" y="1363737"/>
+            <a:chExt cx="7330995" cy="2257730"/>
+          </a:xfrm>
+        </p:grpSpPr>
+        <p:sp>
+          <p:nvSpPr>
+            <p:cNvPr id="29" name="TextBox 28">
+              <a:extLst>
+                <a:ext uri="{FF2B5EF4-FFF2-40B4-BE49-F238E27FC236}">
+                  <a16:creationId xmlns:a16="http://schemas.microsoft.com/office/drawing/2014/main" id="{D93D56FC-08CC-3B25-2AAB-9FC89587F1BC}"/>
+                </a:ext>
+              </a:extLst>
+            </p:cNvPr>
+            <p:cNvSpPr txBox="1"/>
+            <p:nvPr/>
+          </p:nvSpPr>
+          <p:spPr>
+            <a:xfrm>
+              <a:off x="1375705" y="1460986"/>
+              <a:ext cx="1025980" cy="307778"/>
+            </a:xfrm>
+            <a:prstGeom prst="rect">
+              <a:avLst/>
+            </a:prstGeom>
+            <a:noFill/>
+          </p:spPr>
+          <p:txBody>
+            <a:bodyPr wrap="square" rtlCol="0">
+              <a:spAutoFit/>
+            </a:bodyPr>
+            <a:lstStyle/>
+            <a:p>
+              <a:pPr algn="r"/>
+              <a:r>
+                <a:rPr lang="en-US" sz="1400" dirty="0"/>
+                <a:t>Amino acid </a:t>
+              </a:r>
+            </a:p>
+          </p:txBody>
+        </p:sp>
+        <p:sp>
+          <p:nvSpPr>
+            <p:cNvPr id="30" name="TextBox 29">
+              <a:extLst>
+                <a:ext uri="{FF2B5EF4-FFF2-40B4-BE49-F238E27FC236}">
+                  <a16:creationId xmlns:a16="http://schemas.microsoft.com/office/drawing/2014/main" id="{FEC87875-6361-3501-0287-E91EF2AB2A5C}"/>
+                </a:ext>
+              </a:extLst>
+            </p:cNvPr>
+            <p:cNvSpPr txBox="1"/>
+            <p:nvPr/>
+          </p:nvSpPr>
+          <p:spPr>
+            <a:xfrm>
+              <a:off x="900170" y="2119624"/>
+              <a:ext cx="1501515" cy="523220"/>
+            </a:xfrm>
+            <a:prstGeom prst="rect">
+              <a:avLst/>
+            </a:prstGeom>
+            <a:noFill/>
+          </p:spPr>
+          <p:txBody>
+            <a:bodyPr wrap="square" rtlCol="0">
+              <a:spAutoFit/>
+            </a:bodyPr>
+            <a:lstStyle/>
+            <a:p>
+              <a:pPr algn="r"/>
+              <a:r>
+                <a:rPr lang="en-US" sz="1400" dirty="0"/>
+                <a:t>Charge </a:t>
+              </a:r>
+              <a:br>
+                <a:rPr lang="en-US" sz="1400" dirty="0"/>
+              </a:br>
+              <a:r>
+                <a:rPr lang="en-US" sz="1400" dirty="0"/>
+                <a:t>(at given pH)</a:t>
+              </a:r>
+            </a:p>
+          </p:txBody>
+        </p:sp>
+        <p:sp>
+          <p:nvSpPr>
+            <p:cNvPr id="31" name="TextBox 30">
+              <a:extLst>
+                <a:ext uri="{FF2B5EF4-FFF2-40B4-BE49-F238E27FC236}">
+                  <a16:creationId xmlns:a16="http://schemas.microsoft.com/office/drawing/2014/main" id="{2CB29859-A137-44F1-F6FE-55189F3B67F3}"/>
+                </a:ext>
+              </a:extLst>
+            </p:cNvPr>
+            <p:cNvSpPr txBox="1"/>
+            <p:nvPr/>
+          </p:nvSpPr>
+          <p:spPr>
+            <a:xfrm>
+              <a:off x="900170" y="3036790"/>
+              <a:ext cx="1501516" cy="307778"/>
+            </a:xfrm>
+            <a:prstGeom prst="rect">
+              <a:avLst/>
+            </a:prstGeom>
+            <a:noFill/>
+          </p:spPr>
+          <p:txBody>
+            <a:bodyPr wrap="square" rtlCol="0">
+              <a:spAutoFit/>
+            </a:bodyPr>
+            <a:lstStyle/>
+            <a:p>
+              <a:pPr algn="r"/>
+              <a:r>
+                <a:rPr lang="en-US" sz="1400" dirty="0"/>
+                <a:t>Block assignment</a:t>
+              </a:r>
+            </a:p>
+          </p:txBody>
+        </p:sp>
+        <p:sp>
+          <p:nvSpPr>
+            <p:cNvPr id="33" name="TextBox 32">
+              <a:extLst>
+                <a:ext uri="{FF2B5EF4-FFF2-40B4-BE49-F238E27FC236}">
+                  <a16:creationId xmlns:a16="http://schemas.microsoft.com/office/drawing/2014/main" id="{BBA26761-7480-0F29-2BD5-1E0555B0252C}"/>
+                </a:ext>
+              </a:extLst>
+            </p:cNvPr>
+            <p:cNvSpPr txBox="1"/>
+            <p:nvPr/>
+          </p:nvSpPr>
+          <p:spPr>
+            <a:xfrm>
+              <a:off x="-1359844" y="2161684"/>
+              <a:ext cx="2286000" cy="369332"/>
+            </a:xfrm>
+            <a:prstGeom prst="rect">
+              <a:avLst/>
+            </a:prstGeom>
+            <a:noFill/>
+          </p:spPr>
+          <p:txBody>
+            <a:bodyPr wrap="square" rtlCol="0">
+              <a:spAutoFit/>
+            </a:bodyPr>
+            <a:lstStyle/>
+            <a:p>
+              <a:r>
+                <a:rPr lang="en-US" b="1" dirty="0"/>
+                <a:t>Algorithm overview</a:t>
+              </a:r>
+            </a:p>
+          </p:txBody>
+        </p:sp>
+        <p:pic>
+          <p:nvPicPr>
+            <p:cNvPr id="26" name="Picture 25">
+              <a:extLst>
+                <a:ext uri="{FF2B5EF4-FFF2-40B4-BE49-F238E27FC236}">
+                  <a16:creationId xmlns:a16="http://schemas.microsoft.com/office/drawing/2014/main" id="{DB14B2D1-64A6-9398-F8DD-6E1A5ECE5ACB}"/>
+                </a:ext>
+              </a:extLst>
+            </p:cNvPr>
+            <p:cNvPicPr>
+              <a:picLocks noChangeAspect="1"/>
+            </p:cNvPicPr>
+            <p:nvPr/>
+          </p:nvPicPr>
+          <p:blipFill>
+            <a:blip r:embed="rId3"/>
+            <a:stretch>
+              <a:fillRect/>
+            </a:stretch>
+          </p:blipFill>
+          <p:spPr>
+            <a:xfrm>
+              <a:off x="2682619" y="1363737"/>
+              <a:ext cx="3288532" cy="2257730"/>
+            </a:xfrm>
+            <a:prstGeom prst="rect">
+              <a:avLst/>
+            </a:prstGeom>
+          </p:spPr>
+        </p:pic>
+      </p:grpSp>
       <p:pic>
         <p:nvPicPr>
-          <p:cNvPr id="3074" name="Picture 2">
-            <a:extLst>
-              <a:ext uri="{FF2B5EF4-FFF2-40B4-BE49-F238E27FC236}">
-                <a16:creationId xmlns:a16="http://schemas.microsoft.com/office/drawing/2014/main" id="{C53CFCE2-F013-8160-C7E3-5CE453C00FF6}"/>
+          <p:cNvPr id="3" name="Picture 2">
+            <a:extLst>
+              <a:ext uri="{FF2B5EF4-FFF2-40B4-BE49-F238E27FC236}">
+                <a16:creationId xmlns:a16="http://schemas.microsoft.com/office/drawing/2014/main" id="{F0A8792D-1E6A-7566-DD20-DAE41120EAE3}"/>
               </a:ext>
             </a:extLst>
           </p:cNvPr>
@@ -3952,7 +6992,7 @@
           <p:nvPr/>
         </p:nvPicPr>
         <p:blipFill>
-          <a:blip r:embed="rId2">
+          <a:blip r:embed="rId4">
             <a:extLst>
               <a:ext uri="{28A0092B-C50C-407E-A947-70E740481C1C}">
                 <a14:useLocalDpi xmlns:a14="http://schemas.microsoft.com/office/drawing/2010/main" val="0"/>
@@ -3966,8 +7006,149 @@
         </p:blipFill>
         <p:spPr bwMode="auto">
           <a:xfrm>
-            <a:off x="2832100" y="1425546"/>
-            <a:ext cx="6527799" cy="4348775"/>
+            <a:off x="6315096" y="4047684"/>
+            <a:ext cx="4059221" cy="1349653"/>
+          </a:xfrm>
+          <a:prstGeom prst="rect">
+            <a:avLst/>
+          </a:prstGeom>
+          <a:noFill/>
+          <a:extLst>
+            <a:ext uri="{909E8E84-426E-40DD-AFC4-6F175D3DCCD1}">
+              <a14:hiddenFill xmlns:a14="http://schemas.microsoft.com/office/drawing/2010/main">
+                <a:solidFill>
+                  <a:srgbClr val="FFFFFF"/>
+                </a:solidFill>
+              </a14:hiddenFill>
+            </a:ext>
+          </a:extLst>
+        </p:spPr>
+      </p:pic>
+      <p:pic>
+        <p:nvPicPr>
+          <p:cNvPr id="6" name="Picture 2">
+            <a:extLst>
+              <a:ext uri="{FF2B5EF4-FFF2-40B4-BE49-F238E27FC236}">
+                <a16:creationId xmlns:a16="http://schemas.microsoft.com/office/drawing/2014/main" id="{050A31A3-FDC8-265C-DAFA-CD606C0D4DEC}"/>
+              </a:ext>
+            </a:extLst>
+          </p:cNvPr>
+          <p:cNvPicPr>
+            <a:picLocks noChangeAspect="1" noChangeArrowheads="1"/>
+          </p:cNvPicPr>
+          <p:nvPr/>
+        </p:nvPicPr>
+        <p:blipFill>
+          <a:blip r:embed="rId5">
+            <a:extLst>
+              <a:ext uri="{28A0092B-C50C-407E-A947-70E740481C1C}">
+                <a14:useLocalDpi xmlns:a14="http://schemas.microsoft.com/office/drawing/2010/main" val="0"/>
+              </a:ext>
+            </a:extLst>
+          </a:blip>
+          <a:srcRect/>
+          <a:stretch>
+            <a:fillRect/>
+          </a:stretch>
+        </p:blipFill>
+        <p:spPr bwMode="auto">
+          <a:xfrm>
+            <a:off x="6315096" y="5613741"/>
+            <a:ext cx="4154723" cy="1056064"/>
+          </a:xfrm>
+          <a:prstGeom prst="rect">
+            <a:avLst/>
+          </a:prstGeom>
+          <a:noFill/>
+          <a:extLst>
+            <a:ext uri="{909E8E84-426E-40DD-AFC4-6F175D3DCCD1}">
+              <a14:hiddenFill xmlns:a14="http://schemas.microsoft.com/office/drawing/2010/main">
+                <a:solidFill>
+                  <a:srgbClr val="FFFFFF"/>
+                </a:solidFill>
+              </a14:hiddenFill>
+            </a:ext>
+          </a:extLst>
+        </p:spPr>
+      </p:pic>
+      <p:pic>
+        <p:nvPicPr>
+          <p:cNvPr id="1026" name="Picture 2">
+            <a:extLst>
+              <a:ext uri="{FF2B5EF4-FFF2-40B4-BE49-F238E27FC236}">
+                <a16:creationId xmlns:a16="http://schemas.microsoft.com/office/drawing/2014/main" id="{9CA1B496-756A-C3CD-C267-46A73CD33F3D}"/>
+              </a:ext>
+            </a:extLst>
+          </p:cNvPr>
+          <p:cNvPicPr>
+            <a:picLocks noChangeAspect="1" noChangeArrowheads="1"/>
+          </p:cNvPicPr>
+          <p:nvPr/>
+        </p:nvPicPr>
+        <p:blipFill>
+          <a:blip r:embed="rId6">
+            <a:extLst>
+              <a:ext uri="{28A0092B-C50C-407E-A947-70E740481C1C}">
+                <a14:useLocalDpi xmlns:a14="http://schemas.microsoft.com/office/drawing/2010/main" val="0"/>
+              </a:ext>
+            </a:extLst>
+          </a:blip>
+          <a:srcRect/>
+          <a:stretch>
+            <a:fillRect/>
+          </a:stretch>
+        </p:blipFill>
+        <p:spPr bwMode="auto">
+          <a:xfrm>
+            <a:off x="1363604" y="4007079"/>
+            <a:ext cx="4094061" cy="1361236"/>
+          </a:xfrm>
+          <a:prstGeom prst="rect">
+            <a:avLst/>
+          </a:prstGeom>
+          <a:noFill/>
+          <a:extLst>
+            <a:ext uri="{909E8E84-426E-40DD-AFC4-6F175D3DCCD1}">
+              <a14:hiddenFill xmlns:a14="http://schemas.microsoft.com/office/drawing/2010/main">
+                <a:solidFill>
+                  <a:srgbClr val="FFFFFF"/>
+                </a:solidFill>
+              </a14:hiddenFill>
+            </a:ext>
+          </a:extLst>
+        </p:spPr>
+      </p:pic>
+      <p:pic>
+        <p:nvPicPr>
+          <p:cNvPr id="1028" name="Picture 4">
+            <a:extLst>
+              <a:ext uri="{FF2B5EF4-FFF2-40B4-BE49-F238E27FC236}">
+                <a16:creationId xmlns:a16="http://schemas.microsoft.com/office/drawing/2014/main" id="{38C79ACC-B9B1-7CA5-21D3-94A892A06B65}"/>
+              </a:ext>
+            </a:extLst>
+          </p:cNvPr>
+          <p:cNvPicPr>
+            <a:picLocks noChangeAspect="1" noChangeArrowheads="1"/>
+          </p:cNvPicPr>
+          <p:nvPr/>
+        </p:nvPicPr>
+        <p:blipFill>
+          <a:blip r:embed="rId7">
+            <a:extLst>
+              <a:ext uri="{28A0092B-C50C-407E-A947-70E740481C1C}">
+                <a14:useLocalDpi xmlns:a14="http://schemas.microsoft.com/office/drawing/2010/main" val="0"/>
+              </a:ext>
+            </a:extLst>
+          </a:blip>
+          <a:srcRect/>
+          <a:stretch>
+            <a:fillRect/>
+          </a:stretch>
+        </p:blipFill>
+        <p:spPr bwMode="auto">
+          <a:xfrm>
+            <a:off x="932248" y="5550783"/>
+            <a:ext cx="4912928" cy="1181980"/>
           </a:xfrm>
           <a:prstGeom prst="rect">
             <a:avLst/>
@@ -3987,7 +7168,1085 @@
     </p:spTree>
     <p:extLst>
       <p:ext uri="{BB962C8B-B14F-4D97-AF65-F5344CB8AC3E}">
-        <p14:creationId xmlns:p14="http://schemas.microsoft.com/office/powerpoint/2010/main" val="2967026883"/>
+        <p14:creationId xmlns:p14="http://schemas.microsoft.com/office/powerpoint/2010/main" val="3928369765"/>
+      </p:ext>
+    </p:extLst>
+  </p:cSld>
+  <p:clrMapOvr>
+    <a:masterClrMapping/>
+  </p:clrMapOvr>
+  <p:timing>
+    <p:tnLst>
+      <p:par>
+        <p:cTn id="1" dur="indefinite" restart="never" nodeType="tmRoot">
+          <p:childTnLst>
+            <p:seq concurrent="1" nextAc="seek">
+              <p:cTn id="2" dur="indefinite" nodeType="mainSeq">
+                <p:childTnLst>
+                  <p:par>
+                    <p:cTn id="3" fill="hold">
+                      <p:stCondLst>
+                        <p:cond delay="indefinite"/>
+                      </p:stCondLst>
+                      <p:childTnLst>
+                        <p:par>
+                          <p:cTn id="4" fill="hold">
+                            <p:stCondLst>
+                              <p:cond delay="0"/>
+                            </p:stCondLst>
+                            <p:childTnLst>
+                              <p:par>
+                                <p:cTn id="5" presetID="1" presetClass="entr" presetSubtype="0" fill="hold" nodeType="clickEffect">
+                                  <p:stCondLst>
+                                    <p:cond delay="0"/>
+                                  </p:stCondLst>
+                                  <p:childTnLst>
+                                    <p:set>
+                                      <p:cBhvr>
+                                        <p:cTn id="6" dur="1" fill="hold">
+                                          <p:stCondLst>
+                                            <p:cond delay="0"/>
+                                          </p:stCondLst>
+                                        </p:cTn>
+                                        <p:tgtEl>
+                                          <p:spTgt spid="27"/>
+                                        </p:tgtEl>
+                                        <p:attrNameLst>
+                                          <p:attrName>style.visibility</p:attrName>
+                                        </p:attrNameLst>
+                                      </p:cBhvr>
+                                      <p:to>
+                                        <p:strVal val="visible"/>
+                                      </p:to>
+                                    </p:set>
+                                  </p:childTnLst>
+                                </p:cTn>
+                              </p:par>
+                            </p:childTnLst>
+                          </p:cTn>
+                        </p:par>
+                      </p:childTnLst>
+                    </p:cTn>
+                  </p:par>
+                  <p:par>
+                    <p:cTn id="7" fill="hold">
+                      <p:stCondLst>
+                        <p:cond delay="indefinite"/>
+                      </p:stCondLst>
+                      <p:childTnLst>
+                        <p:par>
+                          <p:cTn id="8" fill="hold">
+                            <p:stCondLst>
+                              <p:cond delay="0"/>
+                            </p:stCondLst>
+                            <p:childTnLst>
+                              <p:par>
+                                <p:cTn id="9" presetID="1" presetClass="entr" presetSubtype="0" fill="hold" grpId="0" nodeType="clickEffect">
+                                  <p:stCondLst>
+                                    <p:cond delay="0"/>
+                                  </p:stCondLst>
+                                  <p:childTnLst>
+                                    <p:set>
+                                      <p:cBhvr>
+                                        <p:cTn id="10" dur="1" fill="hold">
+                                          <p:stCondLst>
+                                            <p:cond delay="0"/>
+                                          </p:stCondLst>
+                                        </p:cTn>
+                                        <p:tgtEl>
+                                          <p:spTgt spid="9"/>
+                                        </p:tgtEl>
+                                        <p:attrNameLst>
+                                          <p:attrName>style.visibility</p:attrName>
+                                        </p:attrNameLst>
+                                      </p:cBhvr>
+                                      <p:to>
+                                        <p:strVal val="visible"/>
+                                      </p:to>
+                                    </p:set>
+                                  </p:childTnLst>
+                                </p:cTn>
+                              </p:par>
+                              <p:par>
+                                <p:cTn id="11" presetID="1" presetClass="entr" presetSubtype="0" fill="hold" nodeType="withEffect">
+                                  <p:stCondLst>
+                                    <p:cond delay="0"/>
+                                  </p:stCondLst>
+                                  <p:childTnLst>
+                                    <p:set>
+                                      <p:cBhvr>
+                                        <p:cTn id="12" dur="1" fill="hold">
+                                          <p:stCondLst>
+                                            <p:cond delay="0"/>
+                                          </p:stCondLst>
+                                        </p:cTn>
+                                        <p:tgtEl>
+                                          <p:spTgt spid="1026"/>
+                                        </p:tgtEl>
+                                        <p:attrNameLst>
+                                          <p:attrName>style.visibility</p:attrName>
+                                        </p:attrNameLst>
+                                      </p:cBhvr>
+                                      <p:to>
+                                        <p:strVal val="visible"/>
+                                      </p:to>
+                                    </p:set>
+                                  </p:childTnLst>
+                                </p:cTn>
+                              </p:par>
+                              <p:par>
+                                <p:cTn id="13" presetID="1" presetClass="entr" presetSubtype="0" fill="hold" nodeType="withEffect">
+                                  <p:stCondLst>
+                                    <p:cond delay="0"/>
+                                  </p:stCondLst>
+                                  <p:childTnLst>
+                                    <p:set>
+                                      <p:cBhvr>
+                                        <p:cTn id="14" dur="1" fill="hold">
+                                          <p:stCondLst>
+                                            <p:cond delay="0"/>
+                                          </p:stCondLst>
+                                        </p:cTn>
+                                        <p:tgtEl>
+                                          <p:spTgt spid="18"/>
+                                        </p:tgtEl>
+                                        <p:attrNameLst>
+                                          <p:attrName>style.visibility</p:attrName>
+                                        </p:attrNameLst>
+                                      </p:cBhvr>
+                                      <p:to>
+                                        <p:strVal val="visible"/>
+                                      </p:to>
+                                    </p:set>
+                                  </p:childTnLst>
+                                </p:cTn>
+                              </p:par>
+                              <p:par>
+                                <p:cTn id="15" presetID="1" presetClass="entr" presetSubtype="0" fill="hold" nodeType="withEffect">
+                                  <p:stCondLst>
+                                    <p:cond delay="0"/>
+                                  </p:stCondLst>
+                                  <p:childTnLst>
+                                    <p:set>
+                                      <p:cBhvr>
+                                        <p:cTn id="16" dur="1" fill="hold">
+                                          <p:stCondLst>
+                                            <p:cond delay="0"/>
+                                          </p:stCondLst>
+                                        </p:cTn>
+                                        <p:tgtEl>
+                                          <p:spTgt spid="3"/>
+                                        </p:tgtEl>
+                                        <p:attrNameLst>
+                                          <p:attrName>style.visibility</p:attrName>
+                                        </p:attrNameLst>
+                                      </p:cBhvr>
+                                      <p:to>
+                                        <p:strVal val="visible"/>
+                                      </p:to>
+                                    </p:set>
+                                  </p:childTnLst>
+                                </p:cTn>
+                              </p:par>
+                            </p:childTnLst>
+                          </p:cTn>
+                        </p:par>
+                      </p:childTnLst>
+                    </p:cTn>
+                  </p:par>
+                  <p:par>
+                    <p:cTn id="17" fill="hold">
+                      <p:stCondLst>
+                        <p:cond delay="indefinite"/>
+                      </p:stCondLst>
+                      <p:childTnLst>
+                        <p:par>
+                          <p:cTn id="18" fill="hold">
+                            <p:stCondLst>
+                              <p:cond delay="0"/>
+                            </p:stCondLst>
+                            <p:childTnLst>
+                              <p:par>
+                                <p:cTn id="19" presetID="1" presetClass="entr" presetSubtype="0" fill="hold" grpId="0" nodeType="clickEffect">
+                                  <p:stCondLst>
+                                    <p:cond delay="0"/>
+                                  </p:stCondLst>
+                                  <p:childTnLst>
+                                    <p:set>
+                                      <p:cBhvr>
+                                        <p:cTn id="20" dur="1" fill="hold">
+                                          <p:stCondLst>
+                                            <p:cond delay="0"/>
+                                          </p:stCondLst>
+                                        </p:cTn>
+                                        <p:tgtEl>
+                                          <p:spTgt spid="10"/>
+                                        </p:tgtEl>
+                                        <p:attrNameLst>
+                                          <p:attrName>style.visibility</p:attrName>
+                                        </p:attrNameLst>
+                                      </p:cBhvr>
+                                      <p:to>
+                                        <p:strVal val="visible"/>
+                                      </p:to>
+                                    </p:set>
+                                  </p:childTnLst>
+                                </p:cTn>
+                              </p:par>
+                              <p:par>
+                                <p:cTn id="21" presetID="1" presetClass="entr" presetSubtype="0" fill="hold" nodeType="withEffect">
+                                  <p:stCondLst>
+                                    <p:cond delay="0"/>
+                                  </p:stCondLst>
+                                  <p:childTnLst>
+                                    <p:set>
+                                      <p:cBhvr>
+                                        <p:cTn id="22" dur="1" fill="hold">
+                                          <p:stCondLst>
+                                            <p:cond delay="0"/>
+                                          </p:stCondLst>
+                                        </p:cTn>
+                                        <p:tgtEl>
+                                          <p:spTgt spid="1028"/>
+                                        </p:tgtEl>
+                                        <p:attrNameLst>
+                                          <p:attrName>style.visibility</p:attrName>
+                                        </p:attrNameLst>
+                                      </p:cBhvr>
+                                      <p:to>
+                                        <p:strVal val="visible"/>
+                                      </p:to>
+                                    </p:set>
+                                  </p:childTnLst>
+                                </p:cTn>
+                              </p:par>
+                              <p:par>
+                                <p:cTn id="23" presetID="1" presetClass="entr" presetSubtype="0" fill="hold" nodeType="withEffect">
+                                  <p:stCondLst>
+                                    <p:cond delay="0"/>
+                                  </p:stCondLst>
+                                  <p:childTnLst>
+                                    <p:set>
+                                      <p:cBhvr>
+                                        <p:cTn id="24" dur="1" fill="hold">
+                                          <p:stCondLst>
+                                            <p:cond delay="0"/>
+                                          </p:stCondLst>
+                                        </p:cTn>
+                                        <p:tgtEl>
+                                          <p:spTgt spid="6"/>
+                                        </p:tgtEl>
+                                        <p:attrNameLst>
+                                          <p:attrName>style.visibility</p:attrName>
+                                        </p:attrNameLst>
+                                      </p:cBhvr>
+                                      <p:to>
+                                        <p:strVal val="visible"/>
+                                      </p:to>
+                                    </p:set>
+                                  </p:childTnLst>
+                                </p:cTn>
+                              </p:par>
+                            </p:childTnLst>
+                          </p:cTn>
+                        </p:par>
+                      </p:childTnLst>
+                    </p:cTn>
+                  </p:par>
+                </p:childTnLst>
+              </p:cTn>
+              <p:prevCondLst>
+                <p:cond evt="onPrev" delay="0">
+                  <p:tgtEl>
+                    <p:sldTgt/>
+                  </p:tgtEl>
+                </p:cond>
+              </p:prevCondLst>
+              <p:nextCondLst>
+                <p:cond evt="onNext" delay="0">
+                  <p:tgtEl>
+                    <p:sldTgt/>
+                  </p:tgtEl>
+                </p:cond>
+              </p:nextCondLst>
+            </p:seq>
+          </p:childTnLst>
+        </p:cTn>
+      </p:par>
+    </p:tnLst>
+    <p:bldLst>
+      <p:bldP spid="9" grpId="0" animBg="1"/>
+      <p:bldP spid="10" grpId="0" animBg="1"/>
+    </p:bldLst>
+  </p:timing>
+</p:sld>
+</file>
+
+<file path=ppt/slides/slide9.xml><?xml version="1.0" encoding="utf-8"?>
+<p:sld xmlns:a="http://schemas.openxmlformats.org/drawingml/2006/main" xmlns:r="http://schemas.openxmlformats.org/officeDocument/2006/relationships" xmlns:p="http://schemas.openxmlformats.org/presentationml/2006/main">
+  <p:cSld>
+    <p:spTree>
+      <p:nvGrpSpPr>
+        <p:cNvPr id="1" name=""/>
+        <p:cNvGrpSpPr/>
+        <p:nvPr/>
+      </p:nvGrpSpPr>
+      <p:grpSpPr>
+        <a:xfrm>
+          <a:off x="0" y="0"/>
+          <a:ext cx="0" cy="0"/>
+          <a:chOff x="0" y="0"/>
+          <a:chExt cx="0" cy="0"/>
+        </a:xfrm>
+      </p:grpSpPr>
+      <p:sp>
+        <p:nvSpPr>
+          <p:cNvPr id="2" name="Title 1">
+            <a:extLst>
+              <a:ext uri="{FF2B5EF4-FFF2-40B4-BE49-F238E27FC236}">
+                <a16:creationId xmlns:a16="http://schemas.microsoft.com/office/drawing/2014/main" id="{175A1D82-8C9B-A874-5F3D-333114D570A7}"/>
+              </a:ext>
+            </a:extLst>
+          </p:cNvPr>
+          <p:cNvSpPr>
+            <a:spLocks noGrp="1"/>
+          </p:cNvSpPr>
+          <p:nvPr>
+            <p:ph type="title"/>
+          </p:nvPr>
+        </p:nvSpPr>
+        <p:spPr/>
+        <p:txBody>
+          <a:bodyPr/>
+          <a:lstStyle/>
+          <a:p>
+            <a:r>
+              <a:rPr lang="en-US" dirty="0"/>
+              <a:t>Parameters</a:t>
+            </a:r>
+          </a:p>
+        </p:txBody>
+      </p:sp>
+      <p:sp>
+        <p:nvSpPr>
+          <p:cNvPr id="3" name="Slide Number Placeholder 2">
+            <a:extLst>
+              <a:ext uri="{FF2B5EF4-FFF2-40B4-BE49-F238E27FC236}">
+                <a16:creationId xmlns:a16="http://schemas.microsoft.com/office/drawing/2014/main" id="{8D791FCD-2DCB-7D50-8522-395DE12A242D}"/>
+              </a:ext>
+            </a:extLst>
+          </p:cNvPr>
+          <p:cNvSpPr>
+            <a:spLocks noGrp="1"/>
+          </p:cNvSpPr>
+          <p:nvPr>
+            <p:ph type="sldNum" sz="quarter" idx="12"/>
+          </p:nvPr>
+        </p:nvSpPr>
+        <p:spPr/>
+        <p:txBody>
+          <a:bodyPr/>
+          <a:lstStyle/>
+          <a:p>
+            <a:fld id="{5911C0E6-D9CE-431C-92CB-BB39B872F930}" type="slidenum">
+              <a:rPr lang="en-US" smtClean="0"/>
+              <a:t>9</a:t>
+            </a:fld>
+            <a:endParaRPr lang="en-US"/>
+          </a:p>
+        </p:txBody>
+      </p:sp>
+      <p:grpSp>
+        <p:nvGrpSpPr>
+          <p:cNvPr id="16" name="Group 15">
+            <a:extLst>
+              <a:ext uri="{FF2B5EF4-FFF2-40B4-BE49-F238E27FC236}">
+                <a16:creationId xmlns:a16="http://schemas.microsoft.com/office/drawing/2014/main" id="{FAC70A58-1543-B4F2-FE07-B53014410F21}"/>
+              </a:ext>
+            </a:extLst>
+          </p:cNvPr>
+          <p:cNvGrpSpPr/>
+          <p:nvPr/>
+        </p:nvGrpSpPr>
+        <p:grpSpPr>
+          <a:xfrm>
+            <a:off x="1067700" y="1464395"/>
+            <a:ext cx="2435261" cy="1522018"/>
+            <a:chOff x="483500" y="1523661"/>
+            <a:chExt cx="2435261" cy="1522018"/>
+          </a:xfrm>
+        </p:grpSpPr>
+        <p:pic>
+          <p:nvPicPr>
+            <p:cNvPr id="5" name="Picture 4">
+              <a:extLst>
+                <a:ext uri="{FF2B5EF4-FFF2-40B4-BE49-F238E27FC236}">
+                  <a16:creationId xmlns:a16="http://schemas.microsoft.com/office/drawing/2014/main" id="{616DB776-C4A4-437A-7EB2-350408B115BB}"/>
+                </a:ext>
+              </a:extLst>
+            </p:cNvPr>
+            <p:cNvPicPr>
+              <a:picLocks noChangeAspect="1"/>
+            </p:cNvPicPr>
+            <p:nvPr/>
+          </p:nvPicPr>
+          <p:blipFill>
+            <a:blip r:embed="rId2"/>
+            <a:stretch>
+              <a:fillRect/>
+            </a:stretch>
+          </p:blipFill>
+          <p:spPr>
+            <a:xfrm>
+              <a:off x="565758" y="1892993"/>
+              <a:ext cx="2353003" cy="1152686"/>
+            </a:xfrm>
+            <a:prstGeom prst="rect">
+              <a:avLst/>
+            </a:prstGeom>
+          </p:spPr>
+        </p:pic>
+        <p:sp>
+          <p:nvSpPr>
+            <p:cNvPr id="6" name="TextBox 5">
+              <a:extLst>
+                <a:ext uri="{FF2B5EF4-FFF2-40B4-BE49-F238E27FC236}">
+                  <a16:creationId xmlns:a16="http://schemas.microsoft.com/office/drawing/2014/main" id="{3E1B5A30-385B-9C93-708F-F328934646EC}"/>
+                </a:ext>
+              </a:extLst>
+            </p:cNvPr>
+            <p:cNvSpPr txBox="1"/>
+            <p:nvPr/>
+          </p:nvSpPr>
+          <p:spPr>
+            <a:xfrm>
+              <a:off x="483500" y="1523661"/>
+              <a:ext cx="769763" cy="369332"/>
+            </a:xfrm>
+            <a:prstGeom prst="rect">
+              <a:avLst/>
+            </a:prstGeom>
+            <a:noFill/>
+          </p:spPr>
+          <p:txBody>
+            <a:bodyPr wrap="none" rtlCol="0">
+              <a:spAutoFit/>
+            </a:bodyPr>
+            <a:lstStyle/>
+            <a:p>
+              <a:pPr algn="l">
+                <a:spcAft>
+                  <a:spcPts val="1200"/>
+                </a:spcAft>
+              </a:pPr>
+              <a:r>
+                <a:rPr lang="en-US" dirty="0" err="1"/>
+                <a:t>pNFH</a:t>
+              </a:r>
+              <a:endParaRPr lang="en-US" dirty="0"/>
+            </a:p>
+          </p:txBody>
+        </p:sp>
+      </p:grpSp>
+      <p:grpSp>
+        <p:nvGrpSpPr>
+          <p:cNvPr id="17" name="Group 16">
+            <a:extLst>
+              <a:ext uri="{FF2B5EF4-FFF2-40B4-BE49-F238E27FC236}">
+                <a16:creationId xmlns:a16="http://schemas.microsoft.com/office/drawing/2014/main" id="{086AF007-7A77-773C-231F-953D47E86838}"/>
+              </a:ext>
+            </a:extLst>
+          </p:cNvPr>
+          <p:cNvGrpSpPr/>
+          <p:nvPr/>
+        </p:nvGrpSpPr>
+        <p:grpSpPr>
+          <a:xfrm>
+            <a:off x="3556275" y="1464395"/>
+            <a:ext cx="2168524" cy="1683965"/>
+            <a:chOff x="3277277" y="1565073"/>
+            <a:chExt cx="2168524" cy="1683965"/>
+          </a:xfrm>
+        </p:grpSpPr>
+        <p:pic>
+          <p:nvPicPr>
+            <p:cNvPr id="8" name="Picture 7">
+              <a:extLst>
+                <a:ext uri="{FF2B5EF4-FFF2-40B4-BE49-F238E27FC236}">
+                  <a16:creationId xmlns:a16="http://schemas.microsoft.com/office/drawing/2014/main" id="{089E7E3C-97B7-BF1C-618B-0DF4A0450B6C}"/>
+                </a:ext>
+              </a:extLst>
+            </p:cNvPr>
+            <p:cNvPicPr>
+              <a:picLocks noChangeAspect="1"/>
+            </p:cNvPicPr>
+            <p:nvPr/>
+          </p:nvPicPr>
+          <p:blipFill>
+            <a:blip r:embed="rId3"/>
+            <a:stretch>
+              <a:fillRect/>
+            </a:stretch>
+          </p:blipFill>
+          <p:spPr>
+            <a:xfrm>
+              <a:off x="3359535" y="1934405"/>
+              <a:ext cx="2086266" cy="1314633"/>
+            </a:xfrm>
+            <a:prstGeom prst="rect">
+              <a:avLst/>
+            </a:prstGeom>
+          </p:spPr>
+        </p:pic>
+        <p:sp>
+          <p:nvSpPr>
+            <p:cNvPr id="9" name="TextBox 8">
+              <a:extLst>
+                <a:ext uri="{FF2B5EF4-FFF2-40B4-BE49-F238E27FC236}">
+                  <a16:creationId xmlns:a16="http://schemas.microsoft.com/office/drawing/2014/main" id="{752B9526-401D-6A24-41BD-1A074EC53735}"/>
+                </a:ext>
+              </a:extLst>
+            </p:cNvPr>
+            <p:cNvSpPr txBox="1"/>
+            <p:nvPr/>
+          </p:nvSpPr>
+          <p:spPr>
+            <a:xfrm>
+              <a:off x="3277277" y="1565073"/>
+              <a:ext cx="633507" cy="369332"/>
+            </a:xfrm>
+            <a:prstGeom prst="rect">
+              <a:avLst/>
+            </a:prstGeom>
+            <a:noFill/>
+          </p:spPr>
+          <p:txBody>
+            <a:bodyPr wrap="none" rtlCol="0">
+              <a:spAutoFit/>
+            </a:bodyPr>
+            <a:lstStyle/>
+            <a:p>
+              <a:pPr algn="l">
+                <a:spcAft>
+                  <a:spcPts val="1200"/>
+                </a:spcAft>
+              </a:pPr>
+              <a:r>
+                <a:rPr lang="en-US" dirty="0"/>
+                <a:t>NFH</a:t>
+              </a:r>
+            </a:p>
+          </p:txBody>
+        </p:sp>
+      </p:grpSp>
+      <p:grpSp>
+        <p:nvGrpSpPr>
+          <p:cNvPr id="18" name="Group 17">
+            <a:extLst>
+              <a:ext uri="{FF2B5EF4-FFF2-40B4-BE49-F238E27FC236}">
+                <a16:creationId xmlns:a16="http://schemas.microsoft.com/office/drawing/2014/main" id="{8F57BF23-489A-3885-7105-9598AE8887E2}"/>
+              </a:ext>
+            </a:extLst>
+          </p:cNvPr>
+          <p:cNvGrpSpPr/>
+          <p:nvPr/>
+        </p:nvGrpSpPr>
+        <p:grpSpPr>
+          <a:xfrm>
+            <a:off x="5807057" y="1464395"/>
+            <a:ext cx="2149471" cy="2188861"/>
+            <a:chOff x="5445801" y="1565073"/>
+            <a:chExt cx="2149471" cy="2188861"/>
+          </a:xfrm>
+        </p:grpSpPr>
+        <p:pic>
+          <p:nvPicPr>
+            <p:cNvPr id="11" name="Picture 10">
+              <a:extLst>
+                <a:ext uri="{FF2B5EF4-FFF2-40B4-BE49-F238E27FC236}">
+                  <a16:creationId xmlns:a16="http://schemas.microsoft.com/office/drawing/2014/main" id="{4AE4C9F7-4CAC-53A3-AD6C-C3B9C51997A2}"/>
+                </a:ext>
+              </a:extLst>
+            </p:cNvPr>
+            <p:cNvPicPr>
+              <a:picLocks noChangeAspect="1"/>
+            </p:cNvPicPr>
+            <p:nvPr/>
+          </p:nvPicPr>
+          <p:blipFill>
+            <a:blip r:embed="rId4"/>
+            <a:stretch>
+              <a:fillRect/>
+            </a:stretch>
+          </p:blipFill>
+          <p:spPr>
+            <a:xfrm>
+              <a:off x="5528059" y="1934405"/>
+              <a:ext cx="2067213" cy="1819529"/>
+            </a:xfrm>
+            <a:prstGeom prst="rect">
+              <a:avLst/>
+            </a:prstGeom>
+          </p:spPr>
+        </p:pic>
+        <p:sp>
+          <p:nvSpPr>
+            <p:cNvPr id="12" name="TextBox 11">
+              <a:extLst>
+                <a:ext uri="{FF2B5EF4-FFF2-40B4-BE49-F238E27FC236}">
+                  <a16:creationId xmlns:a16="http://schemas.microsoft.com/office/drawing/2014/main" id="{D243DF53-8DE1-7DD9-D50A-D0854FDFA1E7}"/>
+                </a:ext>
+              </a:extLst>
+            </p:cNvPr>
+            <p:cNvSpPr txBox="1"/>
+            <p:nvPr/>
+          </p:nvSpPr>
+          <p:spPr>
+            <a:xfrm>
+              <a:off x="5445801" y="1565073"/>
+              <a:ext cx="813043" cy="369332"/>
+            </a:xfrm>
+            <a:prstGeom prst="rect">
+              <a:avLst/>
+            </a:prstGeom>
+            <a:noFill/>
+          </p:spPr>
+          <p:txBody>
+            <a:bodyPr wrap="none" rtlCol="0">
+              <a:spAutoFit/>
+            </a:bodyPr>
+            <a:lstStyle/>
+            <a:p>
+              <a:pPr algn="l">
+                <a:spcAft>
+                  <a:spcPts val="1200"/>
+                </a:spcAft>
+              </a:pPr>
+              <a:r>
+                <a:rPr lang="en-US" dirty="0" err="1"/>
+                <a:t>pNFM</a:t>
+              </a:r>
+              <a:endParaRPr lang="en-US" dirty="0"/>
+            </a:p>
+          </p:txBody>
+        </p:sp>
+      </p:grpSp>
+      <p:grpSp>
+        <p:nvGrpSpPr>
+          <p:cNvPr id="19" name="Group 18">
+            <a:extLst>
+              <a:ext uri="{FF2B5EF4-FFF2-40B4-BE49-F238E27FC236}">
+                <a16:creationId xmlns:a16="http://schemas.microsoft.com/office/drawing/2014/main" id="{F64FFFE5-0464-BA28-7EB4-1BC22F13D20E}"/>
+              </a:ext>
+            </a:extLst>
+          </p:cNvPr>
+          <p:cNvGrpSpPr/>
+          <p:nvPr/>
+        </p:nvGrpSpPr>
+        <p:grpSpPr>
+          <a:xfrm>
+            <a:off x="8121044" y="1464395"/>
+            <a:ext cx="2133898" cy="1988808"/>
+            <a:chOff x="7677530" y="1583025"/>
+            <a:chExt cx="2133898" cy="1988808"/>
+          </a:xfrm>
+        </p:grpSpPr>
+        <p:pic>
+          <p:nvPicPr>
+            <p:cNvPr id="14" name="Picture 13">
+              <a:extLst>
+                <a:ext uri="{FF2B5EF4-FFF2-40B4-BE49-F238E27FC236}">
+                  <a16:creationId xmlns:a16="http://schemas.microsoft.com/office/drawing/2014/main" id="{4470DB9B-0E6E-5018-0169-11A0A4E8FB36}"/>
+                </a:ext>
+              </a:extLst>
+            </p:cNvPr>
+            <p:cNvPicPr>
+              <a:picLocks noChangeAspect="1"/>
+            </p:cNvPicPr>
+            <p:nvPr/>
+          </p:nvPicPr>
+          <p:blipFill>
+            <a:blip r:embed="rId5"/>
+            <a:stretch>
+              <a:fillRect/>
+            </a:stretch>
+          </p:blipFill>
+          <p:spPr>
+            <a:xfrm>
+              <a:off x="7677530" y="1952357"/>
+              <a:ext cx="2133898" cy="1619476"/>
+            </a:xfrm>
+            <a:prstGeom prst="rect">
+              <a:avLst/>
+            </a:prstGeom>
+          </p:spPr>
+        </p:pic>
+        <p:sp>
+          <p:nvSpPr>
+            <p:cNvPr id="15" name="TextBox 14">
+              <a:extLst>
+                <a:ext uri="{FF2B5EF4-FFF2-40B4-BE49-F238E27FC236}">
+                  <a16:creationId xmlns:a16="http://schemas.microsoft.com/office/drawing/2014/main" id="{13C6A87A-202F-D6E9-5019-F3C3C12935CD}"/>
+                </a:ext>
+              </a:extLst>
+            </p:cNvPr>
+            <p:cNvSpPr txBox="1"/>
+            <p:nvPr/>
+          </p:nvSpPr>
+          <p:spPr>
+            <a:xfrm>
+              <a:off x="7677530" y="1583025"/>
+              <a:ext cx="676788" cy="369332"/>
+            </a:xfrm>
+            <a:prstGeom prst="rect">
+              <a:avLst/>
+            </a:prstGeom>
+            <a:noFill/>
+          </p:spPr>
+          <p:txBody>
+            <a:bodyPr wrap="none" rtlCol="0">
+              <a:spAutoFit/>
+            </a:bodyPr>
+            <a:lstStyle/>
+            <a:p>
+              <a:pPr algn="l">
+                <a:spcAft>
+                  <a:spcPts val="1200"/>
+                </a:spcAft>
+              </a:pPr>
+              <a:r>
+                <a:rPr lang="en-US" dirty="0"/>
+                <a:t>NFM</a:t>
+              </a:r>
+            </a:p>
+          </p:txBody>
+        </p:sp>
+      </p:grpSp>
+      <p:sp>
+        <p:nvSpPr>
+          <p:cNvPr id="20" name="TextBox 19">
+            <a:extLst>
+              <a:ext uri="{FF2B5EF4-FFF2-40B4-BE49-F238E27FC236}">
+                <a16:creationId xmlns:a16="http://schemas.microsoft.com/office/drawing/2014/main" id="{B19BF9C6-71FE-79B8-AA5F-E156BB666635}"/>
+              </a:ext>
+            </a:extLst>
+          </p:cNvPr>
+          <p:cNvSpPr txBox="1"/>
+          <p:nvPr/>
+        </p:nvSpPr>
+        <p:spPr>
+          <a:xfrm>
+            <a:off x="1067700" y="5308650"/>
+            <a:ext cx="4046167" cy="800219"/>
+          </a:xfrm>
+          <a:prstGeom prst="rect">
+            <a:avLst/>
+          </a:prstGeom>
+          <a:noFill/>
+        </p:spPr>
+        <p:txBody>
+          <a:bodyPr wrap="square" rtlCol="0">
+            <a:spAutoFit/>
+          </a:bodyPr>
+          <a:lstStyle/>
+          <a:p>
+            <a:pPr algn="l">
+              <a:spcAft>
+                <a:spcPts val="1200"/>
+              </a:spcAft>
+            </a:pPr>
+            <a:r>
+              <a:rPr lang="en-US" dirty="0"/>
+              <a:t>(p)NFH: 0.50 nm, 0.20 nm3</a:t>
+            </a:r>
+          </a:p>
+          <a:p>
+            <a:pPr algn="l">
+              <a:spcAft>
+                <a:spcPts val="1200"/>
+              </a:spcAft>
+            </a:pPr>
+            <a:r>
+              <a:rPr lang="en-US" dirty="0"/>
+              <a:t>(p)NFM: 3.00 nm, 2.00 nm3</a:t>
+            </a:r>
+          </a:p>
+        </p:txBody>
+      </p:sp>
+      <p:sp>
+        <p:nvSpPr>
+          <p:cNvPr id="21" name="TextBox 20">
+            <a:extLst>
+              <a:ext uri="{FF2B5EF4-FFF2-40B4-BE49-F238E27FC236}">
+                <a16:creationId xmlns:a16="http://schemas.microsoft.com/office/drawing/2014/main" id="{54135103-1D77-5E61-E3B4-240B7A89EB54}"/>
+              </a:ext>
+            </a:extLst>
+          </p:cNvPr>
+          <p:cNvSpPr txBox="1"/>
+          <p:nvPr/>
+        </p:nvSpPr>
+        <p:spPr>
+          <a:xfrm>
+            <a:off x="4240582" y="4877763"/>
+            <a:ext cx="4046167" cy="1231106"/>
+          </a:xfrm>
+          <a:prstGeom prst="rect">
+            <a:avLst/>
+          </a:prstGeom>
+          <a:noFill/>
+        </p:spPr>
+        <p:txBody>
+          <a:bodyPr wrap="square" rtlCol="0">
+            <a:spAutoFit/>
+          </a:bodyPr>
+          <a:lstStyle/>
+          <a:p>
+            <a:pPr algn="l">
+              <a:spcAft>
+                <a:spcPts val="1200"/>
+              </a:spcAft>
+            </a:pPr>
+            <a:r>
+              <a:rPr lang="en-US" dirty="0" err="1"/>
+              <a:t>Chi_max</a:t>
+            </a:r>
+            <a:r>
+              <a:rPr lang="en-US" dirty="0"/>
+              <a:t> = 3.00</a:t>
+            </a:r>
+          </a:p>
+          <a:p>
+            <a:pPr algn="l">
+              <a:spcAft>
+                <a:spcPts val="1200"/>
+              </a:spcAft>
+            </a:pPr>
+            <a:r>
+              <a:rPr lang="en-US" dirty="0"/>
+              <a:t>Sigma = 0.025 c/nm2</a:t>
+            </a:r>
+          </a:p>
+          <a:p>
+            <a:pPr algn="l">
+              <a:spcAft>
+                <a:spcPts val="1200"/>
+              </a:spcAft>
+            </a:pPr>
+            <a:r>
+              <a:rPr lang="en-US" dirty="0"/>
+              <a:t>T = 293 K</a:t>
+            </a:r>
+          </a:p>
+        </p:txBody>
+      </p:sp>
+      <p:sp>
+        <p:nvSpPr>
+          <p:cNvPr id="22" name="TextBox 21">
+            <a:extLst>
+              <a:ext uri="{FF2B5EF4-FFF2-40B4-BE49-F238E27FC236}">
+                <a16:creationId xmlns:a16="http://schemas.microsoft.com/office/drawing/2014/main" id="{C6FE46C7-0B0B-F80E-D410-8095A3A49EF8}"/>
+              </a:ext>
+            </a:extLst>
+          </p:cNvPr>
+          <p:cNvSpPr txBox="1"/>
+          <p:nvPr/>
+        </p:nvSpPr>
+        <p:spPr>
+          <a:xfrm>
+            <a:off x="1156616" y="3818759"/>
+            <a:ext cx="2263284" cy="800219"/>
+          </a:xfrm>
+          <a:prstGeom prst="rect">
+            <a:avLst/>
+          </a:prstGeom>
+          <a:noFill/>
+        </p:spPr>
+        <p:txBody>
+          <a:bodyPr wrap="square" rtlCol="0">
+            <a:spAutoFit/>
+          </a:bodyPr>
+          <a:lstStyle/>
+          <a:p>
+            <a:pPr algn="l">
+              <a:spcAft>
+                <a:spcPts val="1200"/>
+              </a:spcAft>
+            </a:pPr>
+            <a:r>
+              <a:rPr lang="en-US" dirty="0"/>
+              <a:t>Net: -92.27</a:t>
+            </a:r>
+          </a:p>
+          <a:p>
+            <a:pPr algn="l">
+              <a:spcAft>
+                <a:spcPts val="1200"/>
+              </a:spcAft>
+            </a:pPr>
+            <a:r>
+              <a:rPr lang="en-US" dirty="0"/>
+              <a:t>e/c: -0.143</a:t>
+            </a:r>
+          </a:p>
+        </p:txBody>
+      </p:sp>
+      <p:sp>
+        <p:nvSpPr>
+          <p:cNvPr id="23" name="TextBox 22">
+            <a:extLst>
+              <a:ext uri="{FF2B5EF4-FFF2-40B4-BE49-F238E27FC236}">
+                <a16:creationId xmlns:a16="http://schemas.microsoft.com/office/drawing/2014/main" id="{688CD4FD-1A04-22BB-D538-D4BB22621D2B}"/>
+              </a:ext>
+            </a:extLst>
+          </p:cNvPr>
+          <p:cNvSpPr txBox="1"/>
+          <p:nvPr/>
+        </p:nvSpPr>
+        <p:spPr>
+          <a:xfrm>
+            <a:off x="3563524" y="3818759"/>
+            <a:ext cx="2263284" cy="800219"/>
+          </a:xfrm>
+          <a:prstGeom prst="rect">
+            <a:avLst/>
+          </a:prstGeom>
+          <a:noFill/>
+        </p:spPr>
+        <p:txBody>
+          <a:bodyPr wrap="square" rtlCol="0">
+            <a:spAutoFit/>
+          </a:bodyPr>
+          <a:lstStyle/>
+          <a:p>
+            <a:pPr algn="l">
+              <a:spcAft>
+                <a:spcPts val="1200"/>
+              </a:spcAft>
+            </a:pPr>
+            <a:r>
+              <a:rPr lang="en-US" dirty="0"/>
+              <a:t>Net: -32.37</a:t>
+            </a:r>
+          </a:p>
+          <a:p>
+            <a:pPr algn="l">
+              <a:spcAft>
+                <a:spcPts val="1200"/>
+              </a:spcAft>
+            </a:pPr>
+            <a:r>
+              <a:rPr lang="en-US" dirty="0"/>
+              <a:t>e/c: -0.050</a:t>
+            </a:r>
+          </a:p>
+        </p:txBody>
+      </p:sp>
+      <p:sp>
+        <p:nvSpPr>
+          <p:cNvPr id="24" name="TextBox 23">
+            <a:extLst>
+              <a:ext uri="{FF2B5EF4-FFF2-40B4-BE49-F238E27FC236}">
+                <a16:creationId xmlns:a16="http://schemas.microsoft.com/office/drawing/2014/main" id="{2A4F0319-C445-A26C-EDA6-C6945E503281}"/>
+              </a:ext>
+            </a:extLst>
+          </p:cNvPr>
+          <p:cNvSpPr txBox="1"/>
+          <p:nvPr/>
+        </p:nvSpPr>
+        <p:spPr>
+          <a:xfrm>
+            <a:off x="5807057" y="3818759"/>
+            <a:ext cx="2263284" cy="800219"/>
+          </a:xfrm>
+          <a:prstGeom prst="rect">
+            <a:avLst/>
+          </a:prstGeom>
+          <a:noFill/>
+        </p:spPr>
+        <p:txBody>
+          <a:bodyPr wrap="square" rtlCol="0">
+            <a:spAutoFit/>
+          </a:bodyPr>
+          <a:lstStyle/>
+          <a:p>
+            <a:pPr algn="l">
+              <a:spcAft>
+                <a:spcPts val="1200"/>
+              </a:spcAft>
+            </a:pPr>
+            <a:r>
+              <a:rPr lang="en-US" dirty="0"/>
+              <a:t>Net: -72.34</a:t>
+            </a:r>
+          </a:p>
+          <a:p>
+            <a:pPr algn="l">
+              <a:spcAft>
+                <a:spcPts val="1200"/>
+              </a:spcAft>
+            </a:pPr>
+            <a:r>
+              <a:rPr lang="en-US" dirty="0"/>
+              <a:t>e/c: -0.165</a:t>
+            </a:r>
+          </a:p>
+        </p:txBody>
+      </p:sp>
+      <p:sp>
+        <p:nvSpPr>
+          <p:cNvPr id="25" name="TextBox 24">
+            <a:extLst>
+              <a:ext uri="{FF2B5EF4-FFF2-40B4-BE49-F238E27FC236}">
+                <a16:creationId xmlns:a16="http://schemas.microsoft.com/office/drawing/2014/main" id="{0021AA72-2B29-8B43-2CC7-425F415EB0B3}"/>
+              </a:ext>
+            </a:extLst>
+          </p:cNvPr>
+          <p:cNvSpPr txBox="1"/>
+          <p:nvPr/>
+        </p:nvSpPr>
+        <p:spPr>
+          <a:xfrm>
+            <a:off x="8103277" y="3818759"/>
+            <a:ext cx="2263284" cy="800219"/>
+          </a:xfrm>
+          <a:prstGeom prst="rect">
+            <a:avLst/>
+          </a:prstGeom>
+          <a:noFill/>
+        </p:spPr>
+        <p:txBody>
+          <a:bodyPr wrap="square" rtlCol="0">
+            <a:spAutoFit/>
+          </a:bodyPr>
+          <a:lstStyle/>
+          <a:p>
+            <a:pPr algn="l">
+              <a:spcAft>
+                <a:spcPts val="1200"/>
+              </a:spcAft>
+            </a:pPr>
+            <a:r>
+              <a:rPr lang="en-US" dirty="0"/>
+              <a:t>Net: -62.84</a:t>
+            </a:r>
+          </a:p>
+          <a:p>
+            <a:pPr algn="l">
+              <a:spcAft>
+                <a:spcPts val="1200"/>
+              </a:spcAft>
+            </a:pPr>
+            <a:r>
+              <a:rPr lang="en-US" dirty="0"/>
+              <a:t>e/c: -0.143</a:t>
+            </a:r>
+          </a:p>
+        </p:txBody>
+      </p:sp>
+    </p:spTree>
+    <p:extLst>
+      <p:ext uri="{BB962C8B-B14F-4D97-AF65-F5344CB8AC3E}">
+        <p14:creationId xmlns:p14="http://schemas.microsoft.com/office/powerpoint/2010/main" val="1499128720"/>
       </p:ext>
     </p:extLst>
   </p:cSld>
@@ -4188,7 +8447,24 @@
       </a:bgFillStyleLst>
     </a:fmtScheme>
   </a:themeElements>
-  <a:objectDefaults/>
+  <a:objectDefaults>
+    <a:txDef>
+      <a:spPr>
+        <a:noFill/>
+      </a:spPr>
+      <a:bodyPr wrap="square" rtlCol="0">
+        <a:spAutoFit/>
+      </a:bodyPr>
+      <a:lstStyle>
+        <a:defPPr algn="l">
+          <a:spcAft>
+            <a:spcPts val="1200"/>
+          </a:spcAft>
+          <a:defRPr dirty="0" smtClean="0"/>
+        </a:defPPr>
+      </a:lstStyle>
+    </a:txDef>
+  </a:objectDefaults>
   <a:extraClrSchemeLst/>
   <a:extLst>
     <a:ext uri="{05A4C25C-085E-4340-85A3-A5531E510DB2}">

--- a/20230712 NF Collab Update.pptx
+++ b/20230712 NF Collab Update.pptx
@@ -207,7 +207,7 @@
           <a:p>
             <a:fld id="{4299902A-6DB3-4A13-9B91-BEABFDA2FC16}" type="datetimeFigureOut">
               <a:rPr lang="en-US" smtClean="0"/>
-              <a:t>7/11/2023</a:t>
+              <a:t>7/12/2023</a:t>
             </a:fld>
             <a:endParaRPr lang="en-US"/>
           </a:p>
@@ -2632,7 +2632,7 @@
         </p:blipFill>
         <p:spPr bwMode="auto">
           <a:xfrm>
-            <a:off x="8734" y="1928645"/>
+            <a:off x="10940" y="1928645"/>
             <a:ext cx="6535272" cy="3000710"/>
           </a:xfrm>
           <a:prstGeom prst="rect">
@@ -2681,7 +2681,7 @@
             <a:pPr algn="ctr"/>
             <a:r>
               <a:rPr lang="en-US" dirty="0"/>
-              <a:t>b = 4.00 nm</a:t>
+              <a:t>b = 3.00 nm</a:t>
             </a:r>
           </a:p>
         </p:txBody>
@@ -3650,8 +3650,8 @@
           </a:extLst>
         </p:spPr>
       </p:pic>
-      <mc:AlternateContent xmlns:mc="http://schemas.openxmlformats.org/markup-compatibility/2006">
-        <mc:Choice xmlns:a14="http://schemas.microsoft.com/office/drawing/2010/main" Requires="a14">
+      <mc:AlternateContent xmlns:mc="http://schemas.openxmlformats.org/markup-compatibility/2006" xmlns:a14="http://schemas.microsoft.com/office/drawing/2010/main">
+        <mc:Choice Requires="a14">
           <p:sp>
             <p:nvSpPr>
               <p:cNvPr id="6" name="TextBox 5">
@@ -3791,7 +3791,7 @@
             </p:txBody>
           </p:sp>
         </mc:Choice>
-        <mc:Fallback>
+        <mc:Fallback xmlns="">
           <p:sp>
             <p:nvSpPr>
               <p:cNvPr id="6" name="TextBox 5">
@@ -6487,7 +6487,7 @@
         </p:nvGrpSpPr>
         <p:grpSpPr>
           <a:xfrm>
-            <a:off x="5502087" y="4047684"/>
+            <a:off x="5488347" y="4047684"/>
             <a:ext cx="713657" cy="1073605"/>
             <a:chOff x="4383741" y="2002095"/>
             <a:chExt cx="1206082" cy="1814398"/>
@@ -7100,7 +7100,7 @@
         </p:blipFill>
         <p:spPr bwMode="auto">
           <a:xfrm>
-            <a:off x="1363604" y="4007079"/>
+            <a:off x="1358705" y="4039315"/>
             <a:ext cx="4094061" cy="1361236"/>
           </a:xfrm>
           <a:prstGeom prst="rect">
@@ -7936,7 +7936,7 @@
         </p:nvSpPr>
         <p:spPr>
           <a:xfrm>
-            <a:off x="1067700" y="5308650"/>
+            <a:off x="1067700" y="5683853"/>
             <a:ext cx="4046167" cy="800219"/>
           </a:xfrm>
           <a:prstGeom prst="rect">
@@ -7987,7 +7987,7 @@
         </p:nvSpPr>
         <p:spPr>
           <a:xfrm>
-            <a:off x="4240582" y="4877763"/>
+            <a:off x="4240582" y="5252966"/>
             <a:ext cx="4046167" cy="1231106"/>
           </a:xfrm>
           <a:prstGeom prst="rect">
